--- a/presentation/presentation.pptx
+++ b/presentation/presentation.pptx
@@ -11,15 +11,20 @@
     <p:sldId id="269" r:id="rId5"/>
     <p:sldId id="259" r:id="rId6"/>
     <p:sldId id="260" r:id="rId7"/>
-    <p:sldId id="270" r:id="rId8"/>
-    <p:sldId id="261" r:id="rId9"/>
-    <p:sldId id="268" r:id="rId10"/>
-    <p:sldId id="262" r:id="rId11"/>
-    <p:sldId id="263" r:id="rId12"/>
-    <p:sldId id="264" r:id="rId13"/>
-    <p:sldId id="265" r:id="rId14"/>
-    <p:sldId id="266" r:id="rId15"/>
-    <p:sldId id="267" r:id="rId16"/>
+    <p:sldId id="275" r:id="rId8"/>
+    <p:sldId id="270" r:id="rId9"/>
+    <p:sldId id="261" r:id="rId10"/>
+    <p:sldId id="268" r:id="rId11"/>
+    <p:sldId id="262" r:id="rId12"/>
+    <p:sldId id="263" r:id="rId13"/>
+    <p:sldId id="273" r:id="rId14"/>
+    <p:sldId id="264" r:id="rId15"/>
+    <p:sldId id="265" r:id="rId16"/>
+    <p:sldId id="272" r:id="rId17"/>
+    <p:sldId id="266" r:id="rId18"/>
+    <p:sldId id="271" r:id="rId19"/>
+    <p:sldId id="267" r:id="rId20"/>
+    <p:sldId id="274" r:id="rId21"/>
   </p:sldIdLst>
   <p:sldSz cx="9144000" cy="6858000" type="screen4x3"/>
   <p:notesSz cx="6858000" cy="9144000"/>
@@ -119,6 +124,3034 @@
     </a:lvl9pPr>
   </p:defaultTextStyle>
 </p:presentation>
+</file>
+
+<file path=ppt/diagrams/colors1.xml><?xml version="1.0" encoding="utf-8"?>
+<dgm:colorsDef xmlns:dgm="http://schemas.openxmlformats.org/drawingml/2006/diagram" xmlns:a="http://schemas.openxmlformats.org/drawingml/2006/main" uniqueId="urn:microsoft.com/office/officeart/2005/8/colors/accent1_2">
+  <dgm:title val=""/>
+  <dgm:desc val=""/>
+  <dgm:catLst>
+    <dgm:cat type="accent1" pri="11200"/>
+  </dgm:catLst>
+  <dgm:styleLbl name="node0">
+    <dgm:fillClrLst meth="repeat">
+      <a:schemeClr val="accent1"/>
+    </dgm:fillClrLst>
+    <dgm:linClrLst meth="repeat">
+      <a:schemeClr val="lt1"/>
+    </dgm:linClrLst>
+    <dgm:effectClrLst/>
+    <dgm:txLinClrLst/>
+    <dgm:txFillClrLst/>
+    <dgm:txEffectClrLst/>
+  </dgm:styleLbl>
+  <dgm:styleLbl name="alignNode1">
+    <dgm:fillClrLst meth="repeat">
+      <a:schemeClr val="accent1"/>
+    </dgm:fillClrLst>
+    <dgm:linClrLst meth="repeat">
+      <a:schemeClr val="accent1"/>
+    </dgm:linClrLst>
+    <dgm:effectClrLst/>
+    <dgm:txLinClrLst/>
+    <dgm:txFillClrLst/>
+    <dgm:txEffectClrLst/>
+  </dgm:styleLbl>
+  <dgm:styleLbl name="node1">
+    <dgm:fillClrLst meth="repeat">
+      <a:schemeClr val="accent1"/>
+    </dgm:fillClrLst>
+    <dgm:linClrLst meth="repeat">
+      <a:schemeClr val="lt1"/>
+    </dgm:linClrLst>
+    <dgm:effectClrLst/>
+    <dgm:txLinClrLst/>
+    <dgm:txFillClrLst/>
+    <dgm:txEffectClrLst/>
+  </dgm:styleLbl>
+  <dgm:styleLbl name="lnNode1">
+    <dgm:fillClrLst meth="repeat">
+      <a:schemeClr val="accent1"/>
+    </dgm:fillClrLst>
+    <dgm:linClrLst meth="repeat">
+      <a:schemeClr val="lt1"/>
+    </dgm:linClrLst>
+    <dgm:effectClrLst/>
+    <dgm:txLinClrLst/>
+    <dgm:txFillClrLst/>
+    <dgm:txEffectClrLst/>
+  </dgm:styleLbl>
+  <dgm:styleLbl name="vennNode1">
+    <dgm:fillClrLst meth="repeat">
+      <a:schemeClr val="accent1">
+        <a:alpha val="50000"/>
+      </a:schemeClr>
+    </dgm:fillClrLst>
+    <dgm:linClrLst meth="repeat">
+      <a:schemeClr val="lt1"/>
+    </dgm:linClrLst>
+    <dgm:effectClrLst/>
+    <dgm:txLinClrLst/>
+    <dgm:txFillClrLst/>
+    <dgm:txEffectClrLst/>
+  </dgm:styleLbl>
+  <dgm:styleLbl name="node2">
+    <dgm:fillClrLst meth="repeat">
+      <a:schemeClr val="accent1"/>
+    </dgm:fillClrLst>
+    <dgm:linClrLst meth="repeat">
+      <a:schemeClr val="lt1"/>
+    </dgm:linClrLst>
+    <dgm:effectClrLst/>
+    <dgm:txLinClrLst/>
+    <dgm:txFillClrLst/>
+    <dgm:txEffectClrLst/>
+  </dgm:styleLbl>
+  <dgm:styleLbl name="node3">
+    <dgm:fillClrLst meth="repeat">
+      <a:schemeClr val="accent1"/>
+    </dgm:fillClrLst>
+    <dgm:linClrLst meth="repeat">
+      <a:schemeClr val="lt1"/>
+    </dgm:linClrLst>
+    <dgm:effectClrLst/>
+    <dgm:txLinClrLst/>
+    <dgm:txFillClrLst/>
+    <dgm:txEffectClrLst/>
+  </dgm:styleLbl>
+  <dgm:styleLbl name="node4">
+    <dgm:fillClrLst meth="repeat">
+      <a:schemeClr val="accent1"/>
+    </dgm:fillClrLst>
+    <dgm:linClrLst meth="repeat">
+      <a:schemeClr val="lt1"/>
+    </dgm:linClrLst>
+    <dgm:effectClrLst/>
+    <dgm:txLinClrLst/>
+    <dgm:txFillClrLst/>
+    <dgm:txEffectClrLst/>
+  </dgm:styleLbl>
+  <dgm:styleLbl name="fgImgPlace1">
+    <dgm:fillClrLst meth="repeat">
+      <a:schemeClr val="accent1">
+        <a:tint val="50000"/>
+      </a:schemeClr>
+    </dgm:fillClrLst>
+    <dgm:linClrLst meth="repeat">
+      <a:schemeClr val="lt1"/>
+    </dgm:linClrLst>
+    <dgm:effectClrLst/>
+    <dgm:txLinClrLst/>
+    <dgm:txFillClrLst meth="repeat">
+      <a:schemeClr val="lt1"/>
+    </dgm:txFillClrLst>
+    <dgm:txEffectClrLst/>
+  </dgm:styleLbl>
+  <dgm:styleLbl name="alignImgPlace1">
+    <dgm:fillClrLst meth="repeat">
+      <a:schemeClr val="accent1">
+        <a:tint val="50000"/>
+      </a:schemeClr>
+    </dgm:fillClrLst>
+    <dgm:linClrLst meth="repeat">
+      <a:schemeClr val="lt1"/>
+    </dgm:linClrLst>
+    <dgm:effectClrLst/>
+    <dgm:txLinClrLst/>
+    <dgm:txFillClrLst meth="repeat">
+      <a:schemeClr val="lt1"/>
+    </dgm:txFillClrLst>
+    <dgm:txEffectClrLst/>
+  </dgm:styleLbl>
+  <dgm:styleLbl name="bgImgPlace1">
+    <dgm:fillClrLst meth="repeat">
+      <a:schemeClr val="accent1">
+        <a:tint val="50000"/>
+      </a:schemeClr>
+    </dgm:fillClrLst>
+    <dgm:linClrLst meth="repeat">
+      <a:schemeClr val="lt1"/>
+    </dgm:linClrLst>
+    <dgm:effectClrLst/>
+    <dgm:txLinClrLst/>
+    <dgm:txFillClrLst meth="repeat">
+      <a:schemeClr val="lt1"/>
+    </dgm:txFillClrLst>
+    <dgm:txEffectClrLst/>
+  </dgm:styleLbl>
+  <dgm:styleLbl name="sibTrans2D1">
+    <dgm:fillClrLst meth="repeat">
+      <a:schemeClr val="accent1">
+        <a:tint val="60000"/>
+      </a:schemeClr>
+    </dgm:fillClrLst>
+    <dgm:linClrLst meth="repeat">
+      <a:schemeClr val="accent1">
+        <a:tint val="60000"/>
+      </a:schemeClr>
+    </dgm:linClrLst>
+    <dgm:effectClrLst/>
+    <dgm:txLinClrLst/>
+    <dgm:txFillClrLst/>
+    <dgm:txEffectClrLst/>
+  </dgm:styleLbl>
+  <dgm:styleLbl name="fgSibTrans2D1">
+    <dgm:fillClrLst meth="repeat">
+      <a:schemeClr val="accent1">
+        <a:tint val="60000"/>
+      </a:schemeClr>
+    </dgm:fillClrLst>
+    <dgm:linClrLst meth="repeat">
+      <a:schemeClr val="accent1">
+        <a:tint val="60000"/>
+      </a:schemeClr>
+    </dgm:linClrLst>
+    <dgm:effectClrLst/>
+    <dgm:txLinClrLst/>
+    <dgm:txFillClrLst/>
+    <dgm:txEffectClrLst/>
+  </dgm:styleLbl>
+  <dgm:styleLbl name="bgSibTrans2D1">
+    <dgm:fillClrLst meth="repeat">
+      <a:schemeClr val="accent1">
+        <a:tint val="60000"/>
+      </a:schemeClr>
+    </dgm:fillClrLst>
+    <dgm:linClrLst meth="repeat">
+      <a:schemeClr val="accent1">
+        <a:tint val="60000"/>
+      </a:schemeClr>
+    </dgm:linClrLst>
+    <dgm:effectClrLst/>
+    <dgm:txLinClrLst/>
+    <dgm:txFillClrLst/>
+    <dgm:txEffectClrLst/>
+  </dgm:styleLbl>
+  <dgm:styleLbl name="sibTrans1D1">
+    <dgm:fillClrLst meth="repeat">
+      <a:schemeClr val="accent1"/>
+    </dgm:fillClrLst>
+    <dgm:linClrLst meth="repeat">
+      <a:schemeClr val="accent1"/>
+    </dgm:linClrLst>
+    <dgm:effectClrLst/>
+    <dgm:txLinClrLst/>
+    <dgm:txFillClrLst meth="repeat">
+      <a:schemeClr val="tx1"/>
+    </dgm:txFillClrLst>
+    <dgm:txEffectClrLst/>
+  </dgm:styleLbl>
+  <dgm:styleLbl name="callout">
+    <dgm:fillClrLst meth="repeat">
+      <a:schemeClr val="accent1"/>
+    </dgm:fillClrLst>
+    <dgm:linClrLst meth="repeat">
+      <a:schemeClr val="accent1">
+        <a:tint val="50000"/>
+      </a:schemeClr>
+    </dgm:linClrLst>
+    <dgm:effectClrLst/>
+    <dgm:txLinClrLst/>
+    <dgm:txFillClrLst meth="repeat">
+      <a:schemeClr val="tx1"/>
+    </dgm:txFillClrLst>
+    <dgm:txEffectClrLst/>
+  </dgm:styleLbl>
+  <dgm:styleLbl name="asst0">
+    <dgm:fillClrLst meth="repeat">
+      <a:schemeClr val="accent1"/>
+    </dgm:fillClrLst>
+    <dgm:linClrLst meth="repeat">
+      <a:schemeClr val="lt1"/>
+    </dgm:linClrLst>
+    <dgm:effectClrLst/>
+    <dgm:txLinClrLst/>
+    <dgm:txFillClrLst/>
+    <dgm:txEffectClrLst/>
+  </dgm:styleLbl>
+  <dgm:styleLbl name="asst1">
+    <dgm:fillClrLst meth="repeat">
+      <a:schemeClr val="accent1"/>
+    </dgm:fillClrLst>
+    <dgm:linClrLst meth="repeat">
+      <a:schemeClr val="lt1"/>
+    </dgm:linClrLst>
+    <dgm:effectClrLst/>
+    <dgm:txLinClrLst/>
+    <dgm:txFillClrLst/>
+    <dgm:txEffectClrLst/>
+  </dgm:styleLbl>
+  <dgm:styleLbl name="asst2">
+    <dgm:fillClrLst meth="repeat">
+      <a:schemeClr val="accent1"/>
+    </dgm:fillClrLst>
+    <dgm:linClrLst meth="repeat">
+      <a:schemeClr val="lt1"/>
+    </dgm:linClrLst>
+    <dgm:effectClrLst/>
+    <dgm:txLinClrLst/>
+    <dgm:txFillClrLst/>
+    <dgm:txEffectClrLst/>
+  </dgm:styleLbl>
+  <dgm:styleLbl name="asst3">
+    <dgm:fillClrLst meth="repeat">
+      <a:schemeClr val="accent1"/>
+    </dgm:fillClrLst>
+    <dgm:linClrLst meth="repeat">
+      <a:schemeClr val="lt1"/>
+    </dgm:linClrLst>
+    <dgm:effectClrLst/>
+    <dgm:txLinClrLst/>
+    <dgm:txFillClrLst/>
+    <dgm:txEffectClrLst/>
+  </dgm:styleLbl>
+  <dgm:styleLbl name="asst4">
+    <dgm:fillClrLst meth="repeat">
+      <a:schemeClr val="accent1"/>
+    </dgm:fillClrLst>
+    <dgm:linClrLst meth="repeat">
+      <a:schemeClr val="lt1"/>
+    </dgm:linClrLst>
+    <dgm:effectClrLst/>
+    <dgm:txLinClrLst/>
+    <dgm:txFillClrLst/>
+    <dgm:txEffectClrLst/>
+  </dgm:styleLbl>
+  <dgm:styleLbl name="parChTrans2D1">
+    <dgm:fillClrLst meth="repeat">
+      <a:schemeClr val="accent1">
+        <a:tint val="60000"/>
+      </a:schemeClr>
+    </dgm:fillClrLst>
+    <dgm:linClrLst meth="repeat">
+      <a:schemeClr val="accent1">
+        <a:tint val="60000"/>
+      </a:schemeClr>
+    </dgm:linClrLst>
+    <dgm:effectClrLst/>
+    <dgm:txLinClrLst/>
+    <dgm:txFillClrLst meth="repeat">
+      <a:schemeClr val="lt1"/>
+    </dgm:txFillClrLst>
+    <dgm:txEffectClrLst/>
+  </dgm:styleLbl>
+  <dgm:styleLbl name="parChTrans2D2">
+    <dgm:fillClrLst meth="repeat">
+      <a:schemeClr val="accent1"/>
+    </dgm:fillClrLst>
+    <dgm:linClrLst meth="repeat">
+      <a:schemeClr val="accent1"/>
+    </dgm:linClrLst>
+    <dgm:effectClrLst/>
+    <dgm:txLinClrLst/>
+    <dgm:txFillClrLst meth="repeat">
+      <a:schemeClr val="lt1"/>
+    </dgm:txFillClrLst>
+    <dgm:txEffectClrLst/>
+  </dgm:styleLbl>
+  <dgm:styleLbl name="parChTrans2D3">
+    <dgm:fillClrLst meth="repeat">
+      <a:schemeClr val="accent1"/>
+    </dgm:fillClrLst>
+    <dgm:linClrLst meth="repeat">
+      <a:schemeClr val="accent1"/>
+    </dgm:linClrLst>
+    <dgm:effectClrLst/>
+    <dgm:txLinClrLst/>
+    <dgm:txFillClrLst meth="repeat">
+      <a:schemeClr val="lt1"/>
+    </dgm:txFillClrLst>
+    <dgm:txEffectClrLst/>
+  </dgm:styleLbl>
+  <dgm:styleLbl name="parChTrans2D4">
+    <dgm:fillClrLst meth="repeat">
+      <a:schemeClr val="accent1"/>
+    </dgm:fillClrLst>
+    <dgm:linClrLst meth="repeat">
+      <a:schemeClr val="accent1"/>
+    </dgm:linClrLst>
+    <dgm:effectClrLst/>
+    <dgm:txLinClrLst/>
+    <dgm:txFillClrLst meth="repeat">
+      <a:schemeClr val="lt1"/>
+    </dgm:txFillClrLst>
+    <dgm:txEffectClrLst/>
+  </dgm:styleLbl>
+  <dgm:styleLbl name="parChTrans1D1">
+    <dgm:fillClrLst meth="repeat">
+      <a:schemeClr val="accent1"/>
+    </dgm:fillClrLst>
+    <dgm:linClrLst meth="repeat">
+      <a:schemeClr val="accent1">
+        <a:shade val="60000"/>
+      </a:schemeClr>
+    </dgm:linClrLst>
+    <dgm:effectClrLst/>
+    <dgm:txLinClrLst/>
+    <dgm:txFillClrLst meth="repeat">
+      <a:schemeClr val="tx1"/>
+    </dgm:txFillClrLst>
+    <dgm:txEffectClrLst/>
+  </dgm:styleLbl>
+  <dgm:styleLbl name="parChTrans1D2">
+    <dgm:fillClrLst meth="repeat">
+      <a:schemeClr val="accent1"/>
+    </dgm:fillClrLst>
+    <dgm:linClrLst meth="repeat">
+      <a:schemeClr val="accent1">
+        <a:shade val="60000"/>
+      </a:schemeClr>
+    </dgm:linClrLst>
+    <dgm:effectClrLst/>
+    <dgm:txLinClrLst/>
+    <dgm:txFillClrLst meth="repeat">
+      <a:schemeClr val="tx1"/>
+    </dgm:txFillClrLst>
+    <dgm:txEffectClrLst/>
+  </dgm:styleLbl>
+  <dgm:styleLbl name="parChTrans1D3">
+    <dgm:fillClrLst meth="repeat">
+      <a:schemeClr val="accent1"/>
+    </dgm:fillClrLst>
+    <dgm:linClrLst meth="repeat">
+      <a:schemeClr val="accent1">
+        <a:shade val="80000"/>
+      </a:schemeClr>
+    </dgm:linClrLst>
+    <dgm:effectClrLst/>
+    <dgm:txLinClrLst/>
+    <dgm:txFillClrLst meth="repeat">
+      <a:schemeClr val="tx1"/>
+    </dgm:txFillClrLst>
+    <dgm:txEffectClrLst/>
+  </dgm:styleLbl>
+  <dgm:styleLbl name="parChTrans1D4">
+    <dgm:fillClrLst meth="repeat">
+      <a:schemeClr val="accent1"/>
+    </dgm:fillClrLst>
+    <dgm:linClrLst meth="repeat">
+      <a:schemeClr val="accent1">
+        <a:shade val="80000"/>
+      </a:schemeClr>
+    </dgm:linClrLst>
+    <dgm:effectClrLst/>
+    <dgm:txLinClrLst/>
+    <dgm:txFillClrLst meth="repeat">
+      <a:schemeClr val="tx1"/>
+    </dgm:txFillClrLst>
+    <dgm:txEffectClrLst/>
+  </dgm:styleLbl>
+  <dgm:styleLbl name="fgAcc1">
+    <dgm:fillClrLst meth="repeat">
+      <a:schemeClr val="lt1">
+        <a:alpha val="90000"/>
+      </a:schemeClr>
+    </dgm:fillClrLst>
+    <dgm:linClrLst meth="repeat">
+      <a:schemeClr val="accent1"/>
+    </dgm:linClrLst>
+    <dgm:effectClrLst/>
+    <dgm:txLinClrLst/>
+    <dgm:txFillClrLst meth="repeat">
+      <a:schemeClr val="dk1"/>
+    </dgm:txFillClrLst>
+    <dgm:txEffectClrLst/>
+  </dgm:styleLbl>
+  <dgm:styleLbl name="conFgAcc1">
+    <dgm:fillClrLst meth="repeat">
+      <a:schemeClr val="lt1">
+        <a:alpha val="90000"/>
+      </a:schemeClr>
+    </dgm:fillClrLst>
+    <dgm:linClrLst meth="repeat">
+      <a:schemeClr val="accent1"/>
+    </dgm:linClrLst>
+    <dgm:effectClrLst/>
+    <dgm:txLinClrLst/>
+    <dgm:txFillClrLst meth="repeat">
+      <a:schemeClr val="dk1"/>
+    </dgm:txFillClrLst>
+    <dgm:txEffectClrLst/>
+  </dgm:styleLbl>
+  <dgm:styleLbl name="alignAcc1">
+    <dgm:fillClrLst meth="repeat">
+      <a:schemeClr val="lt1">
+        <a:alpha val="90000"/>
+      </a:schemeClr>
+    </dgm:fillClrLst>
+    <dgm:linClrLst meth="repeat">
+      <a:schemeClr val="accent1"/>
+    </dgm:linClrLst>
+    <dgm:effectClrLst/>
+    <dgm:txLinClrLst/>
+    <dgm:txFillClrLst meth="repeat">
+      <a:schemeClr val="dk1"/>
+    </dgm:txFillClrLst>
+    <dgm:txEffectClrLst/>
+  </dgm:styleLbl>
+  <dgm:styleLbl name="trAlignAcc1">
+    <dgm:fillClrLst meth="repeat">
+      <a:schemeClr val="lt1">
+        <a:alpha val="40000"/>
+      </a:schemeClr>
+    </dgm:fillClrLst>
+    <dgm:linClrLst meth="repeat">
+      <a:schemeClr val="accent1"/>
+    </dgm:linClrLst>
+    <dgm:effectClrLst/>
+    <dgm:txLinClrLst/>
+    <dgm:txFillClrLst meth="repeat">
+      <a:schemeClr val="dk1"/>
+    </dgm:txFillClrLst>
+    <dgm:txEffectClrLst/>
+  </dgm:styleLbl>
+  <dgm:styleLbl name="bgAcc1">
+    <dgm:fillClrLst meth="repeat">
+      <a:schemeClr val="lt1">
+        <a:alpha val="90000"/>
+      </a:schemeClr>
+    </dgm:fillClrLst>
+    <dgm:linClrLst meth="repeat">
+      <a:schemeClr val="accent1"/>
+    </dgm:linClrLst>
+    <dgm:effectClrLst/>
+    <dgm:txLinClrLst/>
+    <dgm:txFillClrLst meth="repeat">
+      <a:schemeClr val="dk1"/>
+    </dgm:txFillClrLst>
+    <dgm:txEffectClrLst/>
+  </dgm:styleLbl>
+  <dgm:styleLbl name="solidFgAcc1">
+    <dgm:fillClrLst meth="repeat">
+      <a:schemeClr val="lt1"/>
+    </dgm:fillClrLst>
+    <dgm:linClrLst meth="repeat">
+      <a:schemeClr val="accent1"/>
+    </dgm:linClrLst>
+    <dgm:effectClrLst/>
+    <dgm:txLinClrLst/>
+    <dgm:txFillClrLst meth="repeat">
+      <a:schemeClr val="dk1"/>
+    </dgm:txFillClrLst>
+    <dgm:txEffectClrLst/>
+  </dgm:styleLbl>
+  <dgm:styleLbl name="solidAlignAcc1">
+    <dgm:fillClrLst meth="repeat">
+      <a:schemeClr val="lt1"/>
+    </dgm:fillClrLst>
+    <dgm:linClrLst meth="repeat">
+      <a:schemeClr val="accent1"/>
+    </dgm:linClrLst>
+    <dgm:effectClrLst/>
+    <dgm:txLinClrLst/>
+    <dgm:txFillClrLst meth="repeat">
+      <a:schemeClr val="dk1"/>
+    </dgm:txFillClrLst>
+    <dgm:txEffectClrLst/>
+  </dgm:styleLbl>
+  <dgm:styleLbl name="solidBgAcc1">
+    <dgm:fillClrLst meth="repeat">
+      <a:schemeClr val="lt1"/>
+    </dgm:fillClrLst>
+    <dgm:linClrLst meth="repeat">
+      <a:schemeClr val="accent1"/>
+    </dgm:linClrLst>
+    <dgm:effectClrLst/>
+    <dgm:txLinClrLst/>
+    <dgm:txFillClrLst meth="repeat">
+      <a:schemeClr val="dk1"/>
+    </dgm:txFillClrLst>
+    <dgm:txEffectClrLst/>
+  </dgm:styleLbl>
+  <dgm:styleLbl name="fgAccFollowNode1">
+    <dgm:fillClrLst meth="repeat">
+      <a:schemeClr val="accent1">
+        <a:alpha val="90000"/>
+        <a:tint val="40000"/>
+      </a:schemeClr>
+    </dgm:fillClrLst>
+    <dgm:linClrLst meth="repeat">
+      <a:schemeClr val="accent1">
+        <a:alpha val="90000"/>
+        <a:tint val="40000"/>
+      </a:schemeClr>
+    </dgm:linClrLst>
+    <dgm:effectClrLst/>
+    <dgm:txLinClrLst/>
+    <dgm:txFillClrLst meth="repeat">
+      <a:schemeClr val="dk1"/>
+    </dgm:txFillClrLst>
+    <dgm:txEffectClrLst/>
+  </dgm:styleLbl>
+  <dgm:styleLbl name="alignAccFollowNode1">
+    <dgm:fillClrLst meth="repeat">
+      <a:schemeClr val="accent1">
+        <a:alpha val="90000"/>
+        <a:tint val="40000"/>
+      </a:schemeClr>
+    </dgm:fillClrLst>
+    <dgm:linClrLst meth="repeat">
+      <a:schemeClr val="accent1">
+        <a:alpha val="90000"/>
+        <a:tint val="40000"/>
+      </a:schemeClr>
+    </dgm:linClrLst>
+    <dgm:effectClrLst/>
+    <dgm:txLinClrLst/>
+    <dgm:txFillClrLst meth="repeat">
+      <a:schemeClr val="dk1"/>
+    </dgm:txFillClrLst>
+    <dgm:txEffectClrLst/>
+  </dgm:styleLbl>
+  <dgm:styleLbl name="bgAccFollowNode1">
+    <dgm:fillClrLst meth="repeat">
+      <a:schemeClr val="accent1">
+        <a:alpha val="90000"/>
+        <a:tint val="40000"/>
+      </a:schemeClr>
+    </dgm:fillClrLst>
+    <dgm:linClrLst meth="repeat">
+      <a:schemeClr val="accent1">
+        <a:alpha val="90000"/>
+        <a:tint val="40000"/>
+      </a:schemeClr>
+    </dgm:linClrLst>
+    <dgm:effectClrLst/>
+    <dgm:txLinClrLst/>
+    <dgm:txFillClrLst meth="repeat">
+      <a:schemeClr val="dk1"/>
+    </dgm:txFillClrLst>
+    <dgm:txEffectClrLst/>
+  </dgm:styleLbl>
+  <dgm:styleLbl name="fgAcc0">
+    <dgm:fillClrLst meth="repeat">
+      <a:schemeClr val="lt1">
+        <a:alpha val="90000"/>
+      </a:schemeClr>
+    </dgm:fillClrLst>
+    <dgm:linClrLst meth="repeat">
+      <a:schemeClr val="accent1"/>
+    </dgm:linClrLst>
+    <dgm:effectClrLst/>
+    <dgm:txLinClrLst/>
+    <dgm:txFillClrLst meth="repeat">
+      <a:schemeClr val="dk1"/>
+    </dgm:txFillClrLst>
+    <dgm:txEffectClrLst/>
+  </dgm:styleLbl>
+  <dgm:styleLbl name="fgAcc2">
+    <dgm:fillClrLst meth="repeat">
+      <a:schemeClr val="lt1">
+        <a:alpha val="90000"/>
+      </a:schemeClr>
+    </dgm:fillClrLst>
+    <dgm:linClrLst meth="repeat">
+      <a:schemeClr val="accent1"/>
+    </dgm:linClrLst>
+    <dgm:effectClrLst/>
+    <dgm:txLinClrLst/>
+    <dgm:txFillClrLst meth="repeat">
+      <a:schemeClr val="dk1"/>
+    </dgm:txFillClrLst>
+    <dgm:txEffectClrLst/>
+  </dgm:styleLbl>
+  <dgm:styleLbl name="fgAcc3">
+    <dgm:fillClrLst meth="repeat">
+      <a:schemeClr val="lt1">
+        <a:alpha val="90000"/>
+      </a:schemeClr>
+    </dgm:fillClrLst>
+    <dgm:linClrLst meth="repeat">
+      <a:schemeClr val="accent1"/>
+    </dgm:linClrLst>
+    <dgm:effectClrLst/>
+    <dgm:txLinClrLst/>
+    <dgm:txFillClrLst meth="repeat">
+      <a:schemeClr val="dk1"/>
+    </dgm:txFillClrLst>
+    <dgm:txEffectClrLst/>
+  </dgm:styleLbl>
+  <dgm:styleLbl name="fgAcc4">
+    <dgm:fillClrLst meth="repeat">
+      <a:schemeClr val="lt1">
+        <a:alpha val="90000"/>
+      </a:schemeClr>
+    </dgm:fillClrLst>
+    <dgm:linClrLst meth="repeat">
+      <a:schemeClr val="accent1"/>
+    </dgm:linClrLst>
+    <dgm:effectClrLst/>
+    <dgm:txLinClrLst/>
+    <dgm:txFillClrLst meth="repeat">
+      <a:schemeClr val="dk1"/>
+    </dgm:txFillClrLst>
+    <dgm:txEffectClrLst/>
+  </dgm:styleLbl>
+  <dgm:styleLbl name="bgShp">
+    <dgm:fillClrLst meth="repeat">
+      <a:schemeClr val="accent1">
+        <a:tint val="40000"/>
+      </a:schemeClr>
+    </dgm:fillClrLst>
+    <dgm:linClrLst meth="repeat">
+      <a:schemeClr val="accent1"/>
+    </dgm:linClrLst>
+    <dgm:effectClrLst/>
+    <dgm:txLinClrLst/>
+    <dgm:txFillClrLst meth="repeat">
+      <a:schemeClr val="dk1"/>
+    </dgm:txFillClrLst>
+    <dgm:txEffectClrLst/>
+  </dgm:styleLbl>
+  <dgm:styleLbl name="dkBgShp">
+    <dgm:fillClrLst meth="repeat">
+      <a:schemeClr val="accent1">
+        <a:shade val="80000"/>
+      </a:schemeClr>
+    </dgm:fillClrLst>
+    <dgm:linClrLst meth="repeat">
+      <a:schemeClr val="accent1"/>
+    </dgm:linClrLst>
+    <dgm:effectClrLst/>
+    <dgm:txLinClrLst/>
+    <dgm:txFillClrLst meth="repeat">
+      <a:schemeClr val="lt1"/>
+    </dgm:txFillClrLst>
+    <dgm:txEffectClrLst/>
+  </dgm:styleLbl>
+  <dgm:styleLbl name="trBgShp">
+    <dgm:fillClrLst meth="repeat">
+      <a:schemeClr val="accent1">
+        <a:tint val="50000"/>
+        <a:alpha val="40000"/>
+      </a:schemeClr>
+    </dgm:fillClrLst>
+    <dgm:linClrLst meth="repeat">
+      <a:schemeClr val="accent1"/>
+    </dgm:linClrLst>
+    <dgm:effectClrLst/>
+    <dgm:txLinClrLst/>
+    <dgm:txFillClrLst meth="repeat">
+      <a:schemeClr val="lt1"/>
+    </dgm:txFillClrLst>
+    <dgm:txEffectClrLst/>
+  </dgm:styleLbl>
+  <dgm:styleLbl name="fgShp">
+    <dgm:fillClrLst meth="repeat">
+      <a:schemeClr val="accent1">
+        <a:tint val="60000"/>
+      </a:schemeClr>
+    </dgm:fillClrLst>
+    <dgm:linClrLst meth="repeat">
+      <a:schemeClr val="lt1"/>
+    </dgm:linClrLst>
+    <dgm:effectClrLst/>
+    <dgm:txLinClrLst/>
+    <dgm:txFillClrLst meth="repeat">
+      <a:schemeClr val="dk1"/>
+    </dgm:txFillClrLst>
+    <dgm:txEffectClrLst/>
+  </dgm:styleLbl>
+  <dgm:styleLbl name="revTx">
+    <dgm:fillClrLst meth="repeat">
+      <a:schemeClr val="lt1">
+        <a:alpha val="0"/>
+      </a:schemeClr>
+    </dgm:fillClrLst>
+    <dgm:linClrLst meth="repeat">
+      <a:schemeClr val="dk1">
+        <a:alpha val="0"/>
+      </a:schemeClr>
+    </dgm:linClrLst>
+    <dgm:effectClrLst/>
+    <dgm:txLinClrLst/>
+    <dgm:txFillClrLst meth="repeat">
+      <a:schemeClr val="tx1"/>
+    </dgm:txFillClrLst>
+    <dgm:txEffectClrLst/>
+  </dgm:styleLbl>
+</dgm:colorsDef>
+</file>
+
+<file path=ppt/diagrams/data1.xml><?xml version="1.0" encoding="utf-8"?>
+<dgm:dataModel xmlns:dgm="http://schemas.openxmlformats.org/drawingml/2006/diagram" xmlns:a="http://schemas.openxmlformats.org/drawingml/2006/main">
+  <dgm:ptLst>
+    <dgm:pt modelId="{1BACE95A-860D-C741-8441-FAD85FB16B5F}" type="doc">
+      <dgm:prSet loTypeId="urn:microsoft.com/office/officeart/2005/8/layout/cycle3" loCatId="" qsTypeId="urn:microsoft.com/office/officeart/2005/8/quickstyle/simple4" qsCatId="simple" csTypeId="urn:microsoft.com/office/officeart/2005/8/colors/accent1_2" csCatId="accent1" phldr="1"/>
+      <dgm:spPr/>
+      <dgm:t>
+        <a:bodyPr/>
+        <a:lstStyle/>
+        <a:p>
+          <a:endParaRPr lang="de-DE"/>
+        </a:p>
+      </dgm:t>
+    </dgm:pt>
+    <dgm:pt modelId="{A2BD4427-18D0-7F46-A30E-1BC6E0E50D0A}">
+      <dgm:prSet phldrT="[Text]"/>
+      <dgm:spPr/>
+      <dgm:t>
+        <a:bodyPr/>
+        <a:lstStyle/>
+        <a:p>
+          <a:r>
+            <a:rPr lang="de-DE" dirty="0" err="1" smtClean="0"/>
+            <a:t>malloc</a:t>
+          </a:r>
+          <a:r>
+            <a:rPr lang="de-DE" dirty="0" smtClean="0"/>
+            <a:t>()</a:t>
+          </a:r>
+          <a:endParaRPr lang="de-DE" dirty="0"/>
+        </a:p>
+      </dgm:t>
+    </dgm:pt>
+    <dgm:pt modelId="{54C962AF-4843-2C47-B996-0927D954E819}" type="parTrans" cxnId="{FFB52E85-4065-C146-8F79-D08A415AA055}">
+      <dgm:prSet/>
+      <dgm:spPr/>
+      <dgm:t>
+        <a:bodyPr/>
+        <a:lstStyle/>
+        <a:p>
+          <a:endParaRPr lang="de-DE"/>
+        </a:p>
+      </dgm:t>
+    </dgm:pt>
+    <dgm:pt modelId="{9DE01D1E-ACCB-134E-B9DB-244DCEC247D6}" type="sibTrans" cxnId="{FFB52E85-4065-C146-8F79-D08A415AA055}">
+      <dgm:prSet/>
+      <dgm:spPr/>
+      <dgm:t>
+        <a:bodyPr/>
+        <a:lstStyle/>
+        <a:p>
+          <a:endParaRPr lang="de-DE"/>
+        </a:p>
+      </dgm:t>
+    </dgm:pt>
+    <dgm:pt modelId="{ECF010C8-FE63-5C48-9CEB-53F4CD5CFB06}">
+      <dgm:prSet phldrT="[Text]"/>
+      <dgm:spPr/>
+      <dgm:t>
+        <a:bodyPr/>
+        <a:lstStyle/>
+        <a:p>
+          <a:r>
+            <a:rPr lang="de-DE" dirty="0" err="1" smtClean="0"/>
+            <a:t>page_fault</a:t>
+          </a:r>
+          <a:endParaRPr lang="de-DE" dirty="0"/>
+        </a:p>
+      </dgm:t>
+    </dgm:pt>
+    <dgm:pt modelId="{944A20F8-4899-EC4A-95CC-9517D7892E81}" type="parTrans" cxnId="{991A7007-CA70-AE47-A703-67E379972695}">
+      <dgm:prSet/>
+      <dgm:spPr/>
+      <dgm:t>
+        <a:bodyPr/>
+        <a:lstStyle/>
+        <a:p>
+          <a:endParaRPr lang="de-DE"/>
+        </a:p>
+      </dgm:t>
+    </dgm:pt>
+    <dgm:pt modelId="{32E29655-921D-3A4E-B1FB-BDE3BCE57ACC}" type="sibTrans" cxnId="{991A7007-CA70-AE47-A703-67E379972695}">
+      <dgm:prSet/>
+      <dgm:spPr/>
+      <dgm:t>
+        <a:bodyPr/>
+        <a:lstStyle/>
+        <a:p>
+          <a:endParaRPr lang="de-DE"/>
+        </a:p>
+      </dgm:t>
+    </dgm:pt>
+    <dgm:pt modelId="{C4741A67-1FD8-7441-9029-9D042608C9C5}">
+      <dgm:prSet phldrT="[Text]"/>
+      <dgm:spPr/>
+      <dgm:t>
+        <a:bodyPr/>
+        <a:lstStyle/>
+        <a:p>
+          <a:r>
+            <a:rPr lang="de-DE" dirty="0" err="1" smtClean="0"/>
+            <a:t>data_abort</a:t>
+          </a:r>
+          <a:endParaRPr lang="de-DE" dirty="0"/>
+        </a:p>
+      </dgm:t>
+    </dgm:pt>
+    <dgm:pt modelId="{BE7DE9CD-D6B1-9D4A-BB03-7B8E8D124157}" type="parTrans" cxnId="{596FC4DF-8E87-3949-AEB5-8FD187B452BE}">
+      <dgm:prSet/>
+      <dgm:spPr/>
+      <dgm:t>
+        <a:bodyPr/>
+        <a:lstStyle/>
+        <a:p>
+          <a:endParaRPr lang="de-DE"/>
+        </a:p>
+      </dgm:t>
+    </dgm:pt>
+    <dgm:pt modelId="{9BA4042B-9A3E-894D-9B53-2CD20C70AB61}" type="sibTrans" cxnId="{596FC4DF-8E87-3949-AEB5-8FD187B452BE}">
+      <dgm:prSet/>
+      <dgm:spPr/>
+      <dgm:t>
+        <a:bodyPr/>
+        <a:lstStyle/>
+        <a:p>
+          <a:endParaRPr lang="de-DE"/>
+        </a:p>
+      </dgm:t>
+    </dgm:pt>
+    <dgm:pt modelId="{E1C81140-264D-2844-A868-275EBC13C397}">
+      <dgm:prSet phldrT="[Text]"/>
+      <dgm:spPr/>
+      <dgm:t>
+        <a:bodyPr/>
+        <a:lstStyle/>
+        <a:p>
+          <a:r>
+            <a:rPr lang="de-DE" dirty="0" err="1" smtClean="0"/>
+            <a:t>find_free_page</a:t>
+          </a:r>
+          <a:endParaRPr lang="de-DE" dirty="0"/>
+        </a:p>
+      </dgm:t>
+    </dgm:pt>
+    <dgm:pt modelId="{8B6235F9-76BF-BC49-A12F-695C95DC5523}" type="parTrans" cxnId="{CAB426E3-FA70-9A43-831B-4B1BF0128AF8}">
+      <dgm:prSet/>
+      <dgm:spPr/>
+      <dgm:t>
+        <a:bodyPr/>
+        <a:lstStyle/>
+        <a:p>
+          <a:endParaRPr lang="de-DE"/>
+        </a:p>
+      </dgm:t>
+    </dgm:pt>
+    <dgm:pt modelId="{0561FE92-2C77-5A45-89BC-47D24C25C390}" type="sibTrans" cxnId="{CAB426E3-FA70-9A43-831B-4B1BF0128AF8}">
+      <dgm:prSet/>
+      <dgm:spPr/>
+      <dgm:t>
+        <a:bodyPr/>
+        <a:lstStyle/>
+        <a:p>
+          <a:endParaRPr lang="de-DE"/>
+        </a:p>
+      </dgm:t>
+    </dgm:pt>
+    <dgm:pt modelId="{0A44DE86-087D-5944-BC0E-FBC8B5FCAE7D}">
+      <dgm:prSet phldrT="[Text]"/>
+      <dgm:spPr/>
+      <dgm:t>
+        <a:bodyPr/>
+        <a:lstStyle/>
+        <a:p>
+          <a:r>
+            <a:rPr lang="de-DE" dirty="0" err="1" smtClean="0"/>
+            <a:t>map_new_page</a:t>
+          </a:r>
+          <a:endParaRPr lang="de-DE" dirty="0"/>
+        </a:p>
+      </dgm:t>
+    </dgm:pt>
+    <dgm:pt modelId="{B15CEE0A-65C6-064F-918E-DE98AA609F82}" type="parTrans" cxnId="{E29BA88A-8308-C740-B796-3A118C167D3E}">
+      <dgm:prSet/>
+      <dgm:spPr/>
+      <dgm:t>
+        <a:bodyPr/>
+        <a:lstStyle/>
+        <a:p>
+          <a:endParaRPr lang="de-DE"/>
+        </a:p>
+      </dgm:t>
+    </dgm:pt>
+    <dgm:pt modelId="{7CCFDA96-E6F0-5F48-9C43-B9F0EDAA692C}" type="sibTrans" cxnId="{E29BA88A-8308-C740-B796-3A118C167D3E}">
+      <dgm:prSet/>
+      <dgm:spPr/>
+      <dgm:t>
+        <a:bodyPr/>
+        <a:lstStyle/>
+        <a:p>
+          <a:endParaRPr lang="de-DE"/>
+        </a:p>
+      </dgm:t>
+    </dgm:pt>
+    <dgm:pt modelId="{46EFF7AF-D124-0B41-9E74-F18BF2249BD9}" type="pres">
+      <dgm:prSet presAssocID="{1BACE95A-860D-C741-8441-FAD85FB16B5F}" presName="Name0" presStyleCnt="0">
+        <dgm:presLayoutVars>
+          <dgm:dir/>
+          <dgm:resizeHandles val="exact"/>
+        </dgm:presLayoutVars>
+      </dgm:prSet>
+      <dgm:spPr/>
+    </dgm:pt>
+    <dgm:pt modelId="{A63862F9-CF05-A046-BDDC-0B363EF2CD2C}" type="pres">
+      <dgm:prSet presAssocID="{1BACE95A-860D-C741-8441-FAD85FB16B5F}" presName="cycle" presStyleCnt="0"/>
+      <dgm:spPr/>
+    </dgm:pt>
+    <dgm:pt modelId="{61DEAF27-D6E2-EC43-953D-4BA9A2388C13}" type="pres">
+      <dgm:prSet presAssocID="{A2BD4427-18D0-7F46-A30E-1BC6E0E50D0A}" presName="nodeFirstNode" presStyleLbl="node1" presStyleIdx="0" presStyleCnt="5">
+        <dgm:presLayoutVars>
+          <dgm:bulletEnabled val="1"/>
+        </dgm:presLayoutVars>
+      </dgm:prSet>
+      <dgm:spPr/>
+    </dgm:pt>
+    <dgm:pt modelId="{728CD5D4-62D4-4849-9B1E-41AD91F4F36A}" type="pres">
+      <dgm:prSet presAssocID="{9DE01D1E-ACCB-134E-B9DB-244DCEC247D6}" presName="sibTransFirstNode" presStyleLbl="bgShp" presStyleIdx="0" presStyleCnt="1"/>
+      <dgm:spPr/>
+    </dgm:pt>
+    <dgm:pt modelId="{9CA65FF0-C898-244F-B5BA-36565C33BEA3}" type="pres">
+      <dgm:prSet presAssocID="{ECF010C8-FE63-5C48-9CEB-53F4CD5CFB06}" presName="nodeFollowingNodes" presStyleLbl="node1" presStyleIdx="1" presStyleCnt="5">
+        <dgm:presLayoutVars>
+          <dgm:bulletEnabled val="1"/>
+        </dgm:presLayoutVars>
+      </dgm:prSet>
+      <dgm:spPr/>
+      <dgm:t>
+        <a:bodyPr/>
+        <a:lstStyle/>
+        <a:p>
+          <a:endParaRPr lang="de-DE"/>
+        </a:p>
+      </dgm:t>
+    </dgm:pt>
+    <dgm:pt modelId="{0A7ADF63-EC09-DD43-898A-058B8778E188}" type="pres">
+      <dgm:prSet presAssocID="{C4741A67-1FD8-7441-9029-9D042608C9C5}" presName="nodeFollowingNodes" presStyleLbl="node1" presStyleIdx="2" presStyleCnt="5">
+        <dgm:presLayoutVars>
+          <dgm:bulletEnabled val="1"/>
+        </dgm:presLayoutVars>
+      </dgm:prSet>
+      <dgm:spPr/>
+      <dgm:t>
+        <a:bodyPr/>
+        <a:lstStyle/>
+        <a:p>
+          <a:endParaRPr lang="de-DE"/>
+        </a:p>
+      </dgm:t>
+    </dgm:pt>
+    <dgm:pt modelId="{3525C761-C318-384E-86D0-E01C13488BEA}" type="pres">
+      <dgm:prSet presAssocID="{E1C81140-264D-2844-A868-275EBC13C397}" presName="nodeFollowingNodes" presStyleLbl="node1" presStyleIdx="3" presStyleCnt="5">
+        <dgm:presLayoutVars>
+          <dgm:bulletEnabled val="1"/>
+        </dgm:presLayoutVars>
+      </dgm:prSet>
+      <dgm:spPr/>
+    </dgm:pt>
+    <dgm:pt modelId="{B1D73C20-BCC1-B14C-9ACC-D260740CA103}" type="pres">
+      <dgm:prSet presAssocID="{0A44DE86-087D-5944-BC0E-FBC8B5FCAE7D}" presName="nodeFollowingNodes" presStyleLbl="node1" presStyleIdx="4" presStyleCnt="5">
+        <dgm:presLayoutVars>
+          <dgm:bulletEnabled val="1"/>
+        </dgm:presLayoutVars>
+      </dgm:prSet>
+      <dgm:spPr/>
+    </dgm:pt>
+  </dgm:ptLst>
+  <dgm:cxnLst>
+    <dgm:cxn modelId="{DE61E986-4733-FC49-BC56-1ABC91DA66C2}" type="presOf" srcId="{ECF010C8-FE63-5C48-9CEB-53F4CD5CFB06}" destId="{9CA65FF0-C898-244F-B5BA-36565C33BEA3}" srcOrd="0" destOrd="0" presId="urn:microsoft.com/office/officeart/2005/8/layout/cycle3"/>
+    <dgm:cxn modelId="{237A3B55-1E49-314A-B2A0-47FCFE74F18E}" type="presOf" srcId="{1BACE95A-860D-C741-8441-FAD85FB16B5F}" destId="{46EFF7AF-D124-0B41-9E74-F18BF2249BD9}" srcOrd="0" destOrd="0" presId="urn:microsoft.com/office/officeart/2005/8/layout/cycle3"/>
+    <dgm:cxn modelId="{FFB52E85-4065-C146-8F79-D08A415AA055}" srcId="{1BACE95A-860D-C741-8441-FAD85FB16B5F}" destId="{A2BD4427-18D0-7F46-A30E-1BC6E0E50D0A}" srcOrd="0" destOrd="0" parTransId="{54C962AF-4843-2C47-B996-0927D954E819}" sibTransId="{9DE01D1E-ACCB-134E-B9DB-244DCEC247D6}"/>
+    <dgm:cxn modelId="{724DC370-59C5-064E-B78C-F14C38053478}" type="presOf" srcId="{A2BD4427-18D0-7F46-A30E-1BC6E0E50D0A}" destId="{61DEAF27-D6E2-EC43-953D-4BA9A2388C13}" srcOrd="0" destOrd="0" presId="urn:microsoft.com/office/officeart/2005/8/layout/cycle3"/>
+    <dgm:cxn modelId="{5C5679E2-A19B-2F44-A8D5-62CD1B6E39E8}" type="presOf" srcId="{9DE01D1E-ACCB-134E-B9DB-244DCEC247D6}" destId="{728CD5D4-62D4-4849-9B1E-41AD91F4F36A}" srcOrd="0" destOrd="0" presId="urn:microsoft.com/office/officeart/2005/8/layout/cycle3"/>
+    <dgm:cxn modelId="{AB14BA5C-692F-3645-B2C1-49E84F6F7237}" type="presOf" srcId="{E1C81140-264D-2844-A868-275EBC13C397}" destId="{3525C761-C318-384E-86D0-E01C13488BEA}" srcOrd="0" destOrd="0" presId="urn:microsoft.com/office/officeart/2005/8/layout/cycle3"/>
+    <dgm:cxn modelId="{BE7F53AC-DC7B-5841-A41C-D18FB6F53A38}" type="presOf" srcId="{0A44DE86-087D-5944-BC0E-FBC8B5FCAE7D}" destId="{B1D73C20-BCC1-B14C-9ACC-D260740CA103}" srcOrd="0" destOrd="0" presId="urn:microsoft.com/office/officeart/2005/8/layout/cycle3"/>
+    <dgm:cxn modelId="{CAB426E3-FA70-9A43-831B-4B1BF0128AF8}" srcId="{1BACE95A-860D-C741-8441-FAD85FB16B5F}" destId="{E1C81140-264D-2844-A868-275EBC13C397}" srcOrd="3" destOrd="0" parTransId="{8B6235F9-76BF-BC49-A12F-695C95DC5523}" sibTransId="{0561FE92-2C77-5A45-89BC-47D24C25C390}"/>
+    <dgm:cxn modelId="{E29BA88A-8308-C740-B796-3A118C167D3E}" srcId="{1BACE95A-860D-C741-8441-FAD85FB16B5F}" destId="{0A44DE86-087D-5944-BC0E-FBC8B5FCAE7D}" srcOrd="4" destOrd="0" parTransId="{B15CEE0A-65C6-064F-918E-DE98AA609F82}" sibTransId="{7CCFDA96-E6F0-5F48-9C43-B9F0EDAA692C}"/>
+    <dgm:cxn modelId="{596FC4DF-8E87-3949-AEB5-8FD187B452BE}" srcId="{1BACE95A-860D-C741-8441-FAD85FB16B5F}" destId="{C4741A67-1FD8-7441-9029-9D042608C9C5}" srcOrd="2" destOrd="0" parTransId="{BE7DE9CD-D6B1-9D4A-BB03-7B8E8D124157}" sibTransId="{9BA4042B-9A3E-894D-9B53-2CD20C70AB61}"/>
+    <dgm:cxn modelId="{F4E349EF-4C20-4E48-8536-59DC54EFBF0F}" type="presOf" srcId="{C4741A67-1FD8-7441-9029-9D042608C9C5}" destId="{0A7ADF63-EC09-DD43-898A-058B8778E188}" srcOrd="0" destOrd="0" presId="urn:microsoft.com/office/officeart/2005/8/layout/cycle3"/>
+    <dgm:cxn modelId="{991A7007-CA70-AE47-A703-67E379972695}" srcId="{1BACE95A-860D-C741-8441-FAD85FB16B5F}" destId="{ECF010C8-FE63-5C48-9CEB-53F4CD5CFB06}" srcOrd="1" destOrd="0" parTransId="{944A20F8-4899-EC4A-95CC-9517D7892E81}" sibTransId="{32E29655-921D-3A4E-B1FB-BDE3BCE57ACC}"/>
+    <dgm:cxn modelId="{CBB5F3AF-3898-2F4E-A902-D36E5D2D29CD}" type="presParOf" srcId="{46EFF7AF-D124-0B41-9E74-F18BF2249BD9}" destId="{A63862F9-CF05-A046-BDDC-0B363EF2CD2C}" srcOrd="0" destOrd="0" presId="urn:microsoft.com/office/officeart/2005/8/layout/cycle3"/>
+    <dgm:cxn modelId="{2AC7A11F-6F1E-3C43-8415-E869C98BC1F4}" type="presParOf" srcId="{A63862F9-CF05-A046-BDDC-0B363EF2CD2C}" destId="{61DEAF27-D6E2-EC43-953D-4BA9A2388C13}" srcOrd="0" destOrd="0" presId="urn:microsoft.com/office/officeart/2005/8/layout/cycle3"/>
+    <dgm:cxn modelId="{4564E0F5-71AA-3C40-810B-A02F7885E7C6}" type="presParOf" srcId="{A63862F9-CF05-A046-BDDC-0B363EF2CD2C}" destId="{728CD5D4-62D4-4849-9B1E-41AD91F4F36A}" srcOrd="1" destOrd="0" presId="urn:microsoft.com/office/officeart/2005/8/layout/cycle3"/>
+    <dgm:cxn modelId="{90BC433C-9ADC-CB46-AA03-2F4AF6223B16}" type="presParOf" srcId="{A63862F9-CF05-A046-BDDC-0B363EF2CD2C}" destId="{9CA65FF0-C898-244F-B5BA-36565C33BEA3}" srcOrd="2" destOrd="0" presId="urn:microsoft.com/office/officeart/2005/8/layout/cycle3"/>
+    <dgm:cxn modelId="{534D17A0-51B6-F841-8EF2-22F78CC21F47}" type="presParOf" srcId="{A63862F9-CF05-A046-BDDC-0B363EF2CD2C}" destId="{0A7ADF63-EC09-DD43-898A-058B8778E188}" srcOrd="3" destOrd="0" presId="urn:microsoft.com/office/officeart/2005/8/layout/cycle3"/>
+    <dgm:cxn modelId="{3E50EA12-0C4F-104E-9C08-DD9FCCDBEFA3}" type="presParOf" srcId="{A63862F9-CF05-A046-BDDC-0B363EF2CD2C}" destId="{3525C761-C318-384E-86D0-E01C13488BEA}" srcOrd="4" destOrd="0" presId="urn:microsoft.com/office/officeart/2005/8/layout/cycle3"/>
+    <dgm:cxn modelId="{9BF1F983-D8EC-C242-ADAA-C30859B46821}" type="presParOf" srcId="{A63862F9-CF05-A046-BDDC-0B363EF2CD2C}" destId="{B1D73C20-BCC1-B14C-9ACC-D260740CA103}" srcOrd="5" destOrd="0" presId="urn:microsoft.com/office/officeart/2005/8/layout/cycle3"/>
+  </dgm:cxnLst>
+  <dgm:bg/>
+  <dgm:whole/>
+  <dgm:extLst>
+    <a:ext uri="http://schemas.microsoft.com/office/drawing/2008/diagram">
+      <dsp:dataModelExt xmlns:dsp="http://schemas.microsoft.com/office/drawing/2008/diagram" relId="rId6" minVer="http://schemas.openxmlformats.org/drawingml/2006/diagram"/>
+    </a:ext>
+  </dgm:extLst>
+</dgm:dataModel>
+</file>
+
+<file path=ppt/diagrams/drawing1.xml><?xml version="1.0" encoding="utf-8"?>
+<dsp:drawing xmlns:dgm="http://schemas.openxmlformats.org/drawingml/2006/diagram" xmlns:dsp="http://schemas.microsoft.com/office/drawing/2008/diagram" xmlns:a="http://schemas.openxmlformats.org/drawingml/2006/main">
+  <dsp:spTree>
+    <dsp:nvGrpSpPr>
+      <dsp:cNvPr id="0" name=""/>
+      <dsp:cNvGrpSpPr/>
+    </dsp:nvGrpSpPr>
+    <dsp:grpSpPr/>
+    <dsp:sp modelId="{728CD5D4-62D4-4849-9B1E-41AD91F4F36A}">
+      <dsp:nvSpPr>
+        <dsp:cNvPr id="0" name=""/>
+        <dsp:cNvSpPr/>
+      </dsp:nvSpPr>
+      <dsp:spPr>
+        <a:xfrm>
+          <a:off x="1867779" y="-27638"/>
+          <a:ext cx="4494040" cy="4494040"/>
+        </a:xfrm>
+        <a:prstGeom prst="circularArrow">
+          <a:avLst>
+            <a:gd name="adj1" fmla="val 5544"/>
+            <a:gd name="adj2" fmla="val 330680"/>
+            <a:gd name="adj3" fmla="val 13765712"/>
+            <a:gd name="adj4" fmla="val 17392183"/>
+            <a:gd name="adj5" fmla="val 5757"/>
+          </a:avLst>
+        </a:prstGeom>
+        <a:solidFill>
+          <a:schemeClr val="accent1">
+            <a:tint val="40000"/>
+            <a:hueOff val="0"/>
+            <a:satOff val="0"/>
+            <a:lumOff val="0"/>
+            <a:alphaOff val="0"/>
+          </a:schemeClr>
+        </a:solidFill>
+        <a:ln>
+          <a:noFill/>
+        </a:ln>
+        <a:effectLst>
+          <a:outerShdw blurRad="40000" dist="23000" dir="5400000" rotWithShape="0">
+            <a:srgbClr val="000000">
+              <a:alpha val="35000"/>
+            </a:srgbClr>
+          </a:outerShdw>
+        </a:effectLst>
+      </dsp:spPr>
+      <dsp:style>
+        <a:lnRef idx="0">
+          <a:scrgbClr r="0" g="0" b="0"/>
+        </a:lnRef>
+        <a:fillRef idx="1">
+          <a:scrgbClr r="0" g="0" b="0"/>
+        </a:fillRef>
+        <a:effectRef idx="2">
+          <a:scrgbClr r="0" g="0" b="0"/>
+        </a:effectRef>
+        <a:fontRef idx="minor"/>
+      </dsp:style>
+    </dsp:sp>
+    <dsp:sp modelId="{61DEAF27-D6E2-EC43-953D-4BA9A2388C13}">
+      <dsp:nvSpPr>
+        <dsp:cNvPr id="0" name=""/>
+        <dsp:cNvSpPr/>
+      </dsp:nvSpPr>
+      <dsp:spPr>
+        <a:xfrm>
+          <a:off x="3057971" y="1135"/>
+          <a:ext cx="2113657" cy="1056828"/>
+        </a:xfrm>
+        <a:prstGeom prst="roundRect">
+          <a:avLst/>
+        </a:prstGeom>
+        <a:gradFill rotWithShape="0">
+          <a:gsLst>
+            <a:gs pos="0">
+              <a:schemeClr val="accent1">
+                <a:hueOff val="0"/>
+                <a:satOff val="0"/>
+                <a:lumOff val="0"/>
+                <a:alphaOff val="0"/>
+                <a:tint val="100000"/>
+                <a:shade val="100000"/>
+                <a:satMod val="130000"/>
+              </a:schemeClr>
+            </a:gs>
+            <a:gs pos="100000">
+              <a:schemeClr val="accent1">
+                <a:hueOff val="0"/>
+                <a:satOff val="0"/>
+                <a:lumOff val="0"/>
+                <a:alphaOff val="0"/>
+                <a:tint val="50000"/>
+                <a:shade val="100000"/>
+                <a:satMod val="350000"/>
+              </a:schemeClr>
+            </a:gs>
+          </a:gsLst>
+          <a:lin ang="16200000" scaled="0"/>
+        </a:gradFill>
+        <a:ln>
+          <a:noFill/>
+        </a:ln>
+        <a:effectLst>
+          <a:outerShdw blurRad="40000" dist="23000" dir="5400000" rotWithShape="0">
+            <a:srgbClr val="000000">
+              <a:alpha val="35000"/>
+            </a:srgbClr>
+          </a:outerShdw>
+        </a:effectLst>
+      </dsp:spPr>
+      <dsp:style>
+        <a:lnRef idx="0">
+          <a:scrgbClr r="0" g="0" b="0"/>
+        </a:lnRef>
+        <a:fillRef idx="3">
+          <a:scrgbClr r="0" g="0" b="0"/>
+        </a:fillRef>
+        <a:effectRef idx="2">
+          <a:scrgbClr r="0" g="0" b="0"/>
+        </a:effectRef>
+        <a:fontRef idx="minor">
+          <a:schemeClr val="lt1"/>
+        </a:fontRef>
+      </dsp:style>
+      <dsp:txBody>
+        <a:bodyPr spcFirstLastPara="0" vert="horz" wrap="square" lIns="83820" tIns="83820" rIns="83820" bIns="83820" numCol="1" spcCol="1270" anchor="ctr" anchorCtr="0">
+          <a:noAutofit/>
+        </a:bodyPr>
+        <a:lstStyle/>
+        <a:p>
+          <a:pPr lvl="0" algn="ctr" defTabSz="977900">
+            <a:lnSpc>
+              <a:spcPct val="90000"/>
+            </a:lnSpc>
+            <a:spcBef>
+              <a:spcPct val="0"/>
+            </a:spcBef>
+            <a:spcAft>
+              <a:spcPct val="35000"/>
+            </a:spcAft>
+          </a:pPr>
+          <a:r>
+            <a:rPr lang="de-DE" sz="2200" kern="1200" dirty="0" err="1" smtClean="0"/>
+            <a:t>malloc</a:t>
+          </a:r>
+          <a:r>
+            <a:rPr lang="de-DE" sz="2200" kern="1200" dirty="0" smtClean="0"/>
+            <a:t>()</a:t>
+          </a:r>
+          <a:endParaRPr lang="de-DE" sz="2200" kern="1200" dirty="0"/>
+        </a:p>
+      </dsp:txBody>
+      <dsp:txXfrm>
+        <a:off x="3109561" y="52725"/>
+        <a:ext cx="2010477" cy="953648"/>
+      </dsp:txXfrm>
+    </dsp:sp>
+    <dsp:sp modelId="{9CA65FF0-C898-244F-B5BA-36565C33BEA3}">
+      <dsp:nvSpPr>
+        <dsp:cNvPr id="0" name=""/>
+        <dsp:cNvSpPr/>
+      </dsp:nvSpPr>
+      <dsp:spPr>
+        <a:xfrm>
+          <a:off x="4880609" y="1325359"/>
+          <a:ext cx="2113657" cy="1056828"/>
+        </a:xfrm>
+        <a:prstGeom prst="roundRect">
+          <a:avLst/>
+        </a:prstGeom>
+        <a:gradFill rotWithShape="0">
+          <a:gsLst>
+            <a:gs pos="0">
+              <a:schemeClr val="accent1">
+                <a:hueOff val="0"/>
+                <a:satOff val="0"/>
+                <a:lumOff val="0"/>
+                <a:alphaOff val="0"/>
+                <a:tint val="100000"/>
+                <a:shade val="100000"/>
+                <a:satMod val="130000"/>
+              </a:schemeClr>
+            </a:gs>
+            <a:gs pos="100000">
+              <a:schemeClr val="accent1">
+                <a:hueOff val="0"/>
+                <a:satOff val="0"/>
+                <a:lumOff val="0"/>
+                <a:alphaOff val="0"/>
+                <a:tint val="50000"/>
+                <a:shade val="100000"/>
+                <a:satMod val="350000"/>
+              </a:schemeClr>
+            </a:gs>
+          </a:gsLst>
+          <a:lin ang="16200000" scaled="0"/>
+        </a:gradFill>
+        <a:ln>
+          <a:noFill/>
+        </a:ln>
+        <a:effectLst>
+          <a:outerShdw blurRad="40000" dist="23000" dir="5400000" rotWithShape="0">
+            <a:srgbClr val="000000">
+              <a:alpha val="35000"/>
+            </a:srgbClr>
+          </a:outerShdw>
+        </a:effectLst>
+      </dsp:spPr>
+      <dsp:style>
+        <a:lnRef idx="0">
+          <a:scrgbClr r="0" g="0" b="0"/>
+        </a:lnRef>
+        <a:fillRef idx="3">
+          <a:scrgbClr r="0" g="0" b="0"/>
+        </a:fillRef>
+        <a:effectRef idx="2">
+          <a:scrgbClr r="0" g="0" b="0"/>
+        </a:effectRef>
+        <a:fontRef idx="minor">
+          <a:schemeClr val="lt1"/>
+        </a:fontRef>
+      </dsp:style>
+      <dsp:txBody>
+        <a:bodyPr spcFirstLastPara="0" vert="horz" wrap="square" lIns="83820" tIns="83820" rIns="83820" bIns="83820" numCol="1" spcCol="1270" anchor="ctr" anchorCtr="0">
+          <a:noAutofit/>
+        </a:bodyPr>
+        <a:lstStyle/>
+        <a:p>
+          <a:pPr lvl="0" algn="ctr" defTabSz="977900">
+            <a:lnSpc>
+              <a:spcPct val="90000"/>
+            </a:lnSpc>
+            <a:spcBef>
+              <a:spcPct val="0"/>
+            </a:spcBef>
+            <a:spcAft>
+              <a:spcPct val="35000"/>
+            </a:spcAft>
+          </a:pPr>
+          <a:r>
+            <a:rPr lang="de-DE" sz="2200" kern="1200" dirty="0" err="1" smtClean="0"/>
+            <a:t>page_fault</a:t>
+          </a:r>
+          <a:endParaRPr lang="de-DE" sz="2200" kern="1200" dirty="0"/>
+        </a:p>
+      </dsp:txBody>
+      <dsp:txXfrm>
+        <a:off x="4932199" y="1376949"/>
+        <a:ext cx="2010477" cy="953648"/>
+      </dsp:txXfrm>
+    </dsp:sp>
+    <dsp:sp modelId="{0A7ADF63-EC09-DD43-898A-058B8778E188}">
+      <dsp:nvSpPr>
+        <dsp:cNvPr id="0" name=""/>
+        <dsp:cNvSpPr/>
+      </dsp:nvSpPr>
+      <dsp:spPr>
+        <a:xfrm>
+          <a:off x="4184423" y="3467999"/>
+          <a:ext cx="2113657" cy="1056828"/>
+        </a:xfrm>
+        <a:prstGeom prst="roundRect">
+          <a:avLst/>
+        </a:prstGeom>
+        <a:gradFill rotWithShape="0">
+          <a:gsLst>
+            <a:gs pos="0">
+              <a:schemeClr val="accent1">
+                <a:hueOff val="0"/>
+                <a:satOff val="0"/>
+                <a:lumOff val="0"/>
+                <a:alphaOff val="0"/>
+                <a:tint val="100000"/>
+                <a:shade val="100000"/>
+                <a:satMod val="130000"/>
+              </a:schemeClr>
+            </a:gs>
+            <a:gs pos="100000">
+              <a:schemeClr val="accent1">
+                <a:hueOff val="0"/>
+                <a:satOff val="0"/>
+                <a:lumOff val="0"/>
+                <a:alphaOff val="0"/>
+                <a:tint val="50000"/>
+                <a:shade val="100000"/>
+                <a:satMod val="350000"/>
+              </a:schemeClr>
+            </a:gs>
+          </a:gsLst>
+          <a:lin ang="16200000" scaled="0"/>
+        </a:gradFill>
+        <a:ln>
+          <a:noFill/>
+        </a:ln>
+        <a:effectLst>
+          <a:outerShdw blurRad="40000" dist="23000" dir="5400000" rotWithShape="0">
+            <a:srgbClr val="000000">
+              <a:alpha val="35000"/>
+            </a:srgbClr>
+          </a:outerShdw>
+        </a:effectLst>
+      </dsp:spPr>
+      <dsp:style>
+        <a:lnRef idx="0">
+          <a:scrgbClr r="0" g="0" b="0"/>
+        </a:lnRef>
+        <a:fillRef idx="3">
+          <a:scrgbClr r="0" g="0" b="0"/>
+        </a:fillRef>
+        <a:effectRef idx="2">
+          <a:scrgbClr r="0" g="0" b="0"/>
+        </a:effectRef>
+        <a:fontRef idx="minor">
+          <a:schemeClr val="lt1"/>
+        </a:fontRef>
+      </dsp:style>
+      <dsp:txBody>
+        <a:bodyPr spcFirstLastPara="0" vert="horz" wrap="square" lIns="83820" tIns="83820" rIns="83820" bIns="83820" numCol="1" spcCol="1270" anchor="ctr" anchorCtr="0">
+          <a:noAutofit/>
+        </a:bodyPr>
+        <a:lstStyle/>
+        <a:p>
+          <a:pPr lvl="0" algn="ctr" defTabSz="977900">
+            <a:lnSpc>
+              <a:spcPct val="90000"/>
+            </a:lnSpc>
+            <a:spcBef>
+              <a:spcPct val="0"/>
+            </a:spcBef>
+            <a:spcAft>
+              <a:spcPct val="35000"/>
+            </a:spcAft>
+          </a:pPr>
+          <a:r>
+            <a:rPr lang="de-DE" sz="2200" kern="1200" dirty="0" err="1" smtClean="0"/>
+            <a:t>data_abort</a:t>
+          </a:r>
+          <a:endParaRPr lang="de-DE" sz="2200" kern="1200" dirty="0"/>
+        </a:p>
+      </dsp:txBody>
+      <dsp:txXfrm>
+        <a:off x="4236013" y="3519589"/>
+        <a:ext cx="2010477" cy="953648"/>
+      </dsp:txXfrm>
+    </dsp:sp>
+    <dsp:sp modelId="{3525C761-C318-384E-86D0-E01C13488BEA}">
+      <dsp:nvSpPr>
+        <dsp:cNvPr id="0" name=""/>
+        <dsp:cNvSpPr/>
+      </dsp:nvSpPr>
+      <dsp:spPr>
+        <a:xfrm>
+          <a:off x="1931519" y="3467999"/>
+          <a:ext cx="2113657" cy="1056828"/>
+        </a:xfrm>
+        <a:prstGeom prst="roundRect">
+          <a:avLst/>
+        </a:prstGeom>
+        <a:gradFill rotWithShape="0">
+          <a:gsLst>
+            <a:gs pos="0">
+              <a:schemeClr val="accent1">
+                <a:hueOff val="0"/>
+                <a:satOff val="0"/>
+                <a:lumOff val="0"/>
+                <a:alphaOff val="0"/>
+                <a:tint val="100000"/>
+                <a:shade val="100000"/>
+                <a:satMod val="130000"/>
+              </a:schemeClr>
+            </a:gs>
+            <a:gs pos="100000">
+              <a:schemeClr val="accent1">
+                <a:hueOff val="0"/>
+                <a:satOff val="0"/>
+                <a:lumOff val="0"/>
+                <a:alphaOff val="0"/>
+                <a:tint val="50000"/>
+                <a:shade val="100000"/>
+                <a:satMod val="350000"/>
+              </a:schemeClr>
+            </a:gs>
+          </a:gsLst>
+          <a:lin ang="16200000" scaled="0"/>
+        </a:gradFill>
+        <a:ln>
+          <a:noFill/>
+        </a:ln>
+        <a:effectLst>
+          <a:outerShdw blurRad="40000" dist="23000" dir="5400000" rotWithShape="0">
+            <a:srgbClr val="000000">
+              <a:alpha val="35000"/>
+            </a:srgbClr>
+          </a:outerShdw>
+        </a:effectLst>
+      </dsp:spPr>
+      <dsp:style>
+        <a:lnRef idx="0">
+          <a:scrgbClr r="0" g="0" b="0"/>
+        </a:lnRef>
+        <a:fillRef idx="3">
+          <a:scrgbClr r="0" g="0" b="0"/>
+        </a:fillRef>
+        <a:effectRef idx="2">
+          <a:scrgbClr r="0" g="0" b="0"/>
+        </a:effectRef>
+        <a:fontRef idx="minor">
+          <a:schemeClr val="lt1"/>
+        </a:fontRef>
+      </dsp:style>
+      <dsp:txBody>
+        <a:bodyPr spcFirstLastPara="0" vert="horz" wrap="square" lIns="83820" tIns="83820" rIns="83820" bIns="83820" numCol="1" spcCol="1270" anchor="ctr" anchorCtr="0">
+          <a:noAutofit/>
+        </a:bodyPr>
+        <a:lstStyle/>
+        <a:p>
+          <a:pPr lvl="0" algn="ctr" defTabSz="977900">
+            <a:lnSpc>
+              <a:spcPct val="90000"/>
+            </a:lnSpc>
+            <a:spcBef>
+              <a:spcPct val="0"/>
+            </a:spcBef>
+            <a:spcAft>
+              <a:spcPct val="35000"/>
+            </a:spcAft>
+          </a:pPr>
+          <a:r>
+            <a:rPr lang="de-DE" sz="2200" kern="1200" dirty="0" err="1" smtClean="0"/>
+            <a:t>find_free_page</a:t>
+          </a:r>
+          <a:endParaRPr lang="de-DE" sz="2200" kern="1200" dirty="0"/>
+        </a:p>
+      </dsp:txBody>
+      <dsp:txXfrm>
+        <a:off x="1983109" y="3519589"/>
+        <a:ext cx="2010477" cy="953648"/>
+      </dsp:txXfrm>
+    </dsp:sp>
+    <dsp:sp modelId="{B1D73C20-BCC1-B14C-9ACC-D260740CA103}">
+      <dsp:nvSpPr>
+        <dsp:cNvPr id="0" name=""/>
+        <dsp:cNvSpPr/>
+      </dsp:nvSpPr>
+      <dsp:spPr>
+        <a:xfrm>
+          <a:off x="1235333" y="1325359"/>
+          <a:ext cx="2113657" cy="1056828"/>
+        </a:xfrm>
+        <a:prstGeom prst="roundRect">
+          <a:avLst/>
+        </a:prstGeom>
+        <a:gradFill rotWithShape="0">
+          <a:gsLst>
+            <a:gs pos="0">
+              <a:schemeClr val="accent1">
+                <a:hueOff val="0"/>
+                <a:satOff val="0"/>
+                <a:lumOff val="0"/>
+                <a:alphaOff val="0"/>
+                <a:tint val="100000"/>
+                <a:shade val="100000"/>
+                <a:satMod val="130000"/>
+              </a:schemeClr>
+            </a:gs>
+            <a:gs pos="100000">
+              <a:schemeClr val="accent1">
+                <a:hueOff val="0"/>
+                <a:satOff val="0"/>
+                <a:lumOff val="0"/>
+                <a:alphaOff val="0"/>
+                <a:tint val="50000"/>
+                <a:shade val="100000"/>
+                <a:satMod val="350000"/>
+              </a:schemeClr>
+            </a:gs>
+          </a:gsLst>
+          <a:lin ang="16200000" scaled="0"/>
+        </a:gradFill>
+        <a:ln>
+          <a:noFill/>
+        </a:ln>
+        <a:effectLst>
+          <a:outerShdw blurRad="40000" dist="23000" dir="5400000" rotWithShape="0">
+            <a:srgbClr val="000000">
+              <a:alpha val="35000"/>
+            </a:srgbClr>
+          </a:outerShdw>
+        </a:effectLst>
+      </dsp:spPr>
+      <dsp:style>
+        <a:lnRef idx="0">
+          <a:scrgbClr r="0" g="0" b="0"/>
+        </a:lnRef>
+        <a:fillRef idx="3">
+          <a:scrgbClr r="0" g="0" b="0"/>
+        </a:fillRef>
+        <a:effectRef idx="2">
+          <a:scrgbClr r="0" g="0" b="0"/>
+        </a:effectRef>
+        <a:fontRef idx="minor">
+          <a:schemeClr val="lt1"/>
+        </a:fontRef>
+      </dsp:style>
+      <dsp:txBody>
+        <a:bodyPr spcFirstLastPara="0" vert="horz" wrap="square" lIns="83820" tIns="83820" rIns="83820" bIns="83820" numCol="1" spcCol="1270" anchor="ctr" anchorCtr="0">
+          <a:noAutofit/>
+        </a:bodyPr>
+        <a:lstStyle/>
+        <a:p>
+          <a:pPr lvl="0" algn="ctr" defTabSz="977900">
+            <a:lnSpc>
+              <a:spcPct val="90000"/>
+            </a:lnSpc>
+            <a:spcBef>
+              <a:spcPct val="0"/>
+            </a:spcBef>
+            <a:spcAft>
+              <a:spcPct val="35000"/>
+            </a:spcAft>
+          </a:pPr>
+          <a:r>
+            <a:rPr lang="de-DE" sz="2200" kern="1200" dirty="0" err="1" smtClean="0"/>
+            <a:t>map_new_page</a:t>
+          </a:r>
+          <a:endParaRPr lang="de-DE" sz="2200" kern="1200" dirty="0"/>
+        </a:p>
+      </dsp:txBody>
+      <dsp:txXfrm>
+        <a:off x="1286923" y="1376949"/>
+        <a:ext cx="2010477" cy="953648"/>
+      </dsp:txXfrm>
+    </dsp:sp>
+  </dsp:spTree>
+</dsp:drawing>
+</file>
+
+<file path=ppt/diagrams/layout1.xml><?xml version="1.0" encoding="utf-8"?>
+<dgm:layoutDef xmlns:dgm="http://schemas.openxmlformats.org/drawingml/2006/diagram" xmlns:a="http://schemas.openxmlformats.org/drawingml/2006/main" uniqueId="urn:microsoft.com/office/officeart/2005/8/layout/cycle3">
+  <dgm:title val=""/>
+  <dgm:desc val=""/>
+  <dgm:catLst>
+    <dgm:cat type="cycle" pri="5000"/>
+  </dgm:catLst>
+  <dgm:sampData>
+    <dgm:dataModel>
+      <dgm:ptLst>
+        <dgm:pt modelId="0" type="doc"/>
+        <dgm:pt modelId="1">
+          <dgm:prSet phldr="1"/>
+        </dgm:pt>
+        <dgm:pt modelId="2">
+          <dgm:prSet phldr="1"/>
+        </dgm:pt>
+        <dgm:pt modelId="3">
+          <dgm:prSet phldr="1"/>
+        </dgm:pt>
+        <dgm:pt modelId="4">
+          <dgm:prSet phldr="1"/>
+        </dgm:pt>
+        <dgm:pt modelId="5">
+          <dgm:prSet phldr="1"/>
+        </dgm:pt>
+      </dgm:ptLst>
+      <dgm:cxnLst>
+        <dgm:cxn modelId="6" srcId="0" destId="1" srcOrd="0" destOrd="0"/>
+        <dgm:cxn modelId="7" srcId="0" destId="2" srcOrd="1" destOrd="0"/>
+        <dgm:cxn modelId="8" srcId="0" destId="3" srcOrd="2" destOrd="0"/>
+        <dgm:cxn modelId="9" srcId="0" destId="4" srcOrd="3" destOrd="0"/>
+        <dgm:cxn modelId="10" srcId="0" destId="5" srcOrd="4" destOrd="0"/>
+      </dgm:cxnLst>
+      <dgm:bg/>
+      <dgm:whole/>
+    </dgm:dataModel>
+  </dgm:sampData>
+  <dgm:styleData>
+    <dgm:dataModel>
+      <dgm:ptLst>
+        <dgm:pt modelId="0" type="doc"/>
+        <dgm:pt modelId="1"/>
+        <dgm:pt modelId="2"/>
+        <dgm:pt modelId="3"/>
+      </dgm:ptLst>
+      <dgm:cxnLst>
+        <dgm:cxn modelId="4" srcId="0" destId="1" srcOrd="0" destOrd="0"/>
+        <dgm:cxn modelId="5" srcId="0" destId="2" srcOrd="1" destOrd="0"/>
+        <dgm:cxn modelId="6" srcId="0" destId="3" srcOrd="2" destOrd="0"/>
+      </dgm:cxnLst>
+      <dgm:bg/>
+      <dgm:whole/>
+    </dgm:dataModel>
+  </dgm:styleData>
+  <dgm:clrData>
+    <dgm:dataModel>
+      <dgm:ptLst>
+        <dgm:pt modelId="0" type="doc"/>
+        <dgm:pt modelId="1"/>
+        <dgm:pt modelId="2"/>
+        <dgm:pt modelId="3"/>
+        <dgm:pt modelId="4"/>
+        <dgm:pt modelId="5"/>
+        <dgm:pt modelId="6"/>
+      </dgm:ptLst>
+      <dgm:cxnLst>
+        <dgm:cxn modelId="7" srcId="0" destId="1" srcOrd="0" destOrd="0"/>
+        <dgm:cxn modelId="8" srcId="0" destId="2" srcOrd="1" destOrd="0"/>
+        <dgm:cxn modelId="9" srcId="0" destId="3" srcOrd="2" destOrd="0"/>
+        <dgm:cxn modelId="10" srcId="0" destId="4" srcOrd="3" destOrd="0"/>
+        <dgm:cxn modelId="11" srcId="0" destId="5" srcOrd="4" destOrd="0"/>
+        <dgm:cxn modelId="12" srcId="0" destId="6" srcOrd="5" destOrd="0"/>
+      </dgm:cxnLst>
+      <dgm:bg/>
+      <dgm:whole/>
+    </dgm:dataModel>
+  </dgm:clrData>
+  <dgm:layoutNode name="Name0">
+    <dgm:varLst>
+      <dgm:dir/>
+      <dgm:resizeHandles val="exact"/>
+    </dgm:varLst>
+    <dgm:choose name="Name1">
+      <dgm:if name="Name2" axis="ch" ptType="node" func="cnt" op="equ" val="2">
+        <dgm:alg type="composite">
+          <dgm:param type="ar" val="0.9"/>
+        </dgm:alg>
+        <dgm:shape xmlns:r="http://schemas.openxmlformats.org/officeDocument/2006/relationships" r:blip="">
+          <dgm:adjLst/>
+        </dgm:shape>
+        <dgm:presOf/>
+        <dgm:constrLst>
+          <dgm:constr type="primFontSz" for="ch" ptType="node" op="equ" val="65"/>
+          <dgm:constr type="ctrX" for="ch" forName="node1" refType="w" fact="0.5"/>
+          <dgm:constr type="t" for="ch" forName="node1"/>
+          <dgm:constr type="w" for="ch" forName="node1" refType="w" fact="0.8"/>
+          <dgm:constr type="h" for="ch" forName="node1" refType="w" refFor="ch" refForName="node1" fact="0.5"/>
+          <dgm:constr type="ctrX" for="ch" forName="sibTrans" refType="w" fact="0.5"/>
+          <dgm:constr type="t" for="ch" forName="sibTrans"/>
+          <dgm:constr type="w" for="ch" forName="sibTrans" refType="w" fact="0.8"/>
+          <dgm:constr type="h" for="ch" forName="sibTrans" refType="w" refFor="ch" refForName="node1" fact="0.5"/>
+          <dgm:constr type="userA" for="ch" forName="sibTrans" refType="w" fact="1.07"/>
+          <dgm:constr type="ctrX" for="ch" forName="node2" refType="w" fact="0.5"/>
+          <dgm:constr type="b" for="ch" forName="node2" refType="h"/>
+          <dgm:constr type="w" for="ch" forName="node2" refType="w" fact="0.8"/>
+          <dgm:constr type="h" for="ch" forName="node2" refType="w" refFor="ch" refForName="node1" fact="0.5"/>
+          <dgm:constr type="l" for="ch" forName="sp1"/>
+          <dgm:constr type="t" for="ch" forName="sp1" refType="h" fact="0.5"/>
+          <dgm:constr type="w" for="ch" forName="sp1" val="1"/>
+          <dgm:constr type="h" for="ch" forName="sp1" val="1"/>
+          <dgm:constr type="r" for="ch" forName="sp2" refType="w"/>
+          <dgm:constr type="t" for="ch" forName="sp2" refType="h" fact="0.5"/>
+          <dgm:constr type="w" for="ch" forName="sp2" val="1"/>
+          <dgm:constr type="h" for="ch" forName="sp2" val="1"/>
+        </dgm:constrLst>
+        <dgm:ruleLst/>
+      </dgm:if>
+      <dgm:else name="Name3">
+        <dgm:alg type="composite"/>
+        <dgm:shape xmlns:r="http://schemas.openxmlformats.org/officeDocument/2006/relationships" r:blip="">
+          <dgm:adjLst/>
+        </dgm:shape>
+        <dgm:presOf/>
+        <dgm:constrLst>
+          <dgm:constr type="primFontSz" for="ch" ptType="node" op="equ" val="65"/>
+        </dgm:constrLst>
+        <dgm:ruleLst/>
+      </dgm:else>
+    </dgm:choose>
+    <dgm:choose name="Name4">
+      <dgm:if name="Name5" axis="ch" ptType="node" func="cnt" op="equ" val="2">
+        <dgm:layoutNode name="node1">
+          <dgm:varLst>
+            <dgm:bulletEnabled val="1"/>
+          </dgm:varLst>
+          <dgm:alg type="tx"/>
+          <dgm:shape xmlns:r="http://schemas.openxmlformats.org/officeDocument/2006/relationships" type="roundRect" r:blip="">
+            <dgm:adjLst/>
+          </dgm:shape>
+          <dgm:presOf axis="ch desOrSelf" ptType="node node" st="1 1" cnt="1 0"/>
+          <dgm:constrLst>
+            <dgm:constr type="tMarg" refType="primFontSz" fact="0.3"/>
+            <dgm:constr type="bMarg" refType="primFontSz" fact="0.3"/>
+            <dgm:constr type="lMarg" refType="primFontSz" fact="0.3"/>
+            <dgm:constr type="rMarg" refType="primFontSz" fact="0.3"/>
+          </dgm:constrLst>
+          <dgm:ruleLst>
+            <dgm:rule type="primFontSz" val="5" fact="NaN" max="NaN"/>
+          </dgm:ruleLst>
+        </dgm:layoutNode>
+        <dgm:layoutNode name="sibTrans" styleLbl="bgShp">
+          <dgm:choose name="Name6">
+            <dgm:if name="Name7" func="var" arg="dir" op="equ" val="norm">
+              <dgm:alg type="conn">
+                <dgm:param type="connRout" val="longCurve"/>
+                <dgm:param type="begPts" val="midR"/>
+                <dgm:param type="endPts" val="midL"/>
+                <dgm:param type="dstNode" val="node1"/>
+              </dgm:alg>
+              <dgm:shape xmlns:r="http://schemas.openxmlformats.org/officeDocument/2006/relationships" type="conn" r:blip="" zOrderOff="-2">
+                <dgm:adjLst/>
+              </dgm:shape>
+              <dgm:presOf axis="ch" ptType="sibTrans"/>
+              <dgm:constrLst>
+                <dgm:constr type="userA"/>
+                <dgm:constr type="diam" refType="userA" fact="-1"/>
+                <dgm:constr type="wArH" refType="userA" fact="0.05"/>
+                <dgm:constr type="hArH" refType="userA" fact="0.1"/>
+                <dgm:constr type="stemThick" refType="userA" fact="0.06"/>
+                <dgm:constr type="begPad" refType="connDist" fact="-0.2"/>
+                <dgm:constr type="endPad" refType="connDist" fact="0.05"/>
+              </dgm:constrLst>
+            </dgm:if>
+            <dgm:else name="Name8">
+              <dgm:alg type="conn">
+                <dgm:param type="connRout" val="longCurve"/>
+                <dgm:param type="begPts" val="midL"/>
+                <dgm:param type="endPts" val="midR"/>
+                <dgm:param type="dstNode" val="node1"/>
+              </dgm:alg>
+              <dgm:shape xmlns:r="http://schemas.openxmlformats.org/officeDocument/2006/relationships" type="conn" r:blip="" zOrderOff="-2">
+                <dgm:adjLst/>
+              </dgm:shape>
+              <dgm:presOf axis="ch" ptType="sibTrans"/>
+              <dgm:constrLst>
+                <dgm:constr type="userA"/>
+                <dgm:constr type="diam" refType="userA"/>
+                <dgm:constr type="wArH" refType="userA" fact="0.05"/>
+                <dgm:constr type="hArH" refType="userA" fact="0.1"/>
+                <dgm:constr type="stemThick" refType="userA" fact="0.06"/>
+                <dgm:constr type="begPad" refType="connDist" fact="-0.2"/>
+                <dgm:constr type="endPad" refType="connDist" fact="0.05"/>
+              </dgm:constrLst>
+            </dgm:else>
+          </dgm:choose>
+          <dgm:ruleLst/>
+        </dgm:layoutNode>
+        <dgm:layoutNode name="node2">
+          <dgm:varLst>
+            <dgm:bulletEnabled val="1"/>
+          </dgm:varLst>
+          <dgm:alg type="tx"/>
+          <dgm:shape xmlns:r="http://schemas.openxmlformats.org/officeDocument/2006/relationships" type="roundRect" r:blip="">
+            <dgm:adjLst/>
+          </dgm:shape>
+          <dgm:presOf axis="ch desOrSelf" ptType="node node" st="2 1" cnt="1 0"/>
+          <dgm:constrLst>
+            <dgm:constr type="tMarg" refType="primFontSz" fact="0.3"/>
+            <dgm:constr type="bMarg" refType="primFontSz" fact="0.3"/>
+            <dgm:constr type="lMarg" refType="primFontSz" fact="0.3"/>
+            <dgm:constr type="rMarg" refType="primFontSz" fact="0.3"/>
+          </dgm:constrLst>
+          <dgm:ruleLst>
+            <dgm:rule type="primFontSz" val="5" fact="NaN" max="NaN"/>
+          </dgm:ruleLst>
+        </dgm:layoutNode>
+        <dgm:layoutNode name="sp1">
+          <dgm:alg type="sp"/>
+          <dgm:shape xmlns:r="http://schemas.openxmlformats.org/officeDocument/2006/relationships" r:blip="">
+            <dgm:adjLst/>
+          </dgm:shape>
+          <dgm:presOf/>
+          <dgm:constrLst/>
+          <dgm:ruleLst/>
+        </dgm:layoutNode>
+        <dgm:layoutNode name="sp2">
+          <dgm:alg type="sp"/>
+          <dgm:shape xmlns:r="http://schemas.openxmlformats.org/officeDocument/2006/relationships" r:blip="">
+            <dgm:adjLst/>
+          </dgm:shape>
+          <dgm:presOf/>
+          <dgm:constrLst/>
+          <dgm:ruleLst/>
+        </dgm:layoutNode>
+      </dgm:if>
+      <dgm:else name="Name9">
+        <dgm:layoutNode name="cycle">
+          <dgm:choose name="Name10">
+            <dgm:if name="Name11" func="var" arg="dir" op="equ" val="norm">
+              <dgm:alg type="cycle">
+                <dgm:param type="stAng" val="0"/>
+                <dgm:param type="spanAng" val="360"/>
+              </dgm:alg>
+              <dgm:shape xmlns:r="http://schemas.openxmlformats.org/officeDocument/2006/relationships" r:blip="">
+                <dgm:adjLst/>
+              </dgm:shape>
+              <dgm:presOf/>
+              <dgm:constrLst>
+                <dgm:constr type="diam" refType="w"/>
+                <dgm:constr type="w" for="ch" ptType="node" refType="w"/>
+                <dgm:constr type="sibSp" val="15"/>
+                <dgm:constr type="userA" for="ch" ptType="sibTrans" refType="diam" op="equ" fact="-1"/>
+                <dgm:constr type="wArH" for="ch" ptType="sibTrans" refType="diam" op="equ" fact="0.05"/>
+                <dgm:constr type="hArH" for="ch" ptType="sibTrans" refType="diam" op="equ" fact="0.1"/>
+                <dgm:constr type="stemThick" for="ch" ptType="sibTrans" refType="diam" op="equ" fact="0.065"/>
+                <dgm:constr type="primFontSz" for="ch" ptType="node" op="equ"/>
+              </dgm:constrLst>
+            </dgm:if>
+            <dgm:else name="Name12">
+              <dgm:alg type="cycle">
+                <dgm:param type="stAng" val="0"/>
+                <dgm:param type="spanAng" val="-360"/>
+              </dgm:alg>
+              <dgm:shape xmlns:r="http://schemas.openxmlformats.org/officeDocument/2006/relationships" r:blip="">
+                <dgm:adjLst/>
+              </dgm:shape>
+              <dgm:presOf/>
+              <dgm:constrLst>
+                <dgm:constr type="diam" refType="w"/>
+                <dgm:constr type="w" for="ch" ptType="node" refType="w"/>
+                <dgm:constr type="sibSp" val="15"/>
+                <dgm:constr type="userA" for="ch" ptType="sibTrans" refType="diam" op="equ"/>
+                <dgm:constr type="wArH" for="ch" ptType="sibTrans" refType="diam" op="equ" fact="0.05"/>
+                <dgm:constr type="hArH" for="ch" ptType="sibTrans" refType="diam" op="equ" fact="0.1"/>
+                <dgm:constr type="stemThick" for="ch" ptType="sibTrans" refType="diam" op="equ" fact="0.065"/>
+                <dgm:constr type="primFontSz" for="ch" ptType="node" op="equ"/>
+              </dgm:constrLst>
+            </dgm:else>
+          </dgm:choose>
+          <dgm:ruleLst/>
+          <dgm:forEach name="nodesFirstNodeForEach" axis="ch" ptType="node" cnt="1">
+            <dgm:layoutNode name="nodeFirstNode">
+              <dgm:varLst>
+                <dgm:bulletEnabled val="1"/>
+              </dgm:varLst>
+              <dgm:alg type="tx"/>
+              <dgm:shape xmlns:r="http://schemas.openxmlformats.org/officeDocument/2006/relationships" type="roundRect" r:blip="">
+                <dgm:adjLst/>
+              </dgm:shape>
+              <dgm:presOf axis="desOrSelf" ptType="node"/>
+              <dgm:constrLst>
+                <dgm:constr type="h" refType="w" fact="0.5"/>
+                <dgm:constr type="primFontSz" val="65"/>
+                <dgm:constr type="tMarg" refType="primFontSz" fact="0.3"/>
+                <dgm:constr type="bMarg" refType="primFontSz" fact="0.3"/>
+                <dgm:constr type="lMarg" refType="primFontSz" fact="0.3"/>
+                <dgm:constr type="rMarg" refType="primFontSz" fact="0.3"/>
+              </dgm:constrLst>
+              <dgm:ruleLst>
+                <dgm:rule type="primFontSz" val="5" fact="NaN" max="NaN"/>
+              </dgm:ruleLst>
+            </dgm:layoutNode>
+            <dgm:forEach name="sibTransForEach" axis="followSib" ptType="sibTrans" cnt="1">
+              <dgm:layoutNode name="sibTransFirstNode" styleLbl="bgShp">
+                <dgm:choose name="Name13">
+                  <dgm:if name="Name14" func="var" arg="dir" op="equ" val="norm">
+                    <dgm:alg type="conn">
+                      <dgm:param type="connRout" val="longCurve"/>
+                      <dgm:param type="begPts" val="midR"/>
+                      <dgm:param type="endPts" val="midL"/>
+                      <dgm:param type="dstNode" val="nodeFirstNode"/>
+                    </dgm:alg>
+                  </dgm:if>
+                  <dgm:else name="Name15">
+                    <dgm:alg type="conn">
+                      <dgm:param type="connRout" val="longCurve"/>
+                      <dgm:param type="begPts" val="midL"/>
+                      <dgm:param type="endPts" val="midR"/>
+                      <dgm:param type="dstNode" val="nodeFirstNode"/>
+                    </dgm:alg>
+                  </dgm:else>
+                </dgm:choose>
+                <dgm:shape xmlns:r="http://schemas.openxmlformats.org/officeDocument/2006/relationships" type="conn" r:blip="" zOrderOff="-2">
+                  <dgm:adjLst/>
+                </dgm:shape>
+                <dgm:presOf axis="self"/>
+                <dgm:choose name="Name16">
+                  <dgm:if name="Name17" axis="par ch" ptType="doc node" func="cnt" op="equ" val="3">
+                    <dgm:constrLst>
+                      <dgm:constr type="userA"/>
+                      <dgm:constr type="diam" refType="userA" fact="1.01"/>
+                      <dgm:constr type="begPad" refType="connDist" fact="-0.2"/>
+                      <dgm:constr type="endPad" refType="connDist" fact="0.05"/>
+                    </dgm:constrLst>
+                  </dgm:if>
+                  <dgm:if name="Name18" axis="par ch" ptType="doc node" func="cnt" op="equ" val="4">
+                    <dgm:constrLst>
+                      <dgm:constr type="userA"/>
+                      <dgm:constr type="diam" refType="userA" fact="1.26"/>
+                      <dgm:constr type="begPad" refType="connDist" fact="-0.2"/>
+                      <dgm:constr type="endPad" refType="connDist" fact="0.05"/>
+                    </dgm:constrLst>
+                  </dgm:if>
+                  <dgm:if name="Name19" axis="par ch" ptType="doc node" func="cnt" op="equ" val="5">
+                    <dgm:constrLst>
+                      <dgm:constr type="userA"/>
+                      <dgm:constr type="diam" refType="userA" fact="1.04"/>
+                      <dgm:constr type="begPad" refType="connDist" fact="-0.2"/>
+                      <dgm:constr type="endPad" refType="connDist" fact="0.05"/>
+                    </dgm:constrLst>
+                  </dgm:if>
+                  <dgm:if name="Name20" axis="par ch" ptType="doc node" func="cnt" op="equ" val="6">
+                    <dgm:constrLst>
+                      <dgm:constr type="userA"/>
+                      <dgm:constr type="diam" refType="userA" fact="1.1"/>
+                      <dgm:constr type="begPad" refType="connDist" fact="-0.2"/>
+                      <dgm:constr type="endPad" refType="connDist" fact="0.05"/>
+                    </dgm:constrLst>
+                  </dgm:if>
+                  <dgm:else name="Name21">
+                    <dgm:constrLst>
+                      <dgm:constr type="userA"/>
+                      <dgm:constr type="diam" refType="userA" fact="1.04"/>
+                      <dgm:constr type="begPad" refType="connDist" fact="-0.2"/>
+                      <dgm:constr type="endPad" refType="connDist" fact="0.05"/>
+                    </dgm:constrLst>
+                  </dgm:else>
+                </dgm:choose>
+                <dgm:ruleLst/>
+              </dgm:layoutNode>
+            </dgm:forEach>
+          </dgm:forEach>
+          <dgm:forEach name="followingNodesForEach" axis="ch" ptType="node" st="2">
+            <dgm:layoutNode name="nodeFollowingNodes">
+              <dgm:varLst>
+                <dgm:bulletEnabled val="1"/>
+              </dgm:varLst>
+              <dgm:alg type="tx"/>
+              <dgm:shape xmlns:r="http://schemas.openxmlformats.org/officeDocument/2006/relationships" type="roundRect" r:blip="">
+                <dgm:adjLst/>
+              </dgm:shape>
+              <dgm:presOf axis="desOrSelf" ptType="node"/>
+              <dgm:constrLst>
+                <dgm:constr type="h" refType="w" fact="0.5"/>
+                <dgm:constr type="primFontSz" val="65"/>
+                <dgm:constr type="tMarg" refType="primFontSz" fact="0.3"/>
+                <dgm:constr type="bMarg" refType="primFontSz" fact="0.3"/>
+                <dgm:constr type="lMarg" refType="primFontSz" fact="0.3"/>
+                <dgm:constr type="rMarg" refType="primFontSz" fact="0.3"/>
+              </dgm:constrLst>
+              <dgm:ruleLst>
+                <dgm:rule type="primFontSz" val="5" fact="NaN" max="NaN"/>
+              </dgm:ruleLst>
+            </dgm:layoutNode>
+          </dgm:forEach>
+        </dgm:layoutNode>
+      </dgm:else>
+    </dgm:choose>
+  </dgm:layoutNode>
+</dgm:layoutDef>
+</file>
+
+<file path=ppt/diagrams/quickStyle1.xml><?xml version="1.0" encoding="utf-8"?>
+<dgm:styleDef xmlns:dgm="http://schemas.openxmlformats.org/drawingml/2006/diagram" xmlns:a="http://schemas.openxmlformats.org/drawingml/2006/main" uniqueId="urn:microsoft.com/office/officeart/2005/8/quickstyle/simple4">
+  <dgm:title val=""/>
+  <dgm:desc val=""/>
+  <dgm:catLst>
+    <dgm:cat type="simple" pri="10400"/>
+  </dgm:catLst>
+  <dgm:scene3d>
+    <a:camera prst="orthographicFront"/>
+    <a:lightRig rig="threePt" dir="t"/>
+  </dgm:scene3d>
+  <dgm:styleLbl name="node0">
+    <dgm:scene3d>
+      <a:camera prst="orthographicFront"/>
+      <a:lightRig rig="threePt" dir="t"/>
+    </dgm:scene3d>
+    <dgm:sp3d/>
+    <dgm:txPr/>
+    <dgm:style>
+      <a:lnRef idx="0">
+        <a:scrgbClr r="0" g="0" b="0"/>
+      </a:lnRef>
+      <a:fillRef idx="3">
+        <a:scrgbClr r="0" g="0" b="0"/>
+      </a:fillRef>
+      <a:effectRef idx="2">
+        <a:scrgbClr r="0" g="0" b="0"/>
+      </a:effectRef>
+      <a:fontRef idx="minor">
+        <a:schemeClr val="lt1"/>
+      </a:fontRef>
+    </dgm:style>
+  </dgm:styleLbl>
+  <dgm:styleLbl name="lnNode1">
+    <dgm:scene3d>
+      <a:camera prst="orthographicFront"/>
+      <a:lightRig rig="threePt" dir="t"/>
+    </dgm:scene3d>
+    <dgm:sp3d/>
+    <dgm:txPr/>
+    <dgm:style>
+      <a:lnRef idx="1">
+        <a:scrgbClr r="0" g="0" b="0"/>
+      </a:lnRef>
+      <a:fillRef idx="3">
+        <a:scrgbClr r="0" g="0" b="0"/>
+      </a:fillRef>
+      <a:effectRef idx="2">
+        <a:scrgbClr r="0" g="0" b="0"/>
+      </a:effectRef>
+      <a:fontRef idx="minor">
+        <a:schemeClr val="lt1"/>
+      </a:fontRef>
+    </dgm:style>
+  </dgm:styleLbl>
+  <dgm:styleLbl name="vennNode1">
+    <dgm:scene3d>
+      <a:camera prst="orthographicFront"/>
+      <a:lightRig rig="threePt" dir="t"/>
+    </dgm:scene3d>
+    <dgm:sp3d/>
+    <dgm:txPr/>
+    <dgm:style>
+      <a:lnRef idx="0">
+        <a:scrgbClr r="0" g="0" b="0"/>
+      </a:lnRef>
+      <a:fillRef idx="3">
+        <a:scrgbClr r="0" g="0" b="0"/>
+      </a:fillRef>
+      <a:effectRef idx="0">
+        <a:scrgbClr r="0" g="0" b="0"/>
+      </a:effectRef>
+      <a:fontRef idx="minor">
+        <a:schemeClr val="tx1"/>
+      </a:fontRef>
+    </dgm:style>
+  </dgm:styleLbl>
+  <dgm:styleLbl name="alignNode1">
+    <dgm:scene3d>
+      <a:camera prst="orthographicFront"/>
+      <a:lightRig rig="threePt" dir="t"/>
+    </dgm:scene3d>
+    <dgm:sp3d/>
+    <dgm:txPr/>
+    <dgm:style>
+      <a:lnRef idx="1">
+        <a:scrgbClr r="0" g="0" b="0"/>
+      </a:lnRef>
+      <a:fillRef idx="3">
+        <a:scrgbClr r="0" g="0" b="0"/>
+      </a:fillRef>
+      <a:effectRef idx="2">
+        <a:scrgbClr r="0" g="0" b="0"/>
+      </a:effectRef>
+      <a:fontRef idx="minor">
+        <a:schemeClr val="lt1"/>
+      </a:fontRef>
+    </dgm:style>
+  </dgm:styleLbl>
+  <dgm:styleLbl name="node1">
+    <dgm:scene3d>
+      <a:camera prst="orthographicFront"/>
+      <a:lightRig rig="threePt" dir="t"/>
+    </dgm:scene3d>
+    <dgm:sp3d/>
+    <dgm:txPr/>
+    <dgm:style>
+      <a:lnRef idx="0">
+        <a:scrgbClr r="0" g="0" b="0"/>
+      </a:lnRef>
+      <a:fillRef idx="3">
+        <a:scrgbClr r="0" g="0" b="0"/>
+      </a:fillRef>
+      <a:effectRef idx="2">
+        <a:scrgbClr r="0" g="0" b="0"/>
+      </a:effectRef>
+      <a:fontRef idx="minor">
+        <a:schemeClr val="lt1"/>
+      </a:fontRef>
+    </dgm:style>
+  </dgm:styleLbl>
+  <dgm:styleLbl name="node2">
+    <dgm:scene3d>
+      <a:camera prst="orthographicFront"/>
+      <a:lightRig rig="threePt" dir="t"/>
+    </dgm:scene3d>
+    <dgm:sp3d/>
+    <dgm:txPr/>
+    <dgm:style>
+      <a:lnRef idx="0">
+        <a:scrgbClr r="0" g="0" b="0"/>
+      </a:lnRef>
+      <a:fillRef idx="3">
+        <a:scrgbClr r="0" g="0" b="0"/>
+      </a:fillRef>
+      <a:effectRef idx="2">
+        <a:scrgbClr r="0" g="0" b="0"/>
+      </a:effectRef>
+      <a:fontRef idx="minor">
+        <a:schemeClr val="lt1"/>
+      </a:fontRef>
+    </dgm:style>
+  </dgm:styleLbl>
+  <dgm:styleLbl name="node3">
+    <dgm:scene3d>
+      <a:camera prst="orthographicFront"/>
+      <a:lightRig rig="threePt" dir="t"/>
+    </dgm:scene3d>
+    <dgm:sp3d/>
+    <dgm:txPr/>
+    <dgm:style>
+      <a:lnRef idx="0">
+        <a:scrgbClr r="0" g="0" b="0"/>
+      </a:lnRef>
+      <a:fillRef idx="3">
+        <a:scrgbClr r="0" g="0" b="0"/>
+      </a:fillRef>
+      <a:effectRef idx="2">
+        <a:scrgbClr r="0" g="0" b="0"/>
+      </a:effectRef>
+      <a:fontRef idx="minor">
+        <a:schemeClr val="lt1"/>
+      </a:fontRef>
+    </dgm:style>
+  </dgm:styleLbl>
+  <dgm:styleLbl name="node4">
+    <dgm:scene3d>
+      <a:camera prst="orthographicFront"/>
+      <a:lightRig rig="threePt" dir="t"/>
+    </dgm:scene3d>
+    <dgm:sp3d/>
+    <dgm:txPr/>
+    <dgm:style>
+      <a:lnRef idx="0">
+        <a:scrgbClr r="0" g="0" b="0"/>
+      </a:lnRef>
+      <a:fillRef idx="3">
+        <a:scrgbClr r="0" g="0" b="0"/>
+      </a:fillRef>
+      <a:effectRef idx="2">
+        <a:scrgbClr r="0" g="0" b="0"/>
+      </a:effectRef>
+      <a:fontRef idx="minor">
+        <a:schemeClr val="lt1"/>
+      </a:fontRef>
+    </dgm:style>
+  </dgm:styleLbl>
+  <dgm:styleLbl name="fgImgPlace1">
+    <dgm:scene3d>
+      <a:camera prst="orthographicFront"/>
+      <a:lightRig rig="threePt" dir="t"/>
+    </dgm:scene3d>
+    <dgm:sp3d/>
+    <dgm:txPr/>
+    <dgm:style>
+      <a:lnRef idx="0">
+        <a:scrgbClr r="0" g="0" b="0"/>
+      </a:lnRef>
+      <a:fillRef idx="1">
+        <a:scrgbClr r="0" g="0" b="0"/>
+      </a:fillRef>
+      <a:effectRef idx="2">
+        <a:scrgbClr r="0" g="0" b="0"/>
+      </a:effectRef>
+      <a:fontRef idx="minor"/>
+    </dgm:style>
+  </dgm:styleLbl>
+  <dgm:styleLbl name="alignImgPlace1">
+    <dgm:scene3d>
+      <a:camera prst="orthographicFront"/>
+      <a:lightRig rig="threePt" dir="t"/>
+    </dgm:scene3d>
+    <dgm:sp3d/>
+    <dgm:txPr/>
+    <dgm:style>
+      <a:lnRef idx="0">
+        <a:scrgbClr r="0" g="0" b="0"/>
+      </a:lnRef>
+      <a:fillRef idx="1">
+        <a:scrgbClr r="0" g="0" b="0"/>
+      </a:fillRef>
+      <a:effectRef idx="2">
+        <a:scrgbClr r="0" g="0" b="0"/>
+      </a:effectRef>
+      <a:fontRef idx="minor"/>
+    </dgm:style>
+  </dgm:styleLbl>
+  <dgm:styleLbl name="bgImgPlace1">
+    <dgm:scene3d>
+      <a:camera prst="orthographicFront"/>
+      <a:lightRig rig="threePt" dir="t"/>
+    </dgm:scene3d>
+    <dgm:sp3d/>
+    <dgm:txPr/>
+    <dgm:style>
+      <a:lnRef idx="0">
+        <a:scrgbClr r="0" g="0" b="0"/>
+      </a:lnRef>
+      <a:fillRef idx="1">
+        <a:scrgbClr r="0" g="0" b="0"/>
+      </a:fillRef>
+      <a:effectRef idx="2">
+        <a:scrgbClr r="0" g="0" b="0"/>
+      </a:effectRef>
+      <a:fontRef idx="minor"/>
+    </dgm:style>
+  </dgm:styleLbl>
+  <dgm:styleLbl name="sibTrans2D1">
+    <dgm:scene3d>
+      <a:camera prst="orthographicFront"/>
+      <a:lightRig rig="threePt" dir="t"/>
+    </dgm:scene3d>
+    <dgm:sp3d/>
+    <dgm:txPr/>
+    <dgm:style>
+      <a:lnRef idx="0">
+        <a:scrgbClr r="0" g="0" b="0"/>
+      </a:lnRef>
+      <a:fillRef idx="3">
+        <a:scrgbClr r="0" g="0" b="0"/>
+      </a:fillRef>
+      <a:effectRef idx="2">
+        <a:scrgbClr r="0" g="0" b="0"/>
+      </a:effectRef>
+      <a:fontRef idx="minor">
+        <a:schemeClr val="lt1"/>
+      </a:fontRef>
+    </dgm:style>
+  </dgm:styleLbl>
+  <dgm:styleLbl name="fgSibTrans2D1">
+    <dgm:scene3d>
+      <a:camera prst="orthographicFront"/>
+      <a:lightRig rig="threePt" dir="t"/>
+    </dgm:scene3d>
+    <dgm:sp3d/>
+    <dgm:txPr/>
+    <dgm:style>
+      <a:lnRef idx="0">
+        <a:scrgbClr r="0" g="0" b="0"/>
+      </a:lnRef>
+      <a:fillRef idx="3">
+        <a:scrgbClr r="0" g="0" b="0"/>
+      </a:fillRef>
+      <a:effectRef idx="2">
+        <a:scrgbClr r="0" g="0" b="0"/>
+      </a:effectRef>
+      <a:fontRef idx="minor">
+        <a:schemeClr val="lt1"/>
+      </a:fontRef>
+    </dgm:style>
+  </dgm:styleLbl>
+  <dgm:styleLbl name="bgSibTrans2D1">
+    <dgm:scene3d>
+      <a:camera prst="orthographicFront"/>
+      <a:lightRig rig="threePt" dir="t"/>
+    </dgm:scene3d>
+    <dgm:sp3d/>
+    <dgm:txPr/>
+    <dgm:style>
+      <a:lnRef idx="0">
+        <a:scrgbClr r="0" g="0" b="0"/>
+      </a:lnRef>
+      <a:fillRef idx="3">
+        <a:scrgbClr r="0" g="0" b="0"/>
+      </a:fillRef>
+      <a:effectRef idx="2">
+        <a:scrgbClr r="0" g="0" b="0"/>
+      </a:effectRef>
+      <a:fontRef idx="minor">
+        <a:schemeClr val="lt1"/>
+      </a:fontRef>
+    </dgm:style>
+  </dgm:styleLbl>
+  <dgm:styleLbl name="sibTrans1D1">
+    <dgm:scene3d>
+      <a:camera prst="orthographicFront"/>
+      <a:lightRig rig="threePt" dir="t"/>
+    </dgm:scene3d>
+    <dgm:sp3d/>
+    <dgm:txPr/>
+    <dgm:style>
+      <a:lnRef idx="1">
+        <a:scrgbClr r="0" g="0" b="0"/>
+      </a:lnRef>
+      <a:fillRef idx="0">
+        <a:scrgbClr r="0" g="0" b="0"/>
+      </a:fillRef>
+      <a:effectRef idx="0">
+        <a:scrgbClr r="0" g="0" b="0"/>
+      </a:effectRef>
+      <a:fontRef idx="minor"/>
+    </dgm:style>
+  </dgm:styleLbl>
+  <dgm:styleLbl name="callout">
+    <dgm:scene3d>
+      <a:camera prst="orthographicFront"/>
+      <a:lightRig rig="threePt" dir="t"/>
+    </dgm:scene3d>
+    <dgm:sp3d/>
+    <dgm:txPr/>
+    <dgm:style>
+      <a:lnRef idx="2">
+        <a:scrgbClr r="0" g="0" b="0"/>
+      </a:lnRef>
+      <a:fillRef idx="1">
+        <a:scrgbClr r="0" g="0" b="0"/>
+      </a:fillRef>
+      <a:effectRef idx="1">
+        <a:scrgbClr r="0" g="0" b="0"/>
+      </a:effectRef>
+      <a:fontRef idx="minor"/>
+    </dgm:style>
+  </dgm:styleLbl>
+  <dgm:styleLbl name="asst0">
+    <dgm:scene3d>
+      <a:camera prst="orthographicFront"/>
+      <a:lightRig rig="threePt" dir="t"/>
+    </dgm:scene3d>
+    <dgm:sp3d/>
+    <dgm:txPr/>
+    <dgm:style>
+      <a:lnRef idx="0">
+        <a:scrgbClr r="0" g="0" b="0"/>
+      </a:lnRef>
+      <a:fillRef idx="3">
+        <a:scrgbClr r="0" g="0" b="0"/>
+      </a:fillRef>
+      <a:effectRef idx="2">
+        <a:scrgbClr r="0" g="0" b="0"/>
+      </a:effectRef>
+      <a:fontRef idx="minor">
+        <a:schemeClr val="lt1"/>
+      </a:fontRef>
+    </dgm:style>
+  </dgm:styleLbl>
+  <dgm:styleLbl name="asst1">
+    <dgm:scene3d>
+      <a:camera prst="orthographicFront"/>
+      <a:lightRig rig="threePt" dir="t"/>
+    </dgm:scene3d>
+    <dgm:sp3d/>
+    <dgm:txPr/>
+    <dgm:style>
+      <a:lnRef idx="0">
+        <a:scrgbClr r="0" g="0" b="0"/>
+      </a:lnRef>
+      <a:fillRef idx="3">
+        <a:scrgbClr r="0" g="0" b="0"/>
+      </a:fillRef>
+      <a:effectRef idx="2">
+        <a:scrgbClr r="0" g="0" b="0"/>
+      </a:effectRef>
+      <a:fontRef idx="minor">
+        <a:schemeClr val="lt1"/>
+      </a:fontRef>
+    </dgm:style>
+  </dgm:styleLbl>
+  <dgm:styleLbl name="asst2">
+    <dgm:scene3d>
+      <a:camera prst="orthographicFront"/>
+      <a:lightRig rig="threePt" dir="t"/>
+    </dgm:scene3d>
+    <dgm:sp3d/>
+    <dgm:txPr/>
+    <dgm:style>
+      <a:lnRef idx="0">
+        <a:scrgbClr r="0" g="0" b="0"/>
+      </a:lnRef>
+      <a:fillRef idx="3">
+        <a:scrgbClr r="0" g="0" b="0"/>
+      </a:fillRef>
+      <a:effectRef idx="2">
+        <a:scrgbClr r="0" g="0" b="0"/>
+      </a:effectRef>
+      <a:fontRef idx="minor">
+        <a:schemeClr val="lt1"/>
+      </a:fontRef>
+    </dgm:style>
+  </dgm:styleLbl>
+  <dgm:styleLbl name="asst3">
+    <dgm:scene3d>
+      <a:camera prst="orthographicFront"/>
+      <a:lightRig rig="threePt" dir="t"/>
+    </dgm:scene3d>
+    <dgm:sp3d/>
+    <dgm:txPr/>
+    <dgm:style>
+      <a:lnRef idx="0">
+        <a:scrgbClr r="0" g="0" b="0"/>
+      </a:lnRef>
+      <a:fillRef idx="3">
+        <a:scrgbClr r="0" g="0" b="0"/>
+      </a:fillRef>
+      <a:effectRef idx="2">
+        <a:scrgbClr r="0" g="0" b="0"/>
+      </a:effectRef>
+      <a:fontRef idx="minor">
+        <a:schemeClr val="lt1"/>
+      </a:fontRef>
+    </dgm:style>
+  </dgm:styleLbl>
+  <dgm:styleLbl name="asst4">
+    <dgm:scene3d>
+      <a:camera prst="orthographicFront"/>
+      <a:lightRig rig="threePt" dir="t"/>
+    </dgm:scene3d>
+    <dgm:sp3d/>
+    <dgm:txPr/>
+    <dgm:style>
+      <a:lnRef idx="0">
+        <a:scrgbClr r="0" g="0" b="0"/>
+      </a:lnRef>
+      <a:fillRef idx="3">
+        <a:scrgbClr r="0" g="0" b="0"/>
+      </a:fillRef>
+      <a:effectRef idx="2">
+        <a:scrgbClr r="0" g="0" b="0"/>
+      </a:effectRef>
+      <a:fontRef idx="minor">
+        <a:schemeClr val="lt1"/>
+      </a:fontRef>
+    </dgm:style>
+  </dgm:styleLbl>
+  <dgm:styleLbl name="parChTrans2D1">
+    <dgm:scene3d>
+      <a:camera prst="orthographicFront"/>
+      <a:lightRig rig="threePt" dir="t"/>
+    </dgm:scene3d>
+    <dgm:sp3d/>
+    <dgm:txPr/>
+    <dgm:style>
+      <a:lnRef idx="0">
+        <a:scrgbClr r="0" g="0" b="0"/>
+      </a:lnRef>
+      <a:fillRef idx="3">
+        <a:scrgbClr r="0" g="0" b="0"/>
+      </a:fillRef>
+      <a:effectRef idx="2">
+        <a:scrgbClr r="0" g="0" b="0"/>
+      </a:effectRef>
+      <a:fontRef idx="minor">
+        <a:schemeClr val="lt1"/>
+      </a:fontRef>
+    </dgm:style>
+  </dgm:styleLbl>
+  <dgm:styleLbl name="parChTrans2D2">
+    <dgm:scene3d>
+      <a:camera prst="orthographicFront"/>
+      <a:lightRig rig="threePt" dir="t"/>
+    </dgm:scene3d>
+    <dgm:sp3d/>
+    <dgm:txPr/>
+    <dgm:style>
+      <a:lnRef idx="0">
+        <a:scrgbClr r="0" g="0" b="0"/>
+      </a:lnRef>
+      <a:fillRef idx="3">
+        <a:scrgbClr r="0" g="0" b="0"/>
+      </a:fillRef>
+      <a:effectRef idx="2">
+        <a:scrgbClr r="0" g="0" b="0"/>
+      </a:effectRef>
+      <a:fontRef idx="minor">
+        <a:schemeClr val="lt1"/>
+      </a:fontRef>
+    </dgm:style>
+  </dgm:styleLbl>
+  <dgm:styleLbl name="parChTrans2D3">
+    <dgm:scene3d>
+      <a:camera prst="orthographicFront"/>
+      <a:lightRig rig="threePt" dir="t"/>
+    </dgm:scene3d>
+    <dgm:sp3d/>
+    <dgm:txPr/>
+    <dgm:style>
+      <a:lnRef idx="1">
+        <a:scrgbClr r="0" g="0" b="0"/>
+      </a:lnRef>
+      <a:fillRef idx="3">
+        <a:scrgbClr r="0" g="0" b="0"/>
+      </a:fillRef>
+      <a:effectRef idx="2">
+        <a:scrgbClr r="0" g="0" b="0"/>
+      </a:effectRef>
+      <a:fontRef idx="minor">
+        <a:schemeClr val="lt1"/>
+      </a:fontRef>
+    </dgm:style>
+  </dgm:styleLbl>
+  <dgm:styleLbl name="parChTrans2D4">
+    <dgm:scene3d>
+      <a:camera prst="orthographicFront"/>
+      <a:lightRig rig="threePt" dir="t"/>
+    </dgm:scene3d>
+    <dgm:sp3d/>
+    <dgm:txPr/>
+    <dgm:style>
+      <a:lnRef idx="1">
+        <a:scrgbClr r="0" g="0" b="0"/>
+      </a:lnRef>
+      <a:fillRef idx="3">
+        <a:scrgbClr r="0" g="0" b="0"/>
+      </a:fillRef>
+      <a:effectRef idx="2">
+        <a:scrgbClr r="0" g="0" b="0"/>
+      </a:effectRef>
+      <a:fontRef idx="minor">
+        <a:schemeClr val="lt1"/>
+      </a:fontRef>
+    </dgm:style>
+  </dgm:styleLbl>
+  <dgm:styleLbl name="parChTrans1D1">
+    <dgm:scene3d>
+      <a:camera prst="orthographicFront"/>
+      <a:lightRig rig="threePt" dir="t"/>
+    </dgm:scene3d>
+    <dgm:sp3d/>
+    <dgm:txPr/>
+    <dgm:style>
+      <a:lnRef idx="1">
+        <a:scrgbClr r="0" g="0" b="0"/>
+      </a:lnRef>
+      <a:fillRef idx="0">
+        <a:scrgbClr r="0" g="0" b="0"/>
+      </a:fillRef>
+      <a:effectRef idx="0">
+        <a:scrgbClr r="0" g="0" b="0"/>
+      </a:effectRef>
+      <a:fontRef idx="minor"/>
+    </dgm:style>
+  </dgm:styleLbl>
+  <dgm:styleLbl name="parChTrans1D2">
+    <dgm:scene3d>
+      <a:camera prst="orthographicFront"/>
+      <a:lightRig rig="threePt" dir="t"/>
+    </dgm:scene3d>
+    <dgm:sp3d/>
+    <dgm:txPr/>
+    <dgm:style>
+      <a:lnRef idx="1">
+        <a:scrgbClr r="0" g="0" b="0"/>
+      </a:lnRef>
+      <a:fillRef idx="0">
+        <a:scrgbClr r="0" g="0" b="0"/>
+      </a:fillRef>
+      <a:effectRef idx="0">
+        <a:scrgbClr r="0" g="0" b="0"/>
+      </a:effectRef>
+      <a:fontRef idx="minor"/>
+    </dgm:style>
+  </dgm:styleLbl>
+  <dgm:styleLbl name="parChTrans1D3">
+    <dgm:scene3d>
+      <a:camera prst="orthographicFront"/>
+      <a:lightRig rig="threePt" dir="t"/>
+    </dgm:scene3d>
+    <dgm:sp3d/>
+    <dgm:txPr/>
+    <dgm:style>
+      <a:lnRef idx="1">
+        <a:scrgbClr r="0" g="0" b="0"/>
+      </a:lnRef>
+      <a:fillRef idx="0">
+        <a:scrgbClr r="0" g="0" b="0"/>
+      </a:fillRef>
+      <a:effectRef idx="0">
+        <a:scrgbClr r="0" g="0" b="0"/>
+      </a:effectRef>
+      <a:fontRef idx="minor"/>
+    </dgm:style>
+  </dgm:styleLbl>
+  <dgm:styleLbl name="parChTrans1D4">
+    <dgm:scene3d>
+      <a:camera prst="orthographicFront"/>
+      <a:lightRig rig="threePt" dir="t"/>
+    </dgm:scene3d>
+    <dgm:sp3d/>
+    <dgm:txPr/>
+    <dgm:style>
+      <a:lnRef idx="1">
+        <a:scrgbClr r="0" g="0" b="0"/>
+      </a:lnRef>
+      <a:fillRef idx="0">
+        <a:scrgbClr r="0" g="0" b="0"/>
+      </a:fillRef>
+      <a:effectRef idx="0">
+        <a:scrgbClr r="0" g="0" b="0"/>
+      </a:effectRef>
+      <a:fontRef idx="minor"/>
+    </dgm:style>
+  </dgm:styleLbl>
+  <dgm:styleLbl name="fgAcc1">
+    <dgm:scene3d>
+      <a:camera prst="orthographicFront"/>
+      <a:lightRig rig="threePt" dir="t"/>
+    </dgm:scene3d>
+    <dgm:sp3d/>
+    <dgm:txPr/>
+    <dgm:style>
+      <a:lnRef idx="1">
+        <a:scrgbClr r="0" g="0" b="0"/>
+      </a:lnRef>
+      <a:fillRef idx="1">
+        <a:scrgbClr r="0" g="0" b="0"/>
+      </a:fillRef>
+      <a:effectRef idx="0">
+        <a:scrgbClr r="0" g="0" b="0"/>
+      </a:effectRef>
+      <a:fontRef idx="minor"/>
+    </dgm:style>
+  </dgm:styleLbl>
+  <dgm:styleLbl name="conFgAcc1">
+    <dgm:scene3d>
+      <a:camera prst="orthographicFront"/>
+      <a:lightRig rig="threePt" dir="t"/>
+    </dgm:scene3d>
+    <dgm:sp3d/>
+    <dgm:txPr/>
+    <dgm:style>
+      <a:lnRef idx="1">
+        <a:scrgbClr r="0" g="0" b="0"/>
+      </a:lnRef>
+      <a:fillRef idx="1">
+        <a:scrgbClr r="0" g="0" b="0"/>
+      </a:fillRef>
+      <a:effectRef idx="0">
+        <a:scrgbClr r="0" g="0" b="0"/>
+      </a:effectRef>
+      <a:fontRef idx="minor"/>
+    </dgm:style>
+  </dgm:styleLbl>
+  <dgm:styleLbl name="alignAcc1">
+    <dgm:scene3d>
+      <a:camera prst="orthographicFront"/>
+      <a:lightRig rig="threePt" dir="t"/>
+    </dgm:scene3d>
+    <dgm:sp3d/>
+    <dgm:txPr/>
+    <dgm:style>
+      <a:lnRef idx="1">
+        <a:scrgbClr r="0" g="0" b="0"/>
+      </a:lnRef>
+      <a:fillRef idx="1">
+        <a:scrgbClr r="0" g="0" b="0"/>
+      </a:fillRef>
+      <a:effectRef idx="0">
+        <a:scrgbClr r="0" g="0" b="0"/>
+      </a:effectRef>
+      <a:fontRef idx="minor"/>
+    </dgm:style>
+  </dgm:styleLbl>
+  <dgm:styleLbl name="trAlignAcc1">
+    <dgm:scene3d>
+      <a:camera prst="orthographicFront"/>
+      <a:lightRig rig="threePt" dir="t"/>
+    </dgm:scene3d>
+    <dgm:sp3d/>
+    <dgm:txPr/>
+    <dgm:style>
+      <a:lnRef idx="1">
+        <a:scrgbClr r="0" g="0" b="0"/>
+      </a:lnRef>
+      <a:fillRef idx="1">
+        <a:scrgbClr r="0" g="0" b="0"/>
+      </a:fillRef>
+      <a:effectRef idx="0">
+        <a:scrgbClr r="0" g="0" b="0"/>
+      </a:effectRef>
+      <a:fontRef idx="minor"/>
+    </dgm:style>
+  </dgm:styleLbl>
+  <dgm:styleLbl name="bgAcc1">
+    <dgm:scene3d>
+      <a:camera prst="orthographicFront"/>
+      <a:lightRig rig="threePt" dir="t"/>
+    </dgm:scene3d>
+    <dgm:sp3d/>
+    <dgm:txPr/>
+    <dgm:style>
+      <a:lnRef idx="1">
+        <a:scrgbClr r="0" g="0" b="0"/>
+      </a:lnRef>
+      <a:fillRef idx="1">
+        <a:scrgbClr r="0" g="0" b="0"/>
+      </a:fillRef>
+      <a:effectRef idx="0">
+        <a:scrgbClr r="0" g="0" b="0"/>
+      </a:effectRef>
+      <a:fontRef idx="minor"/>
+    </dgm:style>
+  </dgm:styleLbl>
+  <dgm:styleLbl name="solidFgAcc1">
+    <dgm:scene3d>
+      <a:camera prst="orthographicFront"/>
+      <a:lightRig rig="threePt" dir="t"/>
+    </dgm:scene3d>
+    <dgm:sp3d/>
+    <dgm:txPr/>
+    <dgm:style>
+      <a:lnRef idx="1">
+        <a:scrgbClr r="0" g="0" b="0"/>
+      </a:lnRef>
+      <a:fillRef idx="1">
+        <a:scrgbClr r="0" g="0" b="0"/>
+      </a:fillRef>
+      <a:effectRef idx="0">
+        <a:scrgbClr r="0" g="0" b="0"/>
+      </a:effectRef>
+      <a:fontRef idx="minor"/>
+    </dgm:style>
+  </dgm:styleLbl>
+  <dgm:styleLbl name="solidAlignAcc1">
+    <dgm:scene3d>
+      <a:camera prst="orthographicFront"/>
+      <a:lightRig rig="threePt" dir="t"/>
+    </dgm:scene3d>
+    <dgm:sp3d/>
+    <dgm:txPr/>
+    <dgm:style>
+      <a:lnRef idx="1">
+        <a:scrgbClr r="0" g="0" b="0"/>
+      </a:lnRef>
+      <a:fillRef idx="1">
+        <a:scrgbClr r="0" g="0" b="0"/>
+      </a:fillRef>
+      <a:effectRef idx="0">
+        <a:scrgbClr r="0" g="0" b="0"/>
+      </a:effectRef>
+      <a:fontRef idx="minor"/>
+    </dgm:style>
+  </dgm:styleLbl>
+  <dgm:styleLbl name="solidBgAcc1">
+    <dgm:scene3d>
+      <a:camera prst="orthographicFront"/>
+      <a:lightRig rig="threePt" dir="t"/>
+    </dgm:scene3d>
+    <dgm:sp3d/>
+    <dgm:txPr/>
+    <dgm:style>
+      <a:lnRef idx="1">
+        <a:scrgbClr r="0" g="0" b="0"/>
+      </a:lnRef>
+      <a:fillRef idx="1">
+        <a:scrgbClr r="0" g="0" b="0"/>
+      </a:fillRef>
+      <a:effectRef idx="0">
+        <a:scrgbClr r="0" g="0" b="0"/>
+      </a:effectRef>
+      <a:fontRef idx="minor"/>
+    </dgm:style>
+  </dgm:styleLbl>
+  <dgm:styleLbl name="fgAccFollowNode1">
+    <dgm:scene3d>
+      <a:camera prst="orthographicFront"/>
+      <a:lightRig rig="threePt" dir="t"/>
+    </dgm:scene3d>
+    <dgm:sp3d/>
+    <dgm:txPr/>
+    <dgm:style>
+      <a:lnRef idx="1">
+        <a:scrgbClr r="0" g="0" b="0"/>
+      </a:lnRef>
+      <a:fillRef idx="1">
+        <a:scrgbClr r="0" g="0" b="0"/>
+      </a:fillRef>
+      <a:effectRef idx="0">
+        <a:scrgbClr r="0" g="0" b="0"/>
+      </a:effectRef>
+      <a:fontRef idx="minor"/>
+    </dgm:style>
+  </dgm:styleLbl>
+  <dgm:styleLbl name="alignAccFollowNode1">
+    <dgm:scene3d>
+      <a:camera prst="orthographicFront"/>
+      <a:lightRig rig="threePt" dir="t"/>
+    </dgm:scene3d>
+    <dgm:sp3d/>
+    <dgm:txPr/>
+    <dgm:style>
+      <a:lnRef idx="1">
+        <a:scrgbClr r="0" g="0" b="0"/>
+      </a:lnRef>
+      <a:fillRef idx="1">
+        <a:scrgbClr r="0" g="0" b="0"/>
+      </a:fillRef>
+      <a:effectRef idx="0">
+        <a:scrgbClr r="0" g="0" b="0"/>
+      </a:effectRef>
+      <a:fontRef idx="minor"/>
+    </dgm:style>
+  </dgm:styleLbl>
+  <dgm:styleLbl name="bgAccFollowNode1">
+    <dgm:scene3d>
+      <a:camera prst="orthographicFront"/>
+      <a:lightRig rig="threePt" dir="t"/>
+    </dgm:scene3d>
+    <dgm:sp3d/>
+    <dgm:txPr/>
+    <dgm:style>
+      <a:lnRef idx="1">
+        <a:scrgbClr r="0" g="0" b="0"/>
+      </a:lnRef>
+      <a:fillRef idx="1">
+        <a:scrgbClr r="0" g="0" b="0"/>
+      </a:fillRef>
+      <a:effectRef idx="0">
+        <a:scrgbClr r="0" g="0" b="0"/>
+      </a:effectRef>
+      <a:fontRef idx="minor"/>
+    </dgm:style>
+  </dgm:styleLbl>
+  <dgm:styleLbl name="fgAcc0">
+    <dgm:scene3d>
+      <a:camera prst="orthographicFront"/>
+      <a:lightRig rig="threePt" dir="t"/>
+    </dgm:scene3d>
+    <dgm:sp3d/>
+    <dgm:txPr/>
+    <dgm:style>
+      <a:lnRef idx="1">
+        <a:scrgbClr r="0" g="0" b="0"/>
+      </a:lnRef>
+      <a:fillRef idx="1">
+        <a:scrgbClr r="0" g="0" b="0"/>
+      </a:fillRef>
+      <a:effectRef idx="0">
+        <a:scrgbClr r="0" g="0" b="0"/>
+      </a:effectRef>
+      <a:fontRef idx="minor"/>
+    </dgm:style>
+  </dgm:styleLbl>
+  <dgm:styleLbl name="fgAcc2">
+    <dgm:scene3d>
+      <a:camera prst="orthographicFront"/>
+      <a:lightRig rig="threePt" dir="t"/>
+    </dgm:scene3d>
+    <dgm:sp3d/>
+    <dgm:txPr/>
+    <dgm:style>
+      <a:lnRef idx="1">
+        <a:scrgbClr r="0" g="0" b="0"/>
+      </a:lnRef>
+      <a:fillRef idx="1">
+        <a:scrgbClr r="0" g="0" b="0"/>
+      </a:fillRef>
+      <a:effectRef idx="0">
+        <a:scrgbClr r="0" g="0" b="0"/>
+      </a:effectRef>
+      <a:fontRef idx="minor"/>
+    </dgm:style>
+  </dgm:styleLbl>
+  <dgm:styleLbl name="fgAcc3">
+    <dgm:scene3d>
+      <a:camera prst="orthographicFront"/>
+      <a:lightRig rig="threePt" dir="t"/>
+    </dgm:scene3d>
+    <dgm:sp3d/>
+    <dgm:txPr/>
+    <dgm:style>
+      <a:lnRef idx="1">
+        <a:scrgbClr r="0" g="0" b="0"/>
+      </a:lnRef>
+      <a:fillRef idx="1">
+        <a:scrgbClr r="0" g="0" b="0"/>
+      </a:fillRef>
+      <a:effectRef idx="0">
+        <a:scrgbClr r="0" g="0" b="0"/>
+      </a:effectRef>
+      <a:fontRef idx="minor"/>
+    </dgm:style>
+  </dgm:styleLbl>
+  <dgm:styleLbl name="fgAcc4">
+    <dgm:scene3d>
+      <a:camera prst="orthographicFront"/>
+      <a:lightRig rig="threePt" dir="t"/>
+    </dgm:scene3d>
+    <dgm:sp3d/>
+    <dgm:txPr/>
+    <dgm:style>
+      <a:lnRef idx="1">
+        <a:scrgbClr r="0" g="0" b="0"/>
+      </a:lnRef>
+      <a:fillRef idx="1">
+        <a:scrgbClr r="0" g="0" b="0"/>
+      </a:fillRef>
+      <a:effectRef idx="0">
+        <a:scrgbClr r="0" g="0" b="0"/>
+      </a:effectRef>
+      <a:fontRef idx="minor"/>
+    </dgm:style>
+  </dgm:styleLbl>
+  <dgm:styleLbl name="bgShp">
+    <dgm:scene3d>
+      <a:camera prst="orthographicFront"/>
+      <a:lightRig rig="threePt" dir="t"/>
+    </dgm:scene3d>
+    <dgm:sp3d/>
+    <dgm:txPr/>
+    <dgm:style>
+      <a:lnRef idx="0">
+        <a:scrgbClr r="0" g="0" b="0"/>
+      </a:lnRef>
+      <a:fillRef idx="1">
+        <a:scrgbClr r="0" g="0" b="0"/>
+      </a:fillRef>
+      <a:effectRef idx="2">
+        <a:scrgbClr r="0" g="0" b="0"/>
+      </a:effectRef>
+      <a:fontRef idx="minor"/>
+    </dgm:style>
+  </dgm:styleLbl>
+  <dgm:styleLbl name="dkBgShp">
+    <dgm:scene3d>
+      <a:camera prst="orthographicFront"/>
+      <a:lightRig rig="threePt" dir="t"/>
+    </dgm:scene3d>
+    <dgm:sp3d/>
+    <dgm:txPr/>
+    <dgm:style>
+      <a:lnRef idx="0">
+        <a:scrgbClr r="0" g="0" b="0"/>
+      </a:lnRef>
+      <a:fillRef idx="1">
+        <a:scrgbClr r="0" g="0" b="0"/>
+      </a:fillRef>
+      <a:effectRef idx="2">
+        <a:scrgbClr r="0" g="0" b="0"/>
+      </a:effectRef>
+      <a:fontRef idx="minor"/>
+    </dgm:style>
+  </dgm:styleLbl>
+  <dgm:styleLbl name="trBgShp">
+    <dgm:scene3d>
+      <a:camera prst="orthographicFront"/>
+      <a:lightRig rig="threePt" dir="t"/>
+    </dgm:scene3d>
+    <dgm:sp3d/>
+    <dgm:txPr/>
+    <dgm:style>
+      <a:lnRef idx="0">
+        <a:scrgbClr r="0" g="0" b="0"/>
+      </a:lnRef>
+      <a:fillRef idx="1">
+        <a:scrgbClr r="0" g="0" b="0"/>
+      </a:fillRef>
+      <a:effectRef idx="0">
+        <a:scrgbClr r="0" g="0" b="0"/>
+      </a:effectRef>
+      <a:fontRef idx="minor"/>
+    </dgm:style>
+  </dgm:styleLbl>
+  <dgm:styleLbl name="fgShp">
+    <dgm:scene3d>
+      <a:camera prst="orthographicFront"/>
+      <a:lightRig rig="threePt" dir="t"/>
+    </dgm:scene3d>
+    <dgm:sp3d/>
+    <dgm:txPr/>
+    <dgm:style>
+      <a:lnRef idx="0">
+        <a:scrgbClr r="0" g="0" b="0"/>
+      </a:lnRef>
+      <a:fillRef idx="3">
+        <a:scrgbClr r="0" g="0" b="0"/>
+      </a:fillRef>
+      <a:effectRef idx="2">
+        <a:scrgbClr r="0" g="0" b="0"/>
+      </a:effectRef>
+      <a:fontRef idx="minor"/>
+    </dgm:style>
+  </dgm:styleLbl>
+  <dgm:styleLbl name="revTx">
+    <dgm:scene3d>
+      <a:camera prst="orthographicFront"/>
+      <a:lightRig rig="threePt" dir="t"/>
+    </dgm:scene3d>
+    <dgm:sp3d/>
+    <dgm:txPr/>
+    <dgm:style>
+      <a:lnRef idx="0">
+        <a:scrgbClr r="0" g="0" b="0"/>
+      </a:lnRef>
+      <a:fillRef idx="0">
+        <a:scrgbClr r="0" g="0" b="0"/>
+      </a:fillRef>
+      <a:effectRef idx="0">
+        <a:scrgbClr r="0" g="0" b="0"/>
+      </a:effectRef>
+      <a:fontRef idx="minor"/>
+    </dgm:style>
+  </dgm:styleLbl>
+</dgm:styleDef>
 </file>
 
 <file path=ppt/slideLayouts/slideLayout1.xml><?xml version="1.0" encoding="utf-8"?>
@@ -3172,6 +6205,13 @@
   <p:clrMapOvr>
     <a:masterClrMapping/>
   </p:clrMapOvr>
+  <p:timing>
+    <p:tnLst>
+      <p:par>
+        <p:cTn xmlns:p14="http://schemas.microsoft.com/office/powerpoint/2010/main" id="1" dur="indefinite" restart="never" nodeType="tmRoot"/>
+      </p:par>
+    </p:tnLst>
+  </p:timing>
 </p:sld>
 </file>
 
@@ -3204,14 +6244,12 @@
         </p:nvSpPr>
         <p:spPr/>
         <p:txBody>
-          <a:bodyPr>
-            <a:normAutofit/>
-          </a:bodyPr>
+          <a:bodyPr/>
           <a:lstStyle/>
           <a:p>
             <a:r>
               <a:rPr lang="de-DE" dirty="0" smtClean="0"/>
-              <a:t>Trennung User- und System-Mode</a:t>
+              <a:t>Inter-Prozess-Kommunikation</a:t>
             </a:r>
             <a:endParaRPr lang="de-DE" dirty="0"/>
           </a:p>
@@ -3219,19 +6257,446 @@
       </p:sp>
       <p:sp>
         <p:nvSpPr>
-          <p:cNvPr id="3" name="Inhaltsplatzhalter 2"/>
-          <p:cNvSpPr>
-            <a:spLocks noGrp="1"/>
-          </p:cNvSpPr>
-          <p:nvPr>
-            <p:ph idx="1"/>
-          </p:nvPr>
+          <p:cNvPr id="4" name="Textfeld 3"/>
+          <p:cNvSpPr txBox="1"/>
+          <p:nvPr/>
         </p:nvSpPr>
-        <p:spPr/>
+        <p:spPr>
+          <a:xfrm>
+            <a:off x="553229" y="1792512"/>
+            <a:ext cx="8034398" cy="2862323"/>
+          </a:xfrm>
+          <a:prstGeom prst="rect">
+            <a:avLst/>
+          </a:prstGeom>
+          <a:noFill/>
+        </p:spPr>
         <p:txBody>
-          <a:bodyPr/>
+          <a:bodyPr wrap="square" rtlCol="0">
+            <a:spAutoFit/>
+          </a:bodyPr>
           <a:lstStyle/>
           <a:p>
+            <a:r>
+              <a:rPr lang="de-DE" dirty="0" smtClean="0">
+                <a:solidFill>
+                  <a:srgbClr val="3F7F5F"/>
+                </a:solidFill>
+                <a:latin typeface="Monaco"/>
+              </a:rPr>
+              <a:t>/*</a:t>
+            </a:r>
+          </a:p>
+          <a:p>
+            <a:r>
+              <a:rPr lang="de-DE" dirty="0" smtClean="0">
+                <a:solidFill>
+                  <a:srgbClr val="3F7F5F"/>
+                </a:solidFill>
+                <a:latin typeface="Monaco"/>
+              </a:rPr>
+              <a:t> * IPC </a:t>
+            </a:r>
+            <a:r>
+              <a:rPr lang="de-DE" dirty="0" err="1" smtClean="0">
+                <a:solidFill>
+                  <a:srgbClr val="3F7F5F"/>
+                </a:solidFill>
+                <a:latin typeface="Monaco"/>
+              </a:rPr>
+              <a:t>message</a:t>
+            </a:r>
+            <a:endParaRPr lang="de-DE" dirty="0" smtClean="0">
+              <a:solidFill>
+                <a:srgbClr val="3F7F5F"/>
+              </a:solidFill>
+              <a:latin typeface="Monaco"/>
+            </a:endParaRPr>
+          </a:p>
+          <a:p>
+            <a:r>
+              <a:rPr lang="de-DE" dirty="0" smtClean="0">
+                <a:solidFill>
+                  <a:srgbClr val="3F7F5F"/>
+                </a:solidFill>
+                <a:latin typeface="Monaco"/>
+              </a:rPr>
+              <a:t> */</a:t>
+            </a:r>
+          </a:p>
+          <a:p>
+            <a:r>
+              <a:rPr lang="de-DE" b="1" dirty="0" err="1" smtClean="0">
+                <a:solidFill>
+                  <a:srgbClr val="7F0055"/>
+                </a:solidFill>
+                <a:latin typeface="Monaco"/>
+              </a:rPr>
+              <a:t>typedef</a:t>
+            </a:r>
+            <a:r>
+              <a:rPr lang="de-DE" b="1" dirty="0" smtClean="0">
+                <a:solidFill>
+                  <a:srgbClr val="000000"/>
+                </a:solidFill>
+                <a:latin typeface="Monaco"/>
+              </a:rPr>
+              <a:t> </a:t>
+            </a:r>
+            <a:r>
+              <a:rPr lang="de-DE" b="1" dirty="0" err="1" smtClean="0">
+                <a:solidFill>
+                  <a:srgbClr val="7F0055"/>
+                </a:solidFill>
+                <a:latin typeface="Monaco"/>
+              </a:rPr>
+              <a:t>struct</a:t>
+            </a:r>
+            <a:r>
+              <a:rPr lang="de-DE" b="1" dirty="0" smtClean="0">
+                <a:solidFill>
+                  <a:srgbClr val="000000"/>
+                </a:solidFill>
+                <a:latin typeface="Monaco"/>
+              </a:rPr>
+              <a:t> </a:t>
+            </a:r>
+            <a:r>
+              <a:rPr lang="de-DE" b="1" dirty="0" err="1" smtClean="0">
+                <a:solidFill>
+                  <a:srgbClr val="000000"/>
+                </a:solidFill>
+                <a:latin typeface="Monaco"/>
+              </a:rPr>
+              <a:t>ipc_message_t</a:t>
+            </a:r>
+            <a:r>
+              <a:rPr lang="de-DE" b="1" dirty="0" smtClean="0">
+                <a:solidFill>
+                  <a:srgbClr val="000000"/>
+                </a:solidFill>
+                <a:latin typeface="Monaco"/>
+              </a:rPr>
+              <a:t> {</a:t>
+            </a:r>
+          </a:p>
+          <a:p>
+            <a:r>
+              <a:rPr lang="de-DE" dirty="0" smtClean="0">
+                <a:solidFill>
+                  <a:srgbClr val="000000"/>
+                </a:solidFill>
+                <a:latin typeface="Monaco"/>
+              </a:rPr>
+              <a:t>    </a:t>
+            </a:r>
+            <a:r>
+              <a:rPr lang="de-DE" dirty="0" err="1" smtClean="0">
+                <a:solidFill>
+                  <a:srgbClr val="005032"/>
+                </a:solidFill>
+                <a:latin typeface="Monaco"/>
+              </a:rPr>
+              <a:t>pid_t</a:t>
+            </a:r>
+            <a:r>
+              <a:rPr lang="de-DE" dirty="0" smtClean="0">
+                <a:solidFill>
+                  <a:srgbClr val="000000"/>
+                </a:solidFill>
+                <a:latin typeface="Monaco"/>
+              </a:rPr>
+              <a:t> </a:t>
+            </a:r>
+            <a:r>
+              <a:rPr lang="de-DE" dirty="0" err="1" smtClean="0">
+                <a:solidFill>
+                  <a:srgbClr val="0000C0"/>
+                </a:solidFill>
+                <a:latin typeface="Monaco"/>
+              </a:rPr>
+              <a:t>sender</a:t>
+            </a:r>
+            <a:r>
+              <a:rPr lang="de-DE" dirty="0" smtClean="0">
+                <a:solidFill>
+                  <a:srgbClr val="000000"/>
+                </a:solidFill>
+                <a:latin typeface="Monaco"/>
+              </a:rPr>
+              <a:t>;</a:t>
+            </a:r>
+          </a:p>
+          <a:p>
+            <a:r>
+              <a:rPr lang="de-DE" dirty="0" smtClean="0">
+                <a:solidFill>
+                  <a:srgbClr val="000000"/>
+                </a:solidFill>
+                <a:latin typeface="Monaco"/>
+              </a:rPr>
+              <a:t>    </a:t>
+            </a:r>
+            <a:r>
+              <a:rPr lang="de-DE" dirty="0" err="1" smtClean="0">
+                <a:solidFill>
+                  <a:srgbClr val="005032"/>
+                </a:solidFill>
+                <a:latin typeface="Monaco"/>
+              </a:rPr>
+              <a:t>pid_t</a:t>
+            </a:r>
+            <a:r>
+              <a:rPr lang="de-DE" dirty="0" smtClean="0">
+                <a:solidFill>
+                  <a:srgbClr val="000000"/>
+                </a:solidFill>
+                <a:latin typeface="Monaco"/>
+              </a:rPr>
+              <a:t> </a:t>
+            </a:r>
+            <a:r>
+              <a:rPr lang="de-DE" dirty="0" err="1" smtClean="0">
+                <a:solidFill>
+                  <a:srgbClr val="0000C0"/>
+                </a:solidFill>
+                <a:latin typeface="Monaco"/>
+              </a:rPr>
+              <a:t>receiver</a:t>
+            </a:r>
+            <a:r>
+              <a:rPr lang="de-DE" dirty="0" smtClean="0">
+                <a:solidFill>
+                  <a:srgbClr val="000000"/>
+                </a:solidFill>
+                <a:latin typeface="Monaco"/>
+              </a:rPr>
+              <a:t>;</a:t>
+            </a:r>
+          </a:p>
+          <a:p>
+            <a:r>
+              <a:rPr lang="de-DE" dirty="0" smtClean="0">
+                <a:solidFill>
+                  <a:srgbClr val="000000"/>
+                </a:solidFill>
+                <a:latin typeface="Monaco"/>
+              </a:rPr>
+              <a:t>    </a:t>
+            </a:r>
+            <a:r>
+              <a:rPr lang="de-DE" b="1" dirty="0" err="1" smtClean="0">
+                <a:solidFill>
+                  <a:srgbClr val="7F0055"/>
+                </a:solidFill>
+                <a:latin typeface="Monaco"/>
+              </a:rPr>
+              <a:t>const</a:t>
+            </a:r>
+            <a:r>
+              <a:rPr lang="de-DE" b="1" dirty="0" smtClean="0">
+                <a:solidFill>
+                  <a:srgbClr val="000000"/>
+                </a:solidFill>
+                <a:latin typeface="Monaco"/>
+              </a:rPr>
+              <a:t> </a:t>
+            </a:r>
+            <a:r>
+              <a:rPr lang="de-DE" b="1" dirty="0" err="1" smtClean="0">
+                <a:solidFill>
+                  <a:srgbClr val="7F0055"/>
+                </a:solidFill>
+                <a:latin typeface="Monaco"/>
+              </a:rPr>
+              <a:t>char</a:t>
+            </a:r>
+            <a:r>
+              <a:rPr lang="de-DE" b="1" dirty="0" smtClean="0">
+                <a:solidFill>
+                  <a:srgbClr val="000000"/>
+                </a:solidFill>
+                <a:latin typeface="Monaco"/>
+              </a:rPr>
+              <a:t>* </a:t>
+            </a:r>
+            <a:r>
+              <a:rPr lang="de-DE" b="1" dirty="0" err="1" smtClean="0">
+                <a:solidFill>
+                  <a:srgbClr val="0000C0"/>
+                </a:solidFill>
+                <a:latin typeface="Monaco"/>
+              </a:rPr>
+              <a:t>ns</a:t>
+            </a:r>
+            <a:r>
+              <a:rPr lang="de-DE" b="1" dirty="0" smtClean="0">
+                <a:solidFill>
+                  <a:srgbClr val="000000"/>
+                </a:solidFill>
+                <a:latin typeface="Monaco"/>
+              </a:rPr>
+              <a:t>;</a:t>
+            </a:r>
+          </a:p>
+          <a:p>
+            <a:r>
+              <a:rPr lang="de-DE" dirty="0" smtClean="0">
+                <a:solidFill>
+                  <a:srgbClr val="000000"/>
+                </a:solidFill>
+                <a:latin typeface="Monaco"/>
+              </a:rPr>
+              <a:t>    </a:t>
+            </a:r>
+            <a:r>
+              <a:rPr lang="de-DE" b="1" dirty="0" err="1" smtClean="0">
+                <a:solidFill>
+                  <a:srgbClr val="7F0055"/>
+                </a:solidFill>
+                <a:latin typeface="Monaco"/>
+              </a:rPr>
+              <a:t>struct</a:t>
+            </a:r>
+            <a:r>
+              <a:rPr lang="de-DE" b="1" dirty="0" smtClean="0">
+                <a:solidFill>
+                  <a:srgbClr val="000000"/>
+                </a:solidFill>
+                <a:latin typeface="Monaco"/>
+              </a:rPr>
+              <a:t> </a:t>
+            </a:r>
+            <a:r>
+              <a:rPr lang="de-DE" b="1" dirty="0" err="1" smtClean="0">
+                <a:solidFill>
+                  <a:srgbClr val="000000"/>
+                </a:solidFill>
+                <a:latin typeface="Monaco"/>
+              </a:rPr>
+              <a:t>message_t</a:t>
+            </a:r>
+            <a:r>
+              <a:rPr lang="de-DE" b="1" dirty="0" smtClean="0">
+                <a:solidFill>
+                  <a:srgbClr val="000000"/>
+                </a:solidFill>
+                <a:latin typeface="Monaco"/>
+              </a:rPr>
+              <a:t>* </a:t>
+            </a:r>
+            <a:r>
+              <a:rPr lang="de-DE" b="1" dirty="0" err="1" smtClean="0">
+                <a:solidFill>
+                  <a:srgbClr val="0000C0"/>
+                </a:solidFill>
+                <a:latin typeface="Monaco"/>
+              </a:rPr>
+              <a:t>message</a:t>
+            </a:r>
+            <a:r>
+              <a:rPr lang="de-DE" b="1" dirty="0" smtClean="0">
+                <a:solidFill>
+                  <a:srgbClr val="000000"/>
+                </a:solidFill>
+                <a:latin typeface="Monaco"/>
+              </a:rPr>
+              <a:t>;</a:t>
+            </a:r>
+          </a:p>
+          <a:p>
+            <a:r>
+              <a:rPr lang="de-DE" dirty="0" smtClean="0">
+                <a:solidFill>
+                  <a:srgbClr val="000000"/>
+                </a:solidFill>
+                <a:latin typeface="Monaco"/>
+              </a:rPr>
+              <a:t>    </a:t>
+            </a:r>
+            <a:r>
+              <a:rPr lang="de-DE" b="1" dirty="0" err="1" smtClean="0">
+                <a:solidFill>
+                  <a:srgbClr val="7F0055"/>
+                </a:solidFill>
+                <a:latin typeface="Monaco"/>
+              </a:rPr>
+              <a:t>struct</a:t>
+            </a:r>
+            <a:r>
+              <a:rPr lang="de-DE" b="1" dirty="0" smtClean="0">
+                <a:solidFill>
+                  <a:srgbClr val="000000"/>
+                </a:solidFill>
+                <a:latin typeface="Monaco"/>
+              </a:rPr>
+              <a:t> </a:t>
+            </a:r>
+            <a:r>
+              <a:rPr lang="de-DE" b="1" dirty="0" err="1" smtClean="0">
+                <a:solidFill>
+                  <a:srgbClr val="000000"/>
+                </a:solidFill>
+                <a:latin typeface="Monaco"/>
+              </a:rPr>
+              <a:t>ipc_message_t</a:t>
+            </a:r>
+            <a:r>
+              <a:rPr lang="de-DE" b="1" dirty="0" smtClean="0">
+                <a:solidFill>
+                  <a:srgbClr val="000000"/>
+                </a:solidFill>
+                <a:latin typeface="Monaco"/>
+              </a:rPr>
+              <a:t>* </a:t>
+            </a:r>
+            <a:r>
+              <a:rPr lang="de-DE" b="1" dirty="0" err="1" smtClean="0">
+                <a:solidFill>
+                  <a:srgbClr val="0000C0"/>
+                </a:solidFill>
+                <a:latin typeface="Monaco"/>
+              </a:rPr>
+              <a:t>next</a:t>
+            </a:r>
+            <a:r>
+              <a:rPr lang="de-DE" b="1" dirty="0" smtClean="0">
+                <a:solidFill>
+                  <a:srgbClr val="000000"/>
+                </a:solidFill>
+                <a:latin typeface="Monaco"/>
+              </a:rPr>
+              <a:t>;</a:t>
+            </a:r>
+          </a:p>
+          <a:p>
+            <a:r>
+              <a:rPr lang="de-DE" dirty="0" smtClean="0">
+                <a:solidFill>
+                  <a:srgbClr val="000000"/>
+                </a:solidFill>
+                <a:latin typeface="Monaco"/>
+              </a:rPr>
+              <a:t>} </a:t>
+            </a:r>
+            <a:r>
+              <a:rPr lang="de-DE" dirty="0" smtClean="0">
+                <a:solidFill>
+                  <a:srgbClr val="005032"/>
+                </a:solidFill>
+                <a:latin typeface="Monaco"/>
+              </a:rPr>
+              <a:t>IPC_MESSAGE</a:t>
+            </a:r>
+            <a:r>
+              <a:rPr lang="de-DE" dirty="0" smtClean="0">
+                <a:solidFill>
+                  <a:srgbClr val="000000"/>
+                </a:solidFill>
+                <a:latin typeface="Monaco"/>
+              </a:rPr>
+              <a:t>;</a:t>
+            </a:r>
             <a:endParaRPr lang="de-DE" dirty="0"/>
           </a:p>
         </p:txBody>
@@ -3239,7 +6704,7 @@
     </p:spTree>
     <p:extLst>
       <p:ext uri="{BB962C8B-B14F-4D97-AF65-F5344CB8AC3E}">
-        <p14:creationId xmlns:p14="http://schemas.microsoft.com/office/powerpoint/2010/main" val="802318327"/>
+        <p14:creationId xmlns:p14="http://schemas.microsoft.com/office/powerpoint/2010/main" val="3213471822"/>
       </p:ext>
     </p:extLst>
   </p:cSld>
@@ -3285,12 +6750,14 @@
         </p:nvSpPr>
         <p:spPr/>
         <p:txBody>
-          <a:bodyPr/>
+          <a:bodyPr>
+            <a:normAutofit/>
+          </a:bodyPr>
           <a:lstStyle/>
           <a:p>
             <a:r>
               <a:rPr lang="de-DE" dirty="0" smtClean="0"/>
-              <a:t>Virtuelles Speichermanagement</a:t>
+              <a:t>Trennung User- und System-Mode</a:t>
             </a:r>
             <a:endParaRPr lang="de-DE" dirty="0"/>
           </a:p>
@@ -3311,6 +6778,12 @@
           <a:bodyPr/>
           <a:lstStyle/>
           <a:p>
+            <a:r>
+              <a:rPr lang="de-DE" dirty="0" smtClean="0"/>
+              <a:t>Strikte Trennung von System- sowie User-Mode</a:t>
+            </a:r>
+          </a:p>
+          <a:p>
             <a:endParaRPr lang="de-DE" dirty="0"/>
           </a:p>
         </p:txBody>
@@ -3318,7 +6791,7 @@
     </p:spTree>
     <p:extLst>
       <p:ext uri="{BB962C8B-B14F-4D97-AF65-F5344CB8AC3E}">
-        <p14:creationId xmlns:p14="http://schemas.microsoft.com/office/powerpoint/2010/main" val="1190293616"/>
+        <p14:creationId xmlns:p14="http://schemas.microsoft.com/office/powerpoint/2010/main" val="802318327"/>
       </p:ext>
     </p:extLst>
   </p:cSld>
@@ -3369,7 +6842,7 @@
           <a:p>
             <a:r>
               <a:rPr lang="de-DE" dirty="0" smtClean="0"/>
-              <a:t>Laden von Applikationen</a:t>
+              <a:t>Virtuelles Speichermanagement</a:t>
             </a:r>
             <a:endParaRPr lang="de-DE" dirty="0"/>
           </a:p>
@@ -3390,20 +6863,57 @@
           <a:bodyPr/>
           <a:lstStyle/>
           <a:p>
-            <a:endParaRPr lang="de-DE"/>
+            <a:r>
+              <a:rPr lang="de-DE" dirty="0" smtClean="0"/>
+              <a:t>Zweistufige Speichertabelle (L1 sowie L2)</a:t>
+            </a:r>
+          </a:p>
+          <a:p>
+            <a:r>
+              <a:rPr lang="de-DE" dirty="0" smtClean="0"/>
+              <a:t>4KB Page-Größe (L1) 1KB Page-Größe (L2)</a:t>
+            </a:r>
+          </a:p>
+          <a:p>
+            <a:r>
+              <a:rPr lang="de-DE" dirty="0" smtClean="0"/>
+              <a:t>64KB 2</a:t>
+            </a:r>
+            <a:r>
+              <a:rPr lang="de-DE" baseline="30000" dirty="0" smtClean="0"/>
+              <a:t>nd</a:t>
+            </a:r>
+            <a:r>
+              <a:rPr lang="de-DE" dirty="0" smtClean="0"/>
+              <a:t>-Level-Cache, 64MB DDR-Speicher</a:t>
+            </a:r>
+          </a:p>
+          <a:p>
+            <a:r>
+              <a:rPr lang="de-DE" dirty="0" smtClean="0"/>
+              <a:t>Theoretisch 4GB pro Prozess (1MB festgelegt)</a:t>
+            </a:r>
+            <a:endParaRPr lang="de-DE" dirty="0"/>
           </a:p>
         </p:txBody>
       </p:sp>
     </p:spTree>
     <p:extLst>
       <p:ext uri="{BB962C8B-B14F-4D97-AF65-F5344CB8AC3E}">
-        <p14:creationId xmlns:p14="http://schemas.microsoft.com/office/powerpoint/2010/main" val="2192969843"/>
+        <p14:creationId xmlns:p14="http://schemas.microsoft.com/office/powerpoint/2010/main" val="1190293616"/>
       </p:ext>
     </p:extLst>
   </p:cSld>
   <p:clrMapOvr>
     <a:masterClrMapping/>
   </p:clrMapOvr>
+  <p:timing>
+    <p:tnLst>
+      <p:par>
+        <p:cTn xmlns:p14="http://schemas.microsoft.com/office/powerpoint/2010/main" id="1" dur="indefinite" restart="never" nodeType="tmRoot"/>
+      </p:par>
+    </p:tnLst>
+  </p:timing>
 </p:sld>
 </file>
 
@@ -3440,42 +6950,54 @@
           <a:lstStyle/>
           <a:p>
             <a:r>
-              <a:rPr lang="de-DE" dirty="0" smtClean="0"/>
-              <a:t>Dateisystem</a:t>
-            </a:r>
-            <a:endParaRPr lang="de-DE" dirty="0"/>
+              <a:rPr lang="de-DE" dirty="0"/>
+              <a:t>Virtuelles Speichermanagement</a:t>
+            </a:r>
           </a:p>
         </p:txBody>
       </p:sp>
-      <p:sp>
-        <p:nvSpPr>
-          <p:cNvPr id="3" name="Inhaltsplatzhalter 2"/>
-          <p:cNvSpPr>
-            <a:spLocks noGrp="1"/>
-          </p:cNvSpPr>
+      <p:graphicFrame>
+        <p:nvGraphicFramePr>
+          <p:cNvPr id="4" name="Inhaltsplatzhalter 3"/>
+          <p:cNvGraphicFramePr>
+            <a:graphicFrameLocks noGrp="1"/>
+          </p:cNvGraphicFramePr>
           <p:nvPr>
             <p:ph idx="1"/>
+            <p:extLst>
+              <p:ext uri="{D42A27DB-BD31-4B8C-83A1-F6EECF244321}">
+                <p14:modId xmlns:p14="http://schemas.microsoft.com/office/powerpoint/2010/main" val="4015601361"/>
+              </p:ext>
+            </p:extLst>
           </p:nvPr>
-        </p:nvSpPr>
-        <p:spPr/>
-        <p:txBody>
-          <a:bodyPr/>
-          <a:lstStyle/>
-          <a:p>
-            <a:endParaRPr lang="de-DE" dirty="0"/>
-          </a:p>
-        </p:txBody>
-      </p:sp>
+        </p:nvGraphicFramePr>
+        <p:xfrm>
+          <a:off x="457200" y="1600200"/>
+          <a:ext cx="8229600" cy="4525963"/>
+        </p:xfrm>
+        <a:graphic>
+          <a:graphicData uri="http://schemas.openxmlformats.org/drawingml/2006/diagram">
+            <dgm:relIds xmlns:dgm="http://schemas.openxmlformats.org/drawingml/2006/diagram" xmlns:r="http://schemas.openxmlformats.org/officeDocument/2006/relationships" r:dm="rId2" r:lo="rId3" r:qs="rId4" r:cs="rId5"/>
+          </a:graphicData>
+        </a:graphic>
+      </p:graphicFrame>
     </p:spTree>
     <p:extLst>
       <p:ext uri="{BB962C8B-B14F-4D97-AF65-F5344CB8AC3E}">
-        <p14:creationId xmlns:p14="http://schemas.microsoft.com/office/powerpoint/2010/main" val="3922847602"/>
+        <p14:creationId xmlns:p14="http://schemas.microsoft.com/office/powerpoint/2010/main" val="231664871"/>
       </p:ext>
     </p:extLst>
   </p:cSld>
   <p:clrMapOvr>
     <a:masterClrMapping/>
   </p:clrMapOvr>
+  <p:timing>
+    <p:tnLst>
+      <p:par>
+        <p:cTn xmlns:p14="http://schemas.microsoft.com/office/powerpoint/2010/main" id="1" dur="indefinite" restart="never" nodeType="tmRoot"/>
+      </p:par>
+    </p:tnLst>
+  </p:timing>
 </p:sld>
 </file>
 
@@ -3513,7 +7035,7 @@
           <a:p>
             <a:r>
               <a:rPr lang="de-DE" dirty="0" smtClean="0"/>
-              <a:t>Device Drivers</a:t>
+              <a:t>Laden von Applikationen</a:t>
             </a:r>
             <a:endParaRPr lang="de-DE" dirty="0"/>
           </a:p>
@@ -3541,13 +7063,20 @@
     </p:spTree>
     <p:extLst>
       <p:ext uri="{BB962C8B-B14F-4D97-AF65-F5344CB8AC3E}">
-        <p14:creationId xmlns:p14="http://schemas.microsoft.com/office/powerpoint/2010/main" val="1792622470"/>
+        <p14:creationId xmlns:p14="http://schemas.microsoft.com/office/powerpoint/2010/main" val="2192969843"/>
       </p:ext>
     </p:extLst>
   </p:cSld>
   <p:clrMapOvr>
     <a:masterClrMapping/>
   </p:clrMapOvr>
+  <p:timing>
+    <p:tnLst>
+      <p:par>
+        <p:cTn xmlns:p14="http://schemas.microsoft.com/office/powerpoint/2010/main" id="1" dur="indefinite" restart="never" nodeType="tmRoot"/>
+      </p:par>
+    </p:tnLst>
+  </p:timing>
 </p:sld>
 </file>
 
@@ -3584,8 +7113,8 @@
           <a:lstStyle/>
           <a:p>
             <a:r>
-              <a:rPr lang="de-DE" dirty="0" err="1" smtClean="0"/>
-              <a:t>Performanztests</a:t>
+              <a:rPr lang="de-DE" dirty="0" smtClean="0"/>
+              <a:t>Dateisystem</a:t>
             </a:r>
             <a:endParaRPr lang="de-DE" dirty="0"/>
           </a:p>
@@ -3608,6 +7137,1593 @@
           <a:p>
             <a:r>
               <a:rPr lang="de-DE" dirty="0" smtClean="0"/>
+              <a:t>Portierung einer FAT Implementierung für Embedded Devices</a:t>
+            </a:r>
+          </a:p>
+          <a:p>
+            <a:r>
+              <a:rPr lang="de-DE" dirty="0" smtClean="0"/>
+              <a:t>Anpassungen an die OttOS-Treiber Struktur</a:t>
+            </a:r>
+          </a:p>
+          <a:p>
+            <a:r>
+              <a:rPr lang="de-DE" dirty="0" smtClean="0"/>
+              <a:t>Lese- sowie Schreib-Unterstützung</a:t>
+            </a:r>
+          </a:p>
+          <a:p>
+            <a:r>
+              <a:rPr lang="de-DE" dirty="0" smtClean="0"/>
+              <a:t>Auslesen von Verzeichnissen</a:t>
+            </a:r>
+          </a:p>
+          <a:p>
+            <a:pPr marL="0" indent="0">
+              <a:buNone/>
+            </a:pPr>
+            <a:endParaRPr lang="de-DE" dirty="0"/>
+          </a:p>
+        </p:txBody>
+      </p:sp>
+    </p:spTree>
+    <p:extLst>
+      <p:ext uri="{BB962C8B-B14F-4D97-AF65-F5344CB8AC3E}">
+        <p14:creationId xmlns:p14="http://schemas.microsoft.com/office/powerpoint/2010/main" val="3922847602"/>
+      </p:ext>
+    </p:extLst>
+  </p:cSld>
+  <p:clrMapOvr>
+    <a:masterClrMapping/>
+  </p:clrMapOvr>
+  <p:timing>
+    <p:tnLst>
+      <p:par>
+        <p:cTn xmlns:p14="http://schemas.microsoft.com/office/powerpoint/2010/main" id="1" dur="indefinite" restart="never" nodeType="tmRoot"/>
+      </p:par>
+    </p:tnLst>
+  </p:timing>
+</p:sld>
+</file>
+
+<file path=ppt/slides/slide16.xml><?xml version="1.0" encoding="utf-8"?>
+<p:sld xmlns:a="http://schemas.openxmlformats.org/drawingml/2006/main" xmlns:r="http://schemas.openxmlformats.org/officeDocument/2006/relationships" xmlns:p="http://schemas.openxmlformats.org/presentationml/2006/main">
+  <p:cSld>
+    <p:spTree>
+      <p:nvGrpSpPr>
+        <p:cNvPr id="1" name=""/>
+        <p:cNvGrpSpPr/>
+        <p:nvPr/>
+      </p:nvGrpSpPr>
+      <p:grpSpPr>
+        <a:xfrm>
+          <a:off x="0" y="0"/>
+          <a:ext cx="0" cy="0"/>
+          <a:chOff x="0" y="0"/>
+          <a:chExt cx="0" cy="0"/>
+        </a:xfrm>
+      </p:grpSpPr>
+      <p:sp>
+        <p:nvSpPr>
+          <p:cNvPr id="2" name="Titel 1"/>
+          <p:cNvSpPr>
+            <a:spLocks noGrp="1"/>
+          </p:cNvSpPr>
+          <p:nvPr>
+            <p:ph type="title"/>
+          </p:nvPr>
+        </p:nvSpPr>
+        <p:spPr/>
+        <p:txBody>
+          <a:bodyPr/>
+          <a:lstStyle/>
+          <a:p>
+            <a:r>
+              <a:rPr lang="de-DE" dirty="0" smtClean="0"/>
+              <a:t>Dateisystem</a:t>
+            </a:r>
+            <a:endParaRPr lang="de-DE" dirty="0"/>
+          </a:p>
+        </p:txBody>
+      </p:sp>
+      <p:sp>
+        <p:nvSpPr>
+          <p:cNvPr id="4" name="Textfeld 3"/>
+          <p:cNvSpPr txBox="1"/>
+          <p:nvPr/>
+        </p:nvSpPr>
+        <p:spPr>
+          <a:xfrm>
+            <a:off x="457200" y="2184703"/>
+            <a:ext cx="8229600" cy="2585323"/>
+          </a:xfrm>
+          <a:prstGeom prst="rect">
+            <a:avLst/>
+          </a:prstGeom>
+          <a:noFill/>
+        </p:spPr>
+        <p:txBody>
+          <a:bodyPr wrap="square" rtlCol="0">
+            <a:spAutoFit/>
+          </a:bodyPr>
+          <a:lstStyle/>
+          <a:p>
+            <a:r>
+              <a:rPr lang="de-DE" dirty="0">
+                <a:solidFill>
+                  <a:srgbClr val="3F7F5F"/>
+                </a:solidFill>
+                <a:latin typeface="Monaco"/>
+              </a:rPr>
+              <a:t>/**</a:t>
+            </a:r>
+          </a:p>
+          <a:p>
+            <a:r>
+              <a:rPr lang="de-DE" dirty="0">
+                <a:solidFill>
+                  <a:srgbClr val="3F7F5F"/>
+                </a:solidFill>
+                <a:latin typeface="Monaco"/>
+              </a:rPr>
+              <a:t> * Initialize </a:t>
+            </a:r>
+            <a:r>
+              <a:rPr lang="de-DE" dirty="0" err="1">
+                <a:solidFill>
+                  <a:srgbClr val="3F7F5F"/>
+                </a:solidFill>
+                <a:latin typeface="Monaco"/>
+              </a:rPr>
+              <a:t>the</a:t>
+            </a:r>
+            <a:r>
+              <a:rPr lang="de-DE" dirty="0">
+                <a:solidFill>
+                  <a:srgbClr val="3F7F5F"/>
+                </a:solidFill>
+                <a:latin typeface="Monaco"/>
+              </a:rPr>
+              <a:t> MMCHS-module </a:t>
+            </a:r>
+            <a:r>
+              <a:rPr lang="de-DE" dirty="0" err="1">
+                <a:solidFill>
+                  <a:srgbClr val="3F7F5F"/>
+                </a:solidFill>
+                <a:latin typeface="Monaco"/>
+              </a:rPr>
+              <a:t>and</a:t>
+            </a:r>
+            <a:r>
+              <a:rPr lang="de-DE" dirty="0">
+                <a:solidFill>
+                  <a:srgbClr val="3F7F5F"/>
+                </a:solidFill>
+                <a:latin typeface="Monaco"/>
+              </a:rPr>
+              <a:t> </a:t>
+            </a:r>
+            <a:r>
+              <a:rPr lang="de-DE" dirty="0" err="1">
+                <a:solidFill>
+                  <a:srgbClr val="3F7F5F"/>
+                </a:solidFill>
+                <a:latin typeface="Monaco"/>
+              </a:rPr>
+              <a:t>attach</a:t>
+            </a:r>
+            <a:r>
+              <a:rPr lang="de-DE" dirty="0">
+                <a:solidFill>
+                  <a:srgbClr val="3F7F5F"/>
+                </a:solidFill>
+                <a:latin typeface="Monaco"/>
+              </a:rPr>
+              <a:t> </a:t>
+            </a:r>
+            <a:r>
+              <a:rPr lang="de-DE" dirty="0" err="1">
+                <a:solidFill>
+                  <a:srgbClr val="3F7F5F"/>
+                </a:solidFill>
+                <a:latin typeface="Monaco"/>
+              </a:rPr>
+              <a:t>the</a:t>
+            </a:r>
+            <a:endParaRPr lang="de-DE" dirty="0">
+              <a:solidFill>
+                <a:srgbClr val="3F7F5F"/>
+              </a:solidFill>
+              <a:latin typeface="Monaco"/>
+            </a:endParaRPr>
+          </a:p>
+          <a:p>
+            <a:r>
+              <a:rPr lang="de-DE" dirty="0">
+                <a:solidFill>
+                  <a:srgbClr val="3F7F5F"/>
+                </a:solidFill>
+                <a:latin typeface="Monaco"/>
+              </a:rPr>
+              <a:t> * </a:t>
+            </a:r>
+            <a:r>
+              <a:rPr lang="de-DE" dirty="0" err="1">
+                <a:solidFill>
+                  <a:srgbClr val="3F7F5F"/>
+                </a:solidFill>
+                <a:latin typeface="Monaco"/>
+              </a:rPr>
+              <a:t>read</a:t>
+            </a:r>
+            <a:r>
+              <a:rPr lang="de-DE" dirty="0">
+                <a:solidFill>
+                  <a:srgbClr val="3F7F5F"/>
+                </a:solidFill>
+                <a:latin typeface="Monaco"/>
+              </a:rPr>
+              <a:t>/</a:t>
+            </a:r>
+            <a:r>
+              <a:rPr lang="de-DE" dirty="0" err="1">
+                <a:solidFill>
+                  <a:srgbClr val="3F7F5F"/>
+                </a:solidFill>
+                <a:latin typeface="Monaco"/>
+              </a:rPr>
+              <a:t>write</a:t>
+            </a:r>
+            <a:r>
+              <a:rPr lang="de-DE" dirty="0">
+                <a:solidFill>
+                  <a:srgbClr val="3F7F5F"/>
+                </a:solidFill>
+                <a:latin typeface="Monaco"/>
+              </a:rPr>
+              <a:t> </a:t>
+            </a:r>
+            <a:r>
+              <a:rPr lang="de-DE" dirty="0" err="1" smtClean="0">
+                <a:solidFill>
+                  <a:srgbClr val="3F7F5F"/>
+                </a:solidFill>
+                <a:latin typeface="Monaco"/>
+              </a:rPr>
+              <a:t>adapters</a:t>
+            </a:r>
+            <a:r>
+              <a:rPr lang="de-DE" dirty="0" smtClean="0">
+                <a:solidFill>
+                  <a:srgbClr val="3F7F5F"/>
+                </a:solidFill>
+                <a:latin typeface="Monaco"/>
+              </a:rPr>
+              <a:t> </a:t>
+            </a:r>
+            <a:r>
+              <a:rPr lang="de-DE" dirty="0" err="1">
+                <a:solidFill>
+                  <a:srgbClr val="3F7F5F"/>
+                </a:solidFill>
+                <a:latin typeface="Monaco"/>
+              </a:rPr>
+              <a:t>to</a:t>
+            </a:r>
+            <a:r>
+              <a:rPr lang="de-DE" dirty="0">
+                <a:solidFill>
+                  <a:srgbClr val="3F7F5F"/>
+                </a:solidFill>
+                <a:latin typeface="Monaco"/>
+              </a:rPr>
+              <a:t> </a:t>
+            </a:r>
+            <a:r>
+              <a:rPr lang="de-DE" dirty="0" err="1">
+                <a:solidFill>
+                  <a:srgbClr val="3F7F5F"/>
+                </a:solidFill>
+                <a:latin typeface="Monaco"/>
+              </a:rPr>
+              <a:t>the</a:t>
+            </a:r>
+            <a:r>
+              <a:rPr lang="de-DE" dirty="0">
+                <a:solidFill>
+                  <a:srgbClr val="3F7F5F"/>
+                </a:solidFill>
+                <a:latin typeface="Monaco"/>
+              </a:rPr>
+              <a:t> </a:t>
+            </a:r>
+            <a:r>
+              <a:rPr lang="de-DE" dirty="0" err="1">
+                <a:solidFill>
+                  <a:srgbClr val="3F7F5F"/>
+                </a:solidFill>
+                <a:latin typeface="Monaco"/>
+              </a:rPr>
+              <a:t>file</a:t>
+            </a:r>
+            <a:r>
+              <a:rPr lang="de-DE" dirty="0">
+                <a:solidFill>
+                  <a:srgbClr val="3F7F5F"/>
+                </a:solidFill>
+                <a:latin typeface="Monaco"/>
+              </a:rPr>
+              <a:t> </a:t>
+            </a:r>
+            <a:r>
+              <a:rPr lang="de-DE" dirty="0" err="1">
+                <a:solidFill>
+                  <a:srgbClr val="3F7F5F"/>
+                </a:solidFill>
+                <a:latin typeface="Monaco"/>
+              </a:rPr>
+              <a:t>system</a:t>
+            </a:r>
+            <a:r>
+              <a:rPr lang="de-DE" dirty="0">
+                <a:solidFill>
+                  <a:srgbClr val="3F7F5F"/>
+                </a:solidFill>
+                <a:latin typeface="Monaco"/>
+              </a:rPr>
+              <a:t>.</a:t>
+            </a:r>
+          </a:p>
+          <a:p>
+            <a:r>
+              <a:rPr lang="de-DE" dirty="0">
+                <a:solidFill>
+                  <a:srgbClr val="3F7F5F"/>
+                </a:solidFill>
+                <a:latin typeface="Monaco"/>
+              </a:rPr>
+              <a:t> */</a:t>
+            </a:r>
+          </a:p>
+          <a:p>
+            <a:r>
+              <a:rPr lang="de-DE" b="1" dirty="0" err="1">
+                <a:solidFill>
+                  <a:srgbClr val="7F0055"/>
+                </a:solidFill>
+                <a:latin typeface="Monaco"/>
+              </a:rPr>
+              <a:t>void</a:t>
+            </a:r>
+            <a:r>
+              <a:rPr lang="de-DE" b="1" dirty="0">
+                <a:solidFill>
+                  <a:srgbClr val="000000"/>
+                </a:solidFill>
+                <a:latin typeface="Monaco"/>
+              </a:rPr>
+              <a:t> </a:t>
+            </a:r>
+            <a:r>
+              <a:rPr lang="de-DE" b="1" dirty="0" err="1">
+                <a:solidFill>
+                  <a:srgbClr val="000000"/>
+                </a:solidFill>
+                <a:latin typeface="Monaco"/>
+              </a:rPr>
+              <a:t>fs_init</a:t>
+            </a:r>
+            <a:r>
+              <a:rPr lang="de-DE" b="1" dirty="0">
+                <a:solidFill>
+                  <a:srgbClr val="000000"/>
+                </a:solidFill>
+                <a:latin typeface="Monaco"/>
+              </a:rPr>
+              <a:t>() {</a:t>
+            </a:r>
+          </a:p>
+          <a:p>
+            <a:r>
+              <a:rPr lang="de-DE" dirty="0">
+                <a:solidFill>
+                  <a:srgbClr val="000000"/>
+                </a:solidFill>
+                <a:latin typeface="Monaco"/>
+              </a:rPr>
+              <a:t>  </a:t>
+            </a:r>
+            <a:r>
+              <a:rPr lang="de-DE" dirty="0" err="1">
+                <a:solidFill>
+                  <a:srgbClr val="000000"/>
+                </a:solidFill>
+                <a:latin typeface="Monaco"/>
+              </a:rPr>
+              <a:t>mmchs_init</a:t>
+            </a:r>
+            <a:r>
+              <a:rPr lang="de-DE" dirty="0">
+                <a:solidFill>
+                  <a:srgbClr val="000000"/>
+                </a:solidFill>
+                <a:latin typeface="Monaco"/>
+              </a:rPr>
+              <a:t>();</a:t>
+            </a:r>
+          </a:p>
+          <a:p>
+            <a:r>
+              <a:rPr lang="de-DE" dirty="0">
+                <a:solidFill>
+                  <a:srgbClr val="000000"/>
+                </a:solidFill>
+                <a:latin typeface="Monaco"/>
+              </a:rPr>
+              <a:t>  </a:t>
+            </a:r>
+            <a:r>
+              <a:rPr lang="de-DE" dirty="0" err="1">
+                <a:solidFill>
+                  <a:srgbClr val="000000"/>
+                </a:solidFill>
+                <a:latin typeface="Monaco"/>
+              </a:rPr>
+              <a:t>fl_init</a:t>
+            </a:r>
+            <a:r>
+              <a:rPr lang="de-DE" dirty="0">
+                <a:solidFill>
+                  <a:srgbClr val="000000"/>
+                </a:solidFill>
+                <a:latin typeface="Monaco"/>
+              </a:rPr>
+              <a:t>();</a:t>
+            </a:r>
+          </a:p>
+          <a:p>
+            <a:r>
+              <a:rPr lang="de-DE" dirty="0">
+                <a:solidFill>
+                  <a:srgbClr val="000000"/>
+                </a:solidFill>
+                <a:latin typeface="Monaco"/>
+              </a:rPr>
+              <a:t>  </a:t>
+            </a:r>
+            <a:r>
+              <a:rPr lang="de-DE" dirty="0" err="1">
+                <a:solidFill>
+                  <a:srgbClr val="000000"/>
+                </a:solidFill>
+                <a:latin typeface="Monaco"/>
+              </a:rPr>
+              <a:t>fl_attach_media</a:t>
+            </a:r>
+            <a:r>
+              <a:rPr lang="de-DE" dirty="0">
+                <a:solidFill>
+                  <a:srgbClr val="000000"/>
+                </a:solidFill>
+                <a:latin typeface="Monaco"/>
+              </a:rPr>
+              <a:t>(</a:t>
+            </a:r>
+            <a:r>
+              <a:rPr lang="de-DE" dirty="0" err="1">
+                <a:solidFill>
+                  <a:srgbClr val="000000"/>
+                </a:solidFill>
+                <a:latin typeface="Monaco"/>
+              </a:rPr>
+              <a:t>fs_read</a:t>
+            </a:r>
+            <a:r>
+              <a:rPr lang="de-DE" dirty="0">
+                <a:solidFill>
+                  <a:srgbClr val="000000"/>
+                </a:solidFill>
+                <a:latin typeface="Monaco"/>
+              </a:rPr>
+              <a:t>, </a:t>
+            </a:r>
+            <a:r>
+              <a:rPr lang="de-DE" dirty="0" err="1">
+                <a:solidFill>
+                  <a:srgbClr val="000000"/>
+                </a:solidFill>
+                <a:latin typeface="Monaco"/>
+              </a:rPr>
+              <a:t>fs_write</a:t>
+            </a:r>
+            <a:r>
+              <a:rPr lang="de-DE" dirty="0">
+                <a:solidFill>
+                  <a:srgbClr val="000000"/>
+                </a:solidFill>
+                <a:latin typeface="Monaco"/>
+              </a:rPr>
+              <a:t>);</a:t>
+            </a:r>
+          </a:p>
+          <a:p>
+            <a:r>
+              <a:rPr lang="de-DE" dirty="0">
+                <a:solidFill>
+                  <a:srgbClr val="000000"/>
+                </a:solidFill>
+                <a:latin typeface="Monaco"/>
+              </a:rPr>
+              <a:t>}</a:t>
+            </a:r>
+            <a:endParaRPr lang="de-DE" dirty="0"/>
+          </a:p>
+        </p:txBody>
+      </p:sp>
+    </p:spTree>
+    <p:extLst>
+      <p:ext uri="{BB962C8B-B14F-4D97-AF65-F5344CB8AC3E}">
+        <p14:creationId xmlns:p14="http://schemas.microsoft.com/office/powerpoint/2010/main" val="3787584077"/>
+      </p:ext>
+    </p:extLst>
+  </p:cSld>
+  <p:clrMapOvr>
+    <a:masterClrMapping/>
+  </p:clrMapOvr>
+  <p:timing>
+    <p:tnLst>
+      <p:par>
+        <p:cTn xmlns:p14="http://schemas.microsoft.com/office/powerpoint/2010/main" id="1" dur="indefinite" restart="never" nodeType="tmRoot"/>
+      </p:par>
+    </p:tnLst>
+  </p:timing>
+</p:sld>
+</file>
+
+<file path=ppt/slides/slide17.xml><?xml version="1.0" encoding="utf-8"?>
+<p:sld xmlns:a="http://schemas.openxmlformats.org/drawingml/2006/main" xmlns:r="http://schemas.openxmlformats.org/officeDocument/2006/relationships" xmlns:p="http://schemas.openxmlformats.org/presentationml/2006/main">
+  <p:cSld>
+    <p:spTree>
+      <p:nvGrpSpPr>
+        <p:cNvPr id="1" name=""/>
+        <p:cNvGrpSpPr/>
+        <p:nvPr/>
+      </p:nvGrpSpPr>
+      <p:grpSpPr>
+        <a:xfrm>
+          <a:off x="0" y="0"/>
+          <a:ext cx="0" cy="0"/>
+          <a:chOff x="0" y="0"/>
+          <a:chExt cx="0" cy="0"/>
+        </a:xfrm>
+      </p:grpSpPr>
+      <p:sp>
+        <p:nvSpPr>
+          <p:cNvPr id="2" name="Titel 1"/>
+          <p:cNvSpPr>
+            <a:spLocks noGrp="1"/>
+          </p:cNvSpPr>
+          <p:nvPr>
+            <p:ph type="title"/>
+          </p:nvPr>
+        </p:nvSpPr>
+        <p:spPr/>
+        <p:txBody>
+          <a:bodyPr/>
+          <a:lstStyle/>
+          <a:p>
+            <a:r>
+              <a:rPr lang="de-DE" dirty="0" smtClean="0"/>
+              <a:t>Device Drivers</a:t>
+            </a:r>
+            <a:endParaRPr lang="de-DE" dirty="0"/>
+          </a:p>
+        </p:txBody>
+      </p:sp>
+      <p:sp>
+        <p:nvSpPr>
+          <p:cNvPr id="3" name="Inhaltsplatzhalter 2"/>
+          <p:cNvSpPr>
+            <a:spLocks noGrp="1"/>
+          </p:cNvSpPr>
+          <p:nvPr>
+            <p:ph idx="1"/>
+          </p:nvPr>
+        </p:nvSpPr>
+        <p:spPr/>
+        <p:txBody>
+          <a:bodyPr/>
+          <a:lstStyle/>
+          <a:p>
+            <a:r>
+              <a:rPr lang="de-DE" dirty="0" smtClean="0"/>
+              <a:t>Unabhängige Geräte-Treiber für Block- sowie </a:t>
+            </a:r>
+            <a:r>
+              <a:rPr lang="de-DE" dirty="0" err="1" smtClean="0"/>
+              <a:t>Character</a:t>
+            </a:r>
+            <a:r>
+              <a:rPr lang="de-DE" dirty="0" smtClean="0"/>
+              <a:t>-Geräte</a:t>
+            </a:r>
+            <a:endParaRPr lang="de-DE" dirty="0"/>
+          </a:p>
+        </p:txBody>
+      </p:sp>
+    </p:spTree>
+    <p:extLst>
+      <p:ext uri="{BB962C8B-B14F-4D97-AF65-F5344CB8AC3E}">
+        <p14:creationId xmlns:p14="http://schemas.microsoft.com/office/powerpoint/2010/main" val="1792622470"/>
+      </p:ext>
+    </p:extLst>
+  </p:cSld>
+  <p:clrMapOvr>
+    <a:masterClrMapping/>
+  </p:clrMapOvr>
+  <p:timing>
+    <p:tnLst>
+      <p:par>
+        <p:cTn xmlns:p14="http://schemas.microsoft.com/office/powerpoint/2010/main" id="1" dur="indefinite" restart="never" nodeType="tmRoot"/>
+      </p:par>
+    </p:tnLst>
+  </p:timing>
+</p:sld>
+</file>
+
+<file path=ppt/slides/slide18.xml><?xml version="1.0" encoding="utf-8"?>
+<p:sld xmlns:a="http://schemas.openxmlformats.org/drawingml/2006/main" xmlns:r="http://schemas.openxmlformats.org/officeDocument/2006/relationships" xmlns:p="http://schemas.openxmlformats.org/presentationml/2006/main">
+  <p:cSld>
+    <p:spTree>
+      <p:nvGrpSpPr>
+        <p:cNvPr id="1" name=""/>
+        <p:cNvGrpSpPr/>
+        <p:nvPr/>
+      </p:nvGrpSpPr>
+      <p:grpSpPr>
+        <a:xfrm>
+          <a:off x="0" y="0"/>
+          <a:ext cx="0" cy="0"/>
+          <a:chOff x="0" y="0"/>
+          <a:chExt cx="0" cy="0"/>
+        </a:xfrm>
+      </p:grpSpPr>
+      <p:sp>
+        <p:nvSpPr>
+          <p:cNvPr id="2" name="Titel 1"/>
+          <p:cNvSpPr>
+            <a:spLocks noGrp="1"/>
+          </p:cNvSpPr>
+          <p:nvPr>
+            <p:ph type="title"/>
+          </p:nvPr>
+        </p:nvSpPr>
+        <p:spPr/>
+        <p:txBody>
+          <a:bodyPr/>
+          <a:lstStyle/>
+          <a:p>
+            <a:r>
+              <a:rPr lang="de-DE" dirty="0" smtClean="0"/>
+              <a:t>Device-Driver</a:t>
+            </a:r>
+            <a:endParaRPr lang="de-DE" dirty="0"/>
+          </a:p>
+        </p:txBody>
+      </p:sp>
+      <p:sp>
+        <p:nvSpPr>
+          <p:cNvPr id="4" name="Textfeld 3"/>
+          <p:cNvSpPr txBox="1"/>
+          <p:nvPr/>
+        </p:nvSpPr>
+        <p:spPr>
+          <a:xfrm>
+            <a:off x="457200" y="2209853"/>
+            <a:ext cx="8229600" cy="3139321"/>
+          </a:xfrm>
+          <a:prstGeom prst="rect">
+            <a:avLst/>
+          </a:prstGeom>
+          <a:noFill/>
+        </p:spPr>
+        <p:txBody>
+          <a:bodyPr wrap="square" rtlCol="0">
+            <a:spAutoFit/>
+          </a:bodyPr>
+          <a:lstStyle/>
+          <a:p>
+            <a:r>
+              <a:rPr lang="de-DE" dirty="0">
+                <a:solidFill>
+                  <a:srgbClr val="3F7F5F"/>
+                </a:solidFill>
+                <a:latin typeface="Monaco"/>
+              </a:rPr>
+              <a:t>/*</a:t>
+            </a:r>
+          </a:p>
+          <a:p>
+            <a:r>
+              <a:rPr lang="de-DE" dirty="0">
+                <a:solidFill>
+                  <a:srgbClr val="3F7F5F"/>
+                </a:solidFill>
+                <a:latin typeface="Monaco"/>
+              </a:rPr>
+              <a:t> * Device </a:t>
+            </a:r>
+            <a:r>
+              <a:rPr lang="de-DE" dirty="0" err="1">
+                <a:solidFill>
+                  <a:srgbClr val="3F7F5F"/>
+                </a:solidFill>
+                <a:latin typeface="Monaco"/>
+              </a:rPr>
+              <a:t>driver</a:t>
+            </a:r>
+            <a:r>
+              <a:rPr lang="de-DE" dirty="0">
+                <a:solidFill>
+                  <a:srgbClr val="3F7F5F"/>
+                </a:solidFill>
+                <a:latin typeface="Monaco"/>
+              </a:rPr>
+              <a:t> </a:t>
+            </a:r>
+            <a:r>
+              <a:rPr lang="de-DE" dirty="0" err="1">
+                <a:solidFill>
+                  <a:srgbClr val="3F7F5F"/>
+                </a:solidFill>
+                <a:latin typeface="Monaco"/>
+              </a:rPr>
+              <a:t>interface</a:t>
+            </a:r>
+            <a:endParaRPr lang="de-DE" dirty="0">
+              <a:solidFill>
+                <a:srgbClr val="3F7F5F"/>
+              </a:solidFill>
+              <a:latin typeface="Monaco"/>
+            </a:endParaRPr>
+          </a:p>
+          <a:p>
+            <a:r>
+              <a:rPr lang="de-DE" dirty="0">
+                <a:solidFill>
+                  <a:srgbClr val="3F7F5F"/>
+                </a:solidFill>
+                <a:latin typeface="Monaco"/>
+              </a:rPr>
+              <a:t> */</a:t>
+            </a:r>
+          </a:p>
+          <a:p>
+            <a:r>
+              <a:rPr lang="de-DE" b="1" dirty="0" err="1">
+                <a:solidFill>
+                  <a:srgbClr val="7F0055"/>
+                </a:solidFill>
+                <a:latin typeface="Monaco"/>
+              </a:rPr>
+              <a:t>typedef</a:t>
+            </a:r>
+            <a:r>
+              <a:rPr lang="de-DE" b="1" dirty="0">
+                <a:solidFill>
+                  <a:srgbClr val="000000"/>
+                </a:solidFill>
+                <a:latin typeface="Monaco"/>
+              </a:rPr>
+              <a:t> </a:t>
+            </a:r>
+            <a:r>
+              <a:rPr lang="de-DE" b="1" dirty="0" err="1">
+                <a:solidFill>
+                  <a:srgbClr val="7F0055"/>
+                </a:solidFill>
+                <a:latin typeface="Monaco"/>
+              </a:rPr>
+              <a:t>struct</a:t>
+            </a:r>
+            <a:r>
+              <a:rPr lang="de-DE" b="1" dirty="0">
+                <a:solidFill>
+                  <a:srgbClr val="000000"/>
+                </a:solidFill>
+                <a:latin typeface="Monaco"/>
+              </a:rPr>
+              <a:t> {</a:t>
+            </a:r>
+          </a:p>
+          <a:p>
+            <a:r>
+              <a:rPr lang="de-DE" dirty="0">
+                <a:solidFill>
+                  <a:srgbClr val="000000"/>
+                </a:solidFill>
+                <a:latin typeface="Monaco"/>
+              </a:rPr>
+              <a:t>    </a:t>
+            </a:r>
+            <a:r>
+              <a:rPr lang="de-DE" b="1" dirty="0" err="1">
+                <a:solidFill>
+                  <a:srgbClr val="7F0055"/>
+                </a:solidFill>
+                <a:latin typeface="Monaco"/>
+              </a:rPr>
+              <a:t>int</a:t>
+            </a:r>
+            <a:r>
+              <a:rPr lang="de-DE" b="1" dirty="0">
+                <a:solidFill>
+                  <a:srgbClr val="000000"/>
+                </a:solidFill>
+                <a:latin typeface="Monaco"/>
+              </a:rPr>
+              <a:t> (*</a:t>
+            </a:r>
+            <a:r>
+              <a:rPr lang="de-DE" b="1" dirty="0">
+                <a:solidFill>
+                  <a:srgbClr val="0000C0"/>
+                </a:solidFill>
+                <a:latin typeface="Monaco"/>
+              </a:rPr>
+              <a:t>open</a:t>
+            </a:r>
+            <a:r>
+              <a:rPr lang="de-DE" b="1" dirty="0">
+                <a:solidFill>
+                  <a:srgbClr val="000000"/>
+                </a:solidFill>
+                <a:latin typeface="Monaco"/>
+              </a:rPr>
+              <a:t>)(</a:t>
+            </a:r>
+            <a:r>
+              <a:rPr lang="de-DE" b="1" dirty="0" err="1">
+                <a:solidFill>
+                  <a:srgbClr val="005032"/>
+                </a:solidFill>
+                <a:latin typeface="Monaco"/>
+              </a:rPr>
+              <a:t>device_t</a:t>
+            </a:r>
+            <a:r>
+              <a:rPr lang="de-DE" b="1" dirty="0">
+                <a:solidFill>
+                  <a:srgbClr val="000000"/>
+                </a:solidFill>
+                <a:latin typeface="Monaco"/>
+              </a:rPr>
+              <a:t> </a:t>
+            </a:r>
+            <a:r>
+              <a:rPr lang="de-DE" b="1" dirty="0" err="1">
+                <a:solidFill>
+                  <a:srgbClr val="000000"/>
+                </a:solidFill>
+                <a:latin typeface="Monaco"/>
+              </a:rPr>
+              <a:t>dev</a:t>
+            </a:r>
+            <a:r>
+              <a:rPr lang="de-DE" b="1" dirty="0">
+                <a:solidFill>
+                  <a:srgbClr val="000000"/>
+                </a:solidFill>
+                <a:latin typeface="Monaco"/>
+              </a:rPr>
+              <a:t>);</a:t>
+            </a:r>
+          </a:p>
+          <a:p>
+            <a:r>
+              <a:rPr lang="de-DE" dirty="0">
+                <a:solidFill>
+                  <a:srgbClr val="000000"/>
+                </a:solidFill>
+                <a:latin typeface="Monaco"/>
+              </a:rPr>
+              <a:t>    </a:t>
+            </a:r>
+            <a:r>
+              <a:rPr lang="de-DE" b="1" dirty="0" err="1">
+                <a:solidFill>
+                  <a:srgbClr val="7F0055"/>
+                </a:solidFill>
+                <a:latin typeface="Monaco"/>
+              </a:rPr>
+              <a:t>int</a:t>
+            </a:r>
+            <a:r>
+              <a:rPr lang="de-DE" b="1" dirty="0">
+                <a:solidFill>
+                  <a:srgbClr val="000000"/>
+                </a:solidFill>
+                <a:latin typeface="Monaco"/>
+              </a:rPr>
+              <a:t> (*</a:t>
+            </a:r>
+            <a:r>
+              <a:rPr lang="de-DE" b="1" dirty="0" err="1">
+                <a:solidFill>
+                  <a:srgbClr val="0000C0"/>
+                </a:solidFill>
+                <a:latin typeface="Monaco"/>
+              </a:rPr>
+              <a:t>close</a:t>
+            </a:r>
+            <a:r>
+              <a:rPr lang="de-DE" b="1" dirty="0">
+                <a:solidFill>
+                  <a:srgbClr val="000000"/>
+                </a:solidFill>
+                <a:latin typeface="Monaco"/>
+              </a:rPr>
+              <a:t>)(</a:t>
+            </a:r>
+            <a:r>
+              <a:rPr lang="de-DE" b="1" dirty="0" err="1">
+                <a:solidFill>
+                  <a:srgbClr val="005032"/>
+                </a:solidFill>
+                <a:latin typeface="Monaco"/>
+              </a:rPr>
+              <a:t>device_t</a:t>
+            </a:r>
+            <a:r>
+              <a:rPr lang="de-DE" b="1" dirty="0">
+                <a:solidFill>
+                  <a:srgbClr val="000000"/>
+                </a:solidFill>
+                <a:latin typeface="Monaco"/>
+              </a:rPr>
+              <a:t> </a:t>
+            </a:r>
+            <a:r>
+              <a:rPr lang="de-DE" b="1" dirty="0" err="1">
+                <a:solidFill>
+                  <a:srgbClr val="000000"/>
+                </a:solidFill>
+                <a:latin typeface="Monaco"/>
+              </a:rPr>
+              <a:t>dev</a:t>
+            </a:r>
+            <a:r>
+              <a:rPr lang="de-DE" b="1" dirty="0">
+                <a:solidFill>
+                  <a:srgbClr val="000000"/>
+                </a:solidFill>
+                <a:latin typeface="Monaco"/>
+              </a:rPr>
+              <a:t>);</a:t>
+            </a:r>
+          </a:p>
+          <a:p>
+            <a:r>
+              <a:rPr lang="de-DE" dirty="0">
+                <a:solidFill>
+                  <a:srgbClr val="000000"/>
+                </a:solidFill>
+                <a:latin typeface="Monaco"/>
+              </a:rPr>
+              <a:t>    </a:t>
+            </a:r>
+            <a:r>
+              <a:rPr lang="de-DE" b="1" dirty="0" err="1">
+                <a:solidFill>
+                  <a:srgbClr val="7F0055"/>
+                </a:solidFill>
+                <a:latin typeface="Monaco"/>
+              </a:rPr>
+              <a:t>int</a:t>
+            </a:r>
+            <a:r>
+              <a:rPr lang="de-DE" b="1" dirty="0">
+                <a:solidFill>
+                  <a:srgbClr val="000000"/>
+                </a:solidFill>
+                <a:latin typeface="Monaco"/>
+              </a:rPr>
+              <a:t> (*</a:t>
+            </a:r>
+            <a:r>
+              <a:rPr lang="de-DE" b="1" dirty="0" err="1">
+                <a:solidFill>
+                  <a:srgbClr val="0000C0"/>
+                </a:solidFill>
+                <a:latin typeface="Monaco"/>
+              </a:rPr>
+              <a:t>read</a:t>
+            </a:r>
+            <a:r>
+              <a:rPr lang="de-DE" b="1" dirty="0">
+                <a:solidFill>
+                  <a:srgbClr val="000000"/>
+                </a:solidFill>
+                <a:latin typeface="Monaco"/>
+              </a:rPr>
+              <a:t>)(</a:t>
+            </a:r>
+            <a:r>
+              <a:rPr lang="de-DE" b="1" dirty="0" err="1">
+                <a:solidFill>
+                  <a:srgbClr val="005032"/>
+                </a:solidFill>
+                <a:latin typeface="Monaco"/>
+              </a:rPr>
+              <a:t>device_t</a:t>
+            </a:r>
+            <a:r>
+              <a:rPr lang="de-DE" b="1" dirty="0">
+                <a:solidFill>
+                  <a:srgbClr val="000000"/>
+                </a:solidFill>
+                <a:latin typeface="Monaco"/>
+              </a:rPr>
+              <a:t> </a:t>
+            </a:r>
+            <a:r>
+              <a:rPr lang="de-DE" b="1" dirty="0" err="1">
+                <a:solidFill>
+                  <a:srgbClr val="000000"/>
+                </a:solidFill>
+                <a:latin typeface="Monaco"/>
+              </a:rPr>
+              <a:t>dev</a:t>
+            </a:r>
+            <a:r>
+              <a:rPr lang="de-DE" b="1" dirty="0">
+                <a:solidFill>
+                  <a:srgbClr val="000000"/>
+                </a:solidFill>
+                <a:latin typeface="Monaco"/>
+              </a:rPr>
+              <a:t>, </a:t>
+            </a:r>
+            <a:r>
+              <a:rPr lang="de-DE" b="1" dirty="0" err="1">
+                <a:solidFill>
+                  <a:srgbClr val="7F0055"/>
+                </a:solidFill>
+                <a:latin typeface="Monaco"/>
+              </a:rPr>
+              <a:t>int</a:t>
+            </a:r>
+            <a:r>
+              <a:rPr lang="de-DE" b="1" dirty="0">
+                <a:solidFill>
+                  <a:srgbClr val="000000"/>
+                </a:solidFill>
+                <a:latin typeface="Monaco"/>
+              </a:rPr>
+              <a:t> </a:t>
+            </a:r>
+            <a:r>
+              <a:rPr lang="de-DE" b="1" dirty="0" err="1">
+                <a:solidFill>
+                  <a:srgbClr val="000000"/>
+                </a:solidFill>
+                <a:latin typeface="Monaco"/>
+              </a:rPr>
+              <a:t>count</a:t>
+            </a:r>
+            <a:r>
+              <a:rPr lang="de-DE" b="1" dirty="0">
+                <a:solidFill>
+                  <a:srgbClr val="000000"/>
+                </a:solidFill>
+                <a:latin typeface="Monaco"/>
+              </a:rPr>
+              <a:t>, </a:t>
+            </a:r>
+            <a:r>
+              <a:rPr lang="de-DE" b="1" dirty="0" err="1">
+                <a:solidFill>
+                  <a:srgbClr val="7F0055"/>
+                </a:solidFill>
+                <a:latin typeface="Monaco"/>
+              </a:rPr>
+              <a:t>char</a:t>
+            </a:r>
+            <a:r>
+              <a:rPr lang="de-DE" b="1" dirty="0">
+                <a:solidFill>
+                  <a:srgbClr val="000000"/>
+                </a:solidFill>
+                <a:latin typeface="Monaco"/>
+              </a:rPr>
+              <a:t>* </a:t>
+            </a:r>
+            <a:r>
+              <a:rPr lang="de-DE" b="1" dirty="0" err="1">
+                <a:solidFill>
+                  <a:srgbClr val="000000"/>
+                </a:solidFill>
+                <a:latin typeface="Monaco"/>
+              </a:rPr>
+              <a:t>buffer</a:t>
+            </a:r>
+            <a:r>
+              <a:rPr lang="de-DE" b="1" dirty="0">
+                <a:solidFill>
+                  <a:srgbClr val="000000"/>
+                </a:solidFill>
+                <a:latin typeface="Monaco"/>
+              </a:rPr>
+              <a:t>);</a:t>
+            </a:r>
+          </a:p>
+          <a:p>
+            <a:r>
+              <a:rPr lang="de-DE" dirty="0">
+                <a:solidFill>
+                  <a:srgbClr val="000000"/>
+                </a:solidFill>
+                <a:latin typeface="Monaco"/>
+              </a:rPr>
+              <a:t>    </a:t>
+            </a:r>
+            <a:r>
+              <a:rPr lang="de-DE" b="1" dirty="0" err="1">
+                <a:solidFill>
+                  <a:srgbClr val="7F0055"/>
+                </a:solidFill>
+                <a:latin typeface="Monaco"/>
+              </a:rPr>
+              <a:t>int</a:t>
+            </a:r>
+            <a:r>
+              <a:rPr lang="de-DE" b="1" dirty="0">
+                <a:solidFill>
+                  <a:srgbClr val="000000"/>
+                </a:solidFill>
+                <a:latin typeface="Monaco"/>
+              </a:rPr>
+              <a:t> (*</a:t>
+            </a:r>
+            <a:r>
+              <a:rPr lang="de-DE" b="1" dirty="0" err="1">
+                <a:solidFill>
+                  <a:srgbClr val="0000C0"/>
+                </a:solidFill>
+                <a:latin typeface="Monaco"/>
+              </a:rPr>
+              <a:t>write</a:t>
+            </a:r>
+            <a:r>
+              <a:rPr lang="de-DE" b="1" dirty="0">
+                <a:solidFill>
+                  <a:srgbClr val="000000"/>
+                </a:solidFill>
+                <a:latin typeface="Monaco"/>
+              </a:rPr>
+              <a:t>)(</a:t>
+            </a:r>
+            <a:r>
+              <a:rPr lang="de-DE" b="1" dirty="0" err="1">
+                <a:solidFill>
+                  <a:srgbClr val="005032"/>
+                </a:solidFill>
+                <a:latin typeface="Monaco"/>
+              </a:rPr>
+              <a:t>device_t</a:t>
+            </a:r>
+            <a:r>
+              <a:rPr lang="de-DE" b="1" dirty="0">
+                <a:solidFill>
+                  <a:srgbClr val="000000"/>
+                </a:solidFill>
+                <a:latin typeface="Monaco"/>
+              </a:rPr>
+              <a:t> </a:t>
+            </a:r>
+            <a:r>
+              <a:rPr lang="de-DE" b="1" dirty="0" err="1">
+                <a:solidFill>
+                  <a:srgbClr val="000000"/>
+                </a:solidFill>
+                <a:latin typeface="Monaco"/>
+              </a:rPr>
+              <a:t>dev</a:t>
+            </a:r>
+            <a:r>
+              <a:rPr lang="de-DE" b="1" dirty="0">
+                <a:solidFill>
+                  <a:srgbClr val="000000"/>
+                </a:solidFill>
+                <a:latin typeface="Monaco"/>
+              </a:rPr>
+              <a:t>, </a:t>
+            </a:r>
+            <a:r>
+              <a:rPr lang="de-DE" b="1" dirty="0" err="1">
+                <a:solidFill>
+                  <a:srgbClr val="7F0055"/>
+                </a:solidFill>
+                <a:latin typeface="Monaco"/>
+              </a:rPr>
+              <a:t>int</a:t>
+            </a:r>
+            <a:r>
+              <a:rPr lang="de-DE" b="1" dirty="0">
+                <a:solidFill>
+                  <a:srgbClr val="000000"/>
+                </a:solidFill>
+                <a:latin typeface="Monaco"/>
+              </a:rPr>
+              <a:t> </a:t>
+            </a:r>
+            <a:r>
+              <a:rPr lang="de-DE" b="1" dirty="0" err="1">
+                <a:solidFill>
+                  <a:srgbClr val="000000"/>
+                </a:solidFill>
+                <a:latin typeface="Monaco"/>
+              </a:rPr>
+              <a:t>count</a:t>
+            </a:r>
+            <a:r>
+              <a:rPr lang="de-DE" b="1" dirty="0">
+                <a:solidFill>
+                  <a:srgbClr val="000000"/>
+                </a:solidFill>
+                <a:latin typeface="Monaco"/>
+              </a:rPr>
+              <a:t>, </a:t>
+            </a:r>
+            <a:r>
+              <a:rPr lang="de-DE" b="1" dirty="0" err="1">
+                <a:solidFill>
+                  <a:srgbClr val="7F0055"/>
+                </a:solidFill>
+                <a:latin typeface="Monaco"/>
+              </a:rPr>
+              <a:t>char</a:t>
+            </a:r>
+            <a:r>
+              <a:rPr lang="de-DE" b="1" dirty="0">
+                <a:solidFill>
+                  <a:srgbClr val="000000"/>
+                </a:solidFill>
+                <a:latin typeface="Monaco"/>
+              </a:rPr>
+              <a:t>* </a:t>
+            </a:r>
+            <a:r>
+              <a:rPr lang="de-DE" b="1" dirty="0" err="1">
+                <a:solidFill>
+                  <a:srgbClr val="000000"/>
+                </a:solidFill>
+                <a:latin typeface="Monaco"/>
+              </a:rPr>
+              <a:t>buffer</a:t>
+            </a:r>
+            <a:r>
+              <a:rPr lang="de-DE" b="1" dirty="0">
+                <a:solidFill>
+                  <a:srgbClr val="000000"/>
+                </a:solidFill>
+                <a:latin typeface="Monaco"/>
+              </a:rPr>
+              <a:t>);</a:t>
+            </a:r>
+          </a:p>
+          <a:p>
+            <a:r>
+              <a:rPr lang="de-DE" dirty="0">
+                <a:solidFill>
+                  <a:srgbClr val="000000"/>
+                </a:solidFill>
+                <a:latin typeface="Monaco"/>
+              </a:rPr>
+              <a:t>    </a:t>
+            </a:r>
+            <a:r>
+              <a:rPr lang="de-DE" b="1" dirty="0" err="1">
+                <a:solidFill>
+                  <a:srgbClr val="7F0055"/>
+                </a:solidFill>
+                <a:latin typeface="Monaco"/>
+              </a:rPr>
+              <a:t>int</a:t>
+            </a:r>
+            <a:r>
+              <a:rPr lang="de-DE" b="1" dirty="0">
+                <a:solidFill>
+                  <a:srgbClr val="000000"/>
+                </a:solidFill>
+                <a:latin typeface="Monaco"/>
+              </a:rPr>
+              <a:t> (*</a:t>
+            </a:r>
+            <a:r>
+              <a:rPr lang="de-DE" b="1" dirty="0" err="1">
+                <a:solidFill>
+                  <a:srgbClr val="0000C0"/>
+                </a:solidFill>
+                <a:latin typeface="Monaco"/>
+              </a:rPr>
+              <a:t>ioctl</a:t>
+            </a:r>
+            <a:r>
+              <a:rPr lang="de-DE" b="1" dirty="0">
+                <a:solidFill>
+                  <a:srgbClr val="000000"/>
+                </a:solidFill>
+                <a:latin typeface="Monaco"/>
+              </a:rPr>
+              <a:t>)(</a:t>
+            </a:r>
+            <a:r>
+              <a:rPr lang="de-DE" b="1" dirty="0" err="1">
+                <a:solidFill>
+                  <a:srgbClr val="005032"/>
+                </a:solidFill>
+                <a:latin typeface="Monaco"/>
+              </a:rPr>
+              <a:t>device_t</a:t>
+            </a:r>
+            <a:r>
+              <a:rPr lang="de-DE" b="1" dirty="0">
+                <a:solidFill>
+                  <a:srgbClr val="000000"/>
+                </a:solidFill>
+                <a:latin typeface="Monaco"/>
+              </a:rPr>
+              <a:t> </a:t>
+            </a:r>
+            <a:r>
+              <a:rPr lang="de-DE" b="1" dirty="0" err="1">
+                <a:solidFill>
+                  <a:srgbClr val="000000"/>
+                </a:solidFill>
+                <a:latin typeface="Monaco"/>
+              </a:rPr>
+              <a:t>dev</a:t>
+            </a:r>
+            <a:r>
+              <a:rPr lang="de-DE" b="1" dirty="0">
+                <a:solidFill>
+                  <a:srgbClr val="000000"/>
+                </a:solidFill>
+                <a:latin typeface="Monaco"/>
+              </a:rPr>
+              <a:t>, </a:t>
+            </a:r>
+            <a:r>
+              <a:rPr lang="de-DE" b="1" dirty="0" err="1">
+                <a:solidFill>
+                  <a:srgbClr val="005032"/>
+                </a:solidFill>
+                <a:latin typeface="Monaco"/>
+              </a:rPr>
+              <a:t>ioctl_t</a:t>
+            </a:r>
+            <a:r>
+              <a:rPr lang="de-DE" b="1" dirty="0">
+                <a:solidFill>
+                  <a:srgbClr val="000000"/>
+                </a:solidFill>
+                <a:latin typeface="Monaco"/>
+              </a:rPr>
+              <a:t> </a:t>
+            </a:r>
+            <a:r>
+              <a:rPr lang="de-DE" b="1" dirty="0" err="1">
+                <a:solidFill>
+                  <a:srgbClr val="000000"/>
+                </a:solidFill>
+                <a:latin typeface="Monaco"/>
+              </a:rPr>
+              <a:t>msg</a:t>
+            </a:r>
+            <a:r>
+              <a:rPr lang="de-DE" b="1" dirty="0">
+                <a:solidFill>
+                  <a:srgbClr val="000000"/>
+                </a:solidFill>
+                <a:latin typeface="Monaco"/>
+              </a:rPr>
+              <a:t>);</a:t>
+            </a:r>
+          </a:p>
+          <a:p>
+            <a:r>
+              <a:rPr lang="de-DE" dirty="0">
+                <a:solidFill>
+                  <a:srgbClr val="000000"/>
+                </a:solidFill>
+                <a:latin typeface="Monaco"/>
+              </a:rPr>
+              <a:t>    </a:t>
+            </a:r>
+            <a:r>
+              <a:rPr lang="de-DE" b="1" dirty="0" err="1">
+                <a:solidFill>
+                  <a:srgbClr val="7F0055"/>
+                </a:solidFill>
+                <a:latin typeface="Monaco"/>
+              </a:rPr>
+              <a:t>int</a:t>
+            </a:r>
+            <a:r>
+              <a:rPr lang="de-DE" b="1" dirty="0">
+                <a:solidFill>
+                  <a:srgbClr val="000000"/>
+                </a:solidFill>
+                <a:latin typeface="Monaco"/>
+              </a:rPr>
+              <a:t> (*</a:t>
+            </a:r>
+            <a:r>
+              <a:rPr lang="de-DE" b="1" dirty="0" err="1">
+                <a:solidFill>
+                  <a:srgbClr val="0000C0"/>
+                </a:solidFill>
+                <a:latin typeface="Monaco"/>
+              </a:rPr>
+              <a:t>create</a:t>
+            </a:r>
+            <a:r>
+              <a:rPr lang="de-DE" b="1" dirty="0">
+                <a:solidFill>
+                  <a:srgbClr val="000000"/>
+                </a:solidFill>
+                <a:latin typeface="Monaco"/>
+              </a:rPr>
+              <a:t>)(</a:t>
+            </a:r>
+            <a:r>
+              <a:rPr lang="de-DE" b="1" dirty="0" err="1">
+                <a:solidFill>
+                  <a:srgbClr val="005032"/>
+                </a:solidFill>
+                <a:latin typeface="Monaco"/>
+              </a:rPr>
+              <a:t>device_t</a:t>
+            </a:r>
+            <a:r>
+              <a:rPr lang="de-DE" b="1" dirty="0">
+                <a:solidFill>
+                  <a:srgbClr val="000000"/>
+                </a:solidFill>
+                <a:latin typeface="Monaco"/>
+              </a:rPr>
+              <a:t> </a:t>
+            </a:r>
+            <a:r>
+              <a:rPr lang="de-DE" b="1" dirty="0" err="1">
+                <a:solidFill>
+                  <a:srgbClr val="000000"/>
+                </a:solidFill>
+                <a:latin typeface="Monaco"/>
+              </a:rPr>
+              <a:t>dev</a:t>
+            </a:r>
+            <a:r>
+              <a:rPr lang="de-DE" b="1" dirty="0">
+                <a:solidFill>
+                  <a:srgbClr val="000000"/>
+                </a:solidFill>
+                <a:latin typeface="Monaco"/>
+              </a:rPr>
+              <a:t>);</a:t>
+            </a:r>
+          </a:p>
+          <a:p>
+            <a:r>
+              <a:rPr lang="de-DE" dirty="0">
+                <a:solidFill>
+                  <a:srgbClr val="000000"/>
+                </a:solidFill>
+                <a:latin typeface="Monaco"/>
+              </a:rPr>
+              <a:t>} </a:t>
+            </a:r>
+            <a:r>
+              <a:rPr lang="de-DE" dirty="0" err="1">
+                <a:solidFill>
+                  <a:srgbClr val="005032"/>
+                </a:solidFill>
+                <a:latin typeface="Monaco"/>
+              </a:rPr>
+              <a:t>driver_t</a:t>
+            </a:r>
+            <a:r>
+              <a:rPr lang="de-DE" dirty="0">
+                <a:solidFill>
+                  <a:srgbClr val="000000"/>
+                </a:solidFill>
+                <a:latin typeface="Monaco"/>
+              </a:rPr>
+              <a:t>;</a:t>
+            </a:r>
+            <a:endParaRPr lang="de-DE" dirty="0"/>
+          </a:p>
+        </p:txBody>
+      </p:sp>
+    </p:spTree>
+    <p:extLst>
+      <p:ext uri="{BB962C8B-B14F-4D97-AF65-F5344CB8AC3E}">
+        <p14:creationId xmlns:p14="http://schemas.microsoft.com/office/powerpoint/2010/main" val="3369347736"/>
+      </p:ext>
+    </p:extLst>
+  </p:cSld>
+  <p:clrMapOvr>
+    <a:masterClrMapping/>
+  </p:clrMapOvr>
+  <p:timing>
+    <p:tnLst>
+      <p:par>
+        <p:cTn xmlns:p14="http://schemas.microsoft.com/office/powerpoint/2010/main" id="1" dur="indefinite" restart="never" nodeType="tmRoot"/>
+      </p:par>
+    </p:tnLst>
+  </p:timing>
+</p:sld>
+</file>
+
+<file path=ppt/slides/slide19.xml><?xml version="1.0" encoding="utf-8"?>
+<p:sld xmlns:a="http://schemas.openxmlformats.org/drawingml/2006/main" xmlns:r="http://schemas.openxmlformats.org/officeDocument/2006/relationships" xmlns:p="http://schemas.openxmlformats.org/presentationml/2006/main">
+  <p:cSld>
+    <p:spTree>
+      <p:nvGrpSpPr>
+        <p:cNvPr id="1" name=""/>
+        <p:cNvGrpSpPr/>
+        <p:nvPr/>
+      </p:nvGrpSpPr>
+      <p:grpSpPr>
+        <a:xfrm>
+          <a:off x="0" y="0"/>
+          <a:ext cx="0" cy="0"/>
+          <a:chOff x="0" y="0"/>
+          <a:chExt cx="0" cy="0"/>
+        </a:xfrm>
+      </p:grpSpPr>
+      <p:sp>
+        <p:nvSpPr>
+          <p:cNvPr id="2" name="Titel 1"/>
+          <p:cNvSpPr>
+            <a:spLocks noGrp="1"/>
+          </p:cNvSpPr>
+          <p:nvPr>
+            <p:ph type="title"/>
+          </p:nvPr>
+        </p:nvSpPr>
+        <p:spPr/>
+        <p:txBody>
+          <a:bodyPr/>
+          <a:lstStyle/>
+          <a:p>
+            <a:r>
+              <a:rPr lang="de-DE" dirty="0" err="1" smtClean="0"/>
+              <a:t>Performanztests</a:t>
+            </a:r>
+            <a:endParaRPr lang="de-DE" dirty="0"/>
+          </a:p>
+        </p:txBody>
+      </p:sp>
+      <p:sp>
+        <p:nvSpPr>
+          <p:cNvPr id="3" name="Inhaltsplatzhalter 2"/>
+          <p:cNvSpPr>
+            <a:spLocks noGrp="1"/>
+          </p:cNvSpPr>
+          <p:nvPr>
+            <p:ph idx="1"/>
+          </p:nvPr>
+        </p:nvSpPr>
+        <p:spPr/>
+        <p:txBody>
+          <a:bodyPr/>
+          <a:lstStyle/>
+          <a:p>
+            <a:r>
+              <a:rPr lang="de-DE" dirty="0" smtClean="0"/>
               <a:t>Aktuelle Speicherauslastung mit </a:t>
             </a:r>
             <a:r>
@@ -3658,6 +8774,13 @@
   <p:clrMapOvr>
     <a:masterClrMapping/>
   </p:clrMapOvr>
+  <p:timing>
+    <p:tnLst>
+      <p:par>
+        <p:cTn xmlns:p14="http://schemas.microsoft.com/office/powerpoint/2010/main" id="1" dur="indefinite" restart="never" nodeType="tmRoot"/>
+      </p:par>
+    </p:tnLst>
+  </p:timing>
 </p:sld>
 </file>
 
@@ -3794,6 +8917,91 @@
     <p:extLst>
       <p:ext uri="{BB962C8B-B14F-4D97-AF65-F5344CB8AC3E}">
         <p14:creationId xmlns:p14="http://schemas.microsoft.com/office/powerpoint/2010/main" val="2077675074"/>
+      </p:ext>
+    </p:extLst>
+  </p:cSld>
+  <p:clrMapOvr>
+    <a:masterClrMapping/>
+  </p:clrMapOvr>
+  <p:timing>
+    <p:tnLst>
+      <p:par>
+        <p:cTn xmlns:p14="http://schemas.microsoft.com/office/powerpoint/2010/main" id="1" dur="indefinite" restart="never" nodeType="tmRoot"/>
+      </p:par>
+    </p:tnLst>
+  </p:timing>
+</p:sld>
+</file>
+
+<file path=ppt/slides/slide20.xml><?xml version="1.0" encoding="utf-8"?>
+<p:sld xmlns:a="http://schemas.openxmlformats.org/drawingml/2006/main" xmlns:r="http://schemas.openxmlformats.org/officeDocument/2006/relationships" xmlns:p="http://schemas.openxmlformats.org/presentationml/2006/main">
+  <p:cSld>
+    <p:spTree>
+      <p:nvGrpSpPr>
+        <p:cNvPr id="1" name=""/>
+        <p:cNvGrpSpPr/>
+        <p:nvPr/>
+      </p:nvGrpSpPr>
+      <p:grpSpPr>
+        <a:xfrm>
+          <a:off x="0" y="0"/>
+          <a:ext cx="0" cy="0"/>
+          <a:chOff x="0" y="0"/>
+          <a:chExt cx="0" cy="0"/>
+        </a:xfrm>
+      </p:grpSpPr>
+      <p:sp>
+        <p:nvSpPr>
+          <p:cNvPr id="2" name="Titel 1"/>
+          <p:cNvSpPr>
+            <a:spLocks noGrp="1"/>
+          </p:cNvSpPr>
+          <p:nvPr>
+            <p:ph type="title"/>
+          </p:nvPr>
+        </p:nvSpPr>
+        <p:spPr/>
+        <p:txBody>
+          <a:bodyPr/>
+          <a:lstStyle/>
+          <a:p>
+            <a:r>
+              <a:rPr lang="de-DE" dirty="0" err="1" smtClean="0"/>
+              <a:t>Demotime</a:t>
+            </a:r>
+            <a:endParaRPr lang="de-DE" dirty="0"/>
+          </a:p>
+        </p:txBody>
+      </p:sp>
+      <p:pic>
+        <p:nvPicPr>
+          <p:cNvPr id="4" name="Inhaltsplatzhalter 3" descr="IMG_20120201_195705.jpg"/>
+          <p:cNvPicPr>
+            <a:picLocks noGrp="1" noChangeAspect="1"/>
+          </p:cNvPicPr>
+          <p:nvPr>
+            <p:ph idx="1"/>
+          </p:nvPr>
+        </p:nvPicPr>
+        <p:blipFill>
+          <a:blip r:embed="rId2">
+            <a:extLst>
+              <a:ext uri="{28A0092B-C50C-407E-A947-70E740481C1C}">
+                <a14:useLocalDpi xmlns:a14="http://schemas.microsoft.com/office/drawing/2010/main" val="0"/>
+              </a:ext>
+            </a:extLst>
+          </a:blip>
+          <a:srcRect t="13336" b="13336"/>
+          <a:stretch>
+            <a:fillRect/>
+          </a:stretch>
+        </p:blipFill>
+        <p:spPr/>
+      </p:pic>
+    </p:spTree>
+    <p:extLst>
+      <p:ext uri="{BB962C8B-B14F-4D97-AF65-F5344CB8AC3E}">
+        <p14:creationId xmlns:p14="http://schemas.microsoft.com/office/powerpoint/2010/main" val="581921924"/>
       </p:ext>
     </p:extLst>
   </p:cSld>
@@ -4693,6 +9901,174 @@
           </a:p>
         </p:txBody>
       </p:sp>
+      <p:sp>
+        <p:nvSpPr>
+          <p:cNvPr id="4" name="Pfeil nach links 3"/>
+          <p:cNvSpPr/>
+          <p:nvPr/>
+        </p:nvSpPr>
+        <p:spPr>
+          <a:xfrm>
+            <a:off x="6035230" y="2380131"/>
+            <a:ext cx="2651570" cy="822960"/>
+          </a:xfrm>
+          <a:prstGeom prst="leftArrow">
+            <a:avLst/>
+          </a:prstGeom>
+          <a:ln/>
+        </p:spPr>
+        <p:style>
+          <a:lnRef idx="1">
+            <a:schemeClr val="accent1"/>
+          </a:lnRef>
+          <a:fillRef idx="3">
+            <a:schemeClr val="accent1"/>
+          </a:fillRef>
+          <a:effectRef idx="2">
+            <a:schemeClr val="accent1"/>
+          </a:effectRef>
+          <a:fontRef idx="minor">
+            <a:schemeClr val="lt1"/>
+          </a:fontRef>
+        </p:style>
+        <p:txBody>
+          <a:bodyPr/>
+          <a:lstStyle/>
+          <a:p>
+            <a:r>
+              <a:rPr lang="de-DE" dirty="0" smtClean="0"/>
+              <a:t>Speichermanagement</a:t>
+            </a:r>
+            <a:endParaRPr lang="de-DE" dirty="0"/>
+          </a:p>
+        </p:txBody>
+      </p:sp>
+      <p:sp>
+        <p:nvSpPr>
+          <p:cNvPr id="5" name="Pfeil nach links 4"/>
+          <p:cNvSpPr/>
+          <p:nvPr/>
+        </p:nvSpPr>
+        <p:spPr>
+          <a:xfrm>
+            <a:off x="6035230" y="3549591"/>
+            <a:ext cx="1445939" cy="822960"/>
+          </a:xfrm>
+          <a:prstGeom prst="leftArrow">
+            <a:avLst/>
+          </a:prstGeom>
+          <a:ln/>
+        </p:spPr>
+        <p:style>
+          <a:lnRef idx="1">
+            <a:schemeClr val="accent1"/>
+          </a:lnRef>
+          <a:fillRef idx="3">
+            <a:schemeClr val="accent1"/>
+          </a:fillRef>
+          <a:effectRef idx="2">
+            <a:schemeClr val="accent1"/>
+          </a:effectRef>
+          <a:fontRef idx="minor">
+            <a:schemeClr val="lt1"/>
+          </a:fontRef>
+        </p:style>
+        <p:txBody>
+          <a:bodyPr/>
+          <a:lstStyle/>
+          <a:p>
+            <a:r>
+              <a:rPr lang="de-DE" dirty="0" smtClean="0"/>
+              <a:t>Scheduler</a:t>
+            </a:r>
+            <a:endParaRPr lang="de-DE" dirty="0"/>
+          </a:p>
+        </p:txBody>
+      </p:sp>
+      <p:sp>
+        <p:nvSpPr>
+          <p:cNvPr id="7" name="Pfeil nach links 6"/>
+          <p:cNvSpPr/>
+          <p:nvPr/>
+        </p:nvSpPr>
+        <p:spPr>
+          <a:xfrm>
+            <a:off x="6035230" y="4492705"/>
+            <a:ext cx="2376370" cy="822960"/>
+          </a:xfrm>
+          <a:prstGeom prst="leftArrow">
+            <a:avLst/>
+          </a:prstGeom>
+          <a:ln/>
+        </p:spPr>
+        <p:style>
+          <a:lnRef idx="1">
+            <a:schemeClr val="accent1"/>
+          </a:lnRef>
+          <a:fillRef idx="3">
+            <a:schemeClr val="accent1"/>
+          </a:fillRef>
+          <a:effectRef idx="2">
+            <a:schemeClr val="accent1"/>
+          </a:effectRef>
+          <a:fontRef idx="minor">
+            <a:schemeClr val="lt1"/>
+          </a:fontRef>
+        </p:style>
+        <p:txBody>
+          <a:bodyPr/>
+          <a:lstStyle/>
+          <a:p>
+            <a:r>
+              <a:rPr lang="de-DE" dirty="0" smtClean="0"/>
+              <a:t>Dateimanagement</a:t>
+            </a:r>
+            <a:endParaRPr lang="de-DE" dirty="0"/>
+          </a:p>
+        </p:txBody>
+      </p:sp>
+      <p:sp>
+        <p:nvSpPr>
+          <p:cNvPr id="8" name="Pfeil nach links 7"/>
+          <p:cNvSpPr/>
+          <p:nvPr/>
+        </p:nvSpPr>
+        <p:spPr>
+          <a:xfrm>
+            <a:off x="6035229" y="5360368"/>
+            <a:ext cx="2376370" cy="822960"/>
+          </a:xfrm>
+          <a:prstGeom prst="leftArrow">
+            <a:avLst/>
+          </a:prstGeom>
+          <a:ln/>
+        </p:spPr>
+        <p:style>
+          <a:lnRef idx="1">
+            <a:schemeClr val="accent1"/>
+          </a:lnRef>
+          <a:fillRef idx="3">
+            <a:schemeClr val="accent1"/>
+          </a:fillRef>
+          <a:effectRef idx="2">
+            <a:schemeClr val="accent1"/>
+          </a:effectRef>
+          <a:fontRef idx="minor">
+            <a:schemeClr val="lt1"/>
+          </a:fontRef>
+        </p:style>
+        <p:txBody>
+          <a:bodyPr/>
+          <a:lstStyle/>
+          <a:p>
+            <a:r>
+              <a:rPr lang="de-DE" dirty="0" smtClean="0"/>
+              <a:t>Prozessmanagement</a:t>
+            </a:r>
+            <a:endParaRPr lang="de-DE" dirty="0"/>
+          </a:p>
+        </p:txBody>
+      </p:sp>
     </p:spTree>
     <p:extLst>
       <p:ext uri="{BB962C8B-B14F-4D97-AF65-F5344CB8AC3E}">
@@ -4870,11 +10246,7 @@
           <a:p>
             <a:r>
               <a:rPr lang="de-DE" dirty="0" smtClean="0"/>
-              <a:t>Externes Sensorboard mit einem AVR </a:t>
-            </a:r>
-            <a:r>
-              <a:rPr lang="de-DE" dirty="0" smtClean="0"/>
-              <a:t>µC</a:t>
+              <a:t>Externes Sensorboard mit einem AVR µC</a:t>
             </a:r>
           </a:p>
           <a:p>
@@ -4913,6 +10285,90 @@
 </file>
 
 <file path=ppt/slides/slide7.xml><?xml version="1.0" encoding="utf-8"?>
+<p:sld xmlns:a="http://schemas.openxmlformats.org/drawingml/2006/main" xmlns:r="http://schemas.openxmlformats.org/officeDocument/2006/relationships" xmlns:p="http://schemas.openxmlformats.org/presentationml/2006/main">
+  <p:cSld>
+    <p:spTree>
+      <p:nvGrpSpPr>
+        <p:cNvPr id="1" name=""/>
+        <p:cNvGrpSpPr/>
+        <p:nvPr/>
+      </p:nvGrpSpPr>
+      <p:grpSpPr>
+        <a:xfrm>
+          <a:off x="0" y="0"/>
+          <a:ext cx="0" cy="0"/>
+          <a:chOff x="0" y="0"/>
+          <a:chExt cx="0" cy="0"/>
+        </a:xfrm>
+      </p:grpSpPr>
+      <p:sp>
+        <p:nvSpPr>
+          <p:cNvPr id="2" name="Titel 1"/>
+          <p:cNvSpPr>
+            <a:spLocks noGrp="1"/>
+          </p:cNvSpPr>
+          <p:nvPr>
+            <p:ph type="title"/>
+          </p:nvPr>
+        </p:nvSpPr>
+        <p:spPr/>
+        <p:txBody>
+          <a:bodyPr/>
+          <a:lstStyle/>
+          <a:p>
+            <a:r>
+              <a:rPr lang="de-DE" dirty="0"/>
+              <a:t>Implementierung Wetterstation</a:t>
+            </a:r>
+          </a:p>
+        </p:txBody>
+      </p:sp>
+      <p:pic>
+        <p:nvPicPr>
+          <p:cNvPr id="4" name="Inhaltsplatzhalter 3" descr="IMG_20120201_195939.jpg"/>
+          <p:cNvPicPr>
+            <a:picLocks noGrp="1" noChangeAspect="1"/>
+          </p:cNvPicPr>
+          <p:nvPr>
+            <p:ph idx="1"/>
+          </p:nvPr>
+        </p:nvPicPr>
+        <p:blipFill>
+          <a:blip r:embed="rId2">
+            <a:extLst>
+              <a:ext uri="{28A0092B-C50C-407E-A947-70E740481C1C}">
+                <a14:useLocalDpi xmlns:a14="http://schemas.microsoft.com/office/drawing/2010/main" val="0"/>
+              </a:ext>
+            </a:extLst>
+          </a:blip>
+          <a:srcRect t="13336" b="13336"/>
+          <a:stretch>
+            <a:fillRect/>
+          </a:stretch>
+        </p:blipFill>
+        <p:spPr/>
+      </p:pic>
+    </p:spTree>
+    <p:extLst>
+      <p:ext uri="{BB962C8B-B14F-4D97-AF65-F5344CB8AC3E}">
+        <p14:creationId xmlns:p14="http://schemas.microsoft.com/office/powerpoint/2010/main" val="4172936482"/>
+      </p:ext>
+    </p:extLst>
+  </p:cSld>
+  <p:clrMapOvr>
+    <a:masterClrMapping/>
+  </p:clrMapOvr>
+  <p:timing>
+    <p:tnLst>
+      <p:par>
+        <p:cTn xmlns:p14="http://schemas.microsoft.com/office/powerpoint/2010/main" id="1" dur="indefinite" restart="never" nodeType="tmRoot"/>
+      </p:par>
+    </p:tnLst>
+  </p:timing>
+</p:sld>
+</file>
+
+<file path=ppt/slides/slide8.xml><?xml version="1.0" encoding="utf-8"?>
 <p:sld xmlns:a="http://schemas.openxmlformats.org/drawingml/2006/main" xmlns:r="http://schemas.openxmlformats.org/officeDocument/2006/relationships" xmlns:p="http://schemas.openxmlformats.org/presentationml/2006/main">
   <p:cSld>
     <p:spTree>
@@ -5068,99 +10524,6 @@
   <p:clrMapOvr>
     <a:masterClrMapping/>
   </p:clrMapOvr>
-</p:sld>
-</file>
-
-<file path=ppt/slides/slide8.xml><?xml version="1.0" encoding="utf-8"?>
-<p:sld xmlns:a="http://schemas.openxmlformats.org/drawingml/2006/main" xmlns:r="http://schemas.openxmlformats.org/officeDocument/2006/relationships" xmlns:p="http://schemas.openxmlformats.org/presentationml/2006/main">
-  <p:cSld>
-    <p:spTree>
-      <p:nvGrpSpPr>
-        <p:cNvPr id="1" name=""/>
-        <p:cNvGrpSpPr/>
-        <p:nvPr/>
-      </p:nvGrpSpPr>
-      <p:grpSpPr>
-        <a:xfrm>
-          <a:off x="0" y="0"/>
-          <a:ext cx="0" cy="0"/>
-          <a:chOff x="0" y="0"/>
-          <a:chExt cx="0" cy="0"/>
-        </a:xfrm>
-      </p:grpSpPr>
-      <p:sp>
-        <p:nvSpPr>
-          <p:cNvPr id="2" name="Titel 1"/>
-          <p:cNvSpPr>
-            <a:spLocks noGrp="1"/>
-          </p:cNvSpPr>
-          <p:nvPr>
-            <p:ph type="title"/>
-          </p:nvPr>
-        </p:nvSpPr>
-        <p:spPr/>
-        <p:txBody>
-          <a:bodyPr/>
-          <a:lstStyle/>
-          <a:p>
-            <a:r>
-              <a:rPr lang="de-DE" dirty="0" smtClean="0"/>
-              <a:t>Inter-Prozess-Kommunikation</a:t>
-            </a:r>
-            <a:endParaRPr lang="de-DE" dirty="0"/>
-          </a:p>
-        </p:txBody>
-      </p:sp>
-      <p:sp>
-        <p:nvSpPr>
-          <p:cNvPr id="3" name="Inhaltsplatzhalter 2"/>
-          <p:cNvSpPr>
-            <a:spLocks noGrp="1"/>
-          </p:cNvSpPr>
-          <p:nvPr>
-            <p:ph idx="1"/>
-          </p:nvPr>
-        </p:nvSpPr>
-        <p:spPr/>
-        <p:txBody>
-          <a:bodyPr/>
-          <a:lstStyle/>
-          <a:p>
-            <a:r>
-              <a:rPr lang="de-DE" dirty="0" smtClean="0"/>
-              <a:t>Implementierung mit Message-Queue</a:t>
-            </a:r>
-          </a:p>
-          <a:p>
-            <a:r>
-              <a:rPr lang="de-DE" dirty="0" smtClean="0"/>
-              <a:t>(mehrere) Empfänger registriert sich an Namespace und wartet auf Nachrichten</a:t>
-            </a:r>
-          </a:p>
-          <a:p>
-            <a:r>
-              <a:rPr lang="de-DE" dirty="0" smtClean="0"/>
-              <a:t>Sender schickt an Namespace Nachricht</a:t>
-            </a:r>
-          </a:p>
-          <a:p>
-            <a:r>
-              <a:rPr lang="de-DE" dirty="0" smtClean="0"/>
-              <a:t>Nachricht wird an alle registrierten Empfänger gesendet</a:t>
-            </a:r>
-          </a:p>
-        </p:txBody>
-      </p:sp>
-    </p:spTree>
-    <p:extLst>
-      <p:ext uri="{BB962C8B-B14F-4D97-AF65-F5344CB8AC3E}">
-        <p14:creationId xmlns:p14="http://schemas.microsoft.com/office/powerpoint/2010/main" val="3459233991"/>
-      </p:ext>
-    </p:extLst>
-  </p:cSld>
-  <p:clrMapOvr>
-    <a:masterClrMapping/>
-  </p:clrMapOvr>
   <p:timing>
     <p:tnLst>
       <p:par>
@@ -5213,454 +10576,48 @@
       </p:sp>
       <p:sp>
         <p:nvSpPr>
-          <p:cNvPr id="4" name="Textfeld 3"/>
-          <p:cNvSpPr txBox="1"/>
-          <p:nvPr/>
+          <p:cNvPr id="3" name="Inhaltsplatzhalter 2"/>
+          <p:cNvSpPr>
+            <a:spLocks noGrp="1"/>
+          </p:cNvSpPr>
+          <p:nvPr>
+            <p:ph idx="1"/>
+          </p:nvPr>
         </p:nvSpPr>
-        <p:spPr>
-          <a:xfrm>
-            <a:off x="553229" y="1792512"/>
-            <a:ext cx="8034398" cy="2862323"/>
-          </a:xfrm>
-          <a:prstGeom prst="rect">
-            <a:avLst/>
-          </a:prstGeom>
-          <a:noFill/>
-        </p:spPr>
+        <p:spPr/>
         <p:txBody>
-          <a:bodyPr wrap="square" rtlCol="0">
-            <a:spAutoFit/>
-          </a:bodyPr>
+          <a:bodyPr/>
           <a:lstStyle/>
           <a:p>
             <a:r>
-              <a:rPr lang="de-DE" dirty="0" smtClean="0">
-                <a:solidFill>
-                  <a:srgbClr val="3F7F5F"/>
-                </a:solidFill>
-                <a:latin typeface="Monaco"/>
-              </a:rPr>
-              <a:t>/*</a:t>
-            </a:r>
-          </a:p>
-          <a:p>
-            <a:r>
-              <a:rPr lang="de-DE" dirty="0" smtClean="0">
-                <a:solidFill>
-                  <a:srgbClr val="3F7F5F"/>
-                </a:solidFill>
-                <a:latin typeface="Monaco"/>
-              </a:rPr>
-              <a:t> * IPC </a:t>
-            </a:r>
-            <a:r>
-              <a:rPr lang="de-DE" dirty="0" err="1" smtClean="0">
-                <a:solidFill>
-                  <a:srgbClr val="3F7F5F"/>
-                </a:solidFill>
-                <a:latin typeface="Monaco"/>
-              </a:rPr>
-              <a:t>message</a:t>
-            </a:r>
-            <a:endParaRPr lang="de-DE" dirty="0" smtClean="0">
-              <a:solidFill>
-                <a:srgbClr val="3F7F5F"/>
-              </a:solidFill>
-              <a:latin typeface="Monaco"/>
-            </a:endParaRPr>
-          </a:p>
-          <a:p>
-            <a:r>
-              <a:rPr lang="de-DE" dirty="0" smtClean="0">
-                <a:solidFill>
-                  <a:srgbClr val="3F7F5F"/>
-                </a:solidFill>
-                <a:latin typeface="Monaco"/>
-              </a:rPr>
-              <a:t> */</a:t>
-            </a:r>
-          </a:p>
-          <a:p>
-            <a:r>
-              <a:rPr lang="de-DE" b="1" dirty="0" err="1" smtClean="0">
-                <a:solidFill>
-                  <a:srgbClr val="7F0055"/>
-                </a:solidFill>
-                <a:latin typeface="Monaco"/>
-              </a:rPr>
-              <a:t>typedef</a:t>
-            </a:r>
-            <a:r>
-              <a:rPr lang="de-DE" b="1" dirty="0" smtClean="0">
-                <a:solidFill>
-                  <a:srgbClr val="000000"/>
-                </a:solidFill>
-                <a:latin typeface="Monaco"/>
-              </a:rPr>
-              <a:t> </a:t>
-            </a:r>
-            <a:r>
-              <a:rPr lang="de-DE" b="1" dirty="0" err="1" smtClean="0">
-                <a:solidFill>
-                  <a:srgbClr val="7F0055"/>
-                </a:solidFill>
-                <a:latin typeface="Monaco"/>
-              </a:rPr>
-              <a:t>struct</a:t>
-            </a:r>
-            <a:r>
-              <a:rPr lang="de-DE" b="1" dirty="0" smtClean="0">
-                <a:solidFill>
-                  <a:srgbClr val="000000"/>
-                </a:solidFill>
-                <a:latin typeface="Monaco"/>
-              </a:rPr>
-              <a:t> </a:t>
-            </a:r>
-            <a:r>
-              <a:rPr lang="de-DE" b="1" dirty="0" err="1" smtClean="0">
-                <a:solidFill>
-                  <a:srgbClr val="000000"/>
-                </a:solidFill>
-                <a:latin typeface="Monaco"/>
-              </a:rPr>
-              <a:t>ipc_message_t</a:t>
-            </a:r>
-            <a:r>
-              <a:rPr lang="de-DE" b="1" dirty="0" smtClean="0">
-                <a:solidFill>
-                  <a:srgbClr val="000000"/>
-                </a:solidFill>
-                <a:latin typeface="Monaco"/>
-              </a:rPr>
-              <a:t> {</a:t>
-            </a:r>
-          </a:p>
-          <a:p>
-            <a:r>
-              <a:rPr lang="de-DE" dirty="0" smtClean="0">
-                <a:solidFill>
-                  <a:srgbClr val="000000"/>
-                </a:solidFill>
-                <a:latin typeface="Monaco"/>
-              </a:rPr>
-              <a:t>    </a:t>
-            </a:r>
-            <a:r>
-              <a:rPr lang="de-DE" dirty="0" err="1" smtClean="0">
-                <a:solidFill>
-                  <a:srgbClr val="005032"/>
-                </a:solidFill>
-                <a:latin typeface="Monaco"/>
-              </a:rPr>
-              <a:t>pid_t</a:t>
-            </a:r>
-            <a:r>
-              <a:rPr lang="de-DE" dirty="0" smtClean="0">
-                <a:solidFill>
-                  <a:srgbClr val="000000"/>
-                </a:solidFill>
-                <a:latin typeface="Monaco"/>
-              </a:rPr>
-              <a:t> </a:t>
-            </a:r>
-            <a:r>
-              <a:rPr lang="de-DE" dirty="0" err="1" smtClean="0">
-                <a:solidFill>
-                  <a:srgbClr val="0000C0"/>
-                </a:solidFill>
-                <a:latin typeface="Monaco"/>
-              </a:rPr>
-              <a:t>sender</a:t>
-            </a:r>
-            <a:r>
-              <a:rPr lang="de-DE" dirty="0" smtClean="0">
-                <a:solidFill>
-                  <a:srgbClr val="000000"/>
-                </a:solidFill>
-                <a:latin typeface="Monaco"/>
-              </a:rPr>
-              <a:t>;</a:t>
-            </a:r>
-          </a:p>
-          <a:p>
-            <a:r>
-              <a:rPr lang="de-DE" dirty="0" smtClean="0">
-                <a:solidFill>
-                  <a:srgbClr val="000000"/>
-                </a:solidFill>
-                <a:latin typeface="Monaco"/>
-              </a:rPr>
-              <a:t>    </a:t>
-            </a:r>
-            <a:r>
-              <a:rPr lang="de-DE" dirty="0" err="1" smtClean="0">
-                <a:solidFill>
-                  <a:srgbClr val="005032"/>
-                </a:solidFill>
-                <a:latin typeface="Monaco"/>
-              </a:rPr>
-              <a:t>pid_t</a:t>
-            </a:r>
-            <a:r>
-              <a:rPr lang="de-DE" dirty="0" smtClean="0">
-                <a:solidFill>
-                  <a:srgbClr val="000000"/>
-                </a:solidFill>
-                <a:latin typeface="Monaco"/>
-              </a:rPr>
-              <a:t> </a:t>
-            </a:r>
-            <a:r>
-              <a:rPr lang="de-DE" dirty="0" err="1" smtClean="0">
-                <a:solidFill>
-                  <a:srgbClr val="0000C0"/>
-                </a:solidFill>
-                <a:latin typeface="Monaco"/>
-              </a:rPr>
-              <a:t>receiver</a:t>
-            </a:r>
-            <a:r>
-              <a:rPr lang="de-DE" dirty="0" smtClean="0">
-                <a:solidFill>
-                  <a:srgbClr val="000000"/>
-                </a:solidFill>
-                <a:latin typeface="Monaco"/>
-              </a:rPr>
-              <a:t>;</a:t>
-            </a:r>
-          </a:p>
-          <a:p>
-            <a:r>
-              <a:rPr lang="de-DE" dirty="0" smtClean="0">
-                <a:solidFill>
-                  <a:srgbClr val="000000"/>
-                </a:solidFill>
-                <a:latin typeface="Monaco"/>
-              </a:rPr>
-              <a:t>    </a:t>
-            </a:r>
-            <a:r>
-              <a:rPr lang="de-DE" b="1" dirty="0" err="1" smtClean="0">
-                <a:solidFill>
-                  <a:srgbClr val="7F0055"/>
-                </a:solidFill>
-                <a:latin typeface="Monaco"/>
-              </a:rPr>
-              <a:t>const</a:t>
-            </a:r>
-            <a:r>
-              <a:rPr lang="de-DE" b="1" dirty="0" smtClean="0">
-                <a:solidFill>
-                  <a:srgbClr val="000000"/>
-                </a:solidFill>
-                <a:latin typeface="Monaco"/>
-              </a:rPr>
-              <a:t> </a:t>
-            </a:r>
-            <a:r>
-              <a:rPr lang="de-DE" b="1" dirty="0" err="1" smtClean="0">
-                <a:solidFill>
-                  <a:srgbClr val="7F0055"/>
-                </a:solidFill>
-                <a:latin typeface="Monaco"/>
-              </a:rPr>
-              <a:t>char</a:t>
-            </a:r>
-            <a:r>
-              <a:rPr lang="de-DE" b="1" dirty="0" smtClean="0">
-                <a:solidFill>
-                  <a:srgbClr val="000000"/>
-                </a:solidFill>
-                <a:latin typeface="Monaco"/>
-              </a:rPr>
-              <a:t>* </a:t>
-            </a:r>
-            <a:r>
-              <a:rPr lang="de-DE" b="1" dirty="0" err="1" smtClean="0">
-                <a:solidFill>
-                  <a:srgbClr val="0000C0"/>
-                </a:solidFill>
-                <a:latin typeface="Monaco"/>
-              </a:rPr>
-              <a:t>ns</a:t>
-            </a:r>
-            <a:r>
-              <a:rPr lang="de-DE" b="1" dirty="0" smtClean="0">
-                <a:solidFill>
-                  <a:srgbClr val="000000"/>
-                </a:solidFill>
-                <a:latin typeface="Monaco"/>
-              </a:rPr>
-              <a:t>;</a:t>
-            </a:r>
-          </a:p>
-          <a:p>
-            <a:r>
-              <a:rPr lang="de-DE" dirty="0" smtClean="0">
-                <a:solidFill>
-                  <a:srgbClr val="000000"/>
-                </a:solidFill>
-                <a:latin typeface="Monaco"/>
-              </a:rPr>
-              <a:t>    </a:t>
-            </a:r>
-            <a:r>
-              <a:rPr lang="de-DE" b="1" dirty="0" err="1" smtClean="0">
-                <a:solidFill>
-                  <a:srgbClr val="7F0055"/>
-                </a:solidFill>
-                <a:latin typeface="Monaco"/>
-              </a:rPr>
-              <a:t>struct</a:t>
-            </a:r>
-            <a:r>
-              <a:rPr lang="de-DE" b="1" dirty="0" smtClean="0">
-                <a:solidFill>
-                  <a:srgbClr val="000000"/>
-                </a:solidFill>
-                <a:latin typeface="Monaco"/>
-              </a:rPr>
-              <a:t> </a:t>
-            </a:r>
-            <a:r>
-              <a:rPr lang="de-DE" b="1" dirty="0" err="1" smtClean="0">
-                <a:solidFill>
-                  <a:srgbClr val="000000"/>
-                </a:solidFill>
-                <a:latin typeface="Monaco"/>
-              </a:rPr>
-              <a:t>message_t</a:t>
-            </a:r>
-            <a:r>
-              <a:rPr lang="de-DE" b="1" dirty="0" smtClean="0">
-                <a:solidFill>
-                  <a:srgbClr val="000000"/>
-                </a:solidFill>
-                <a:latin typeface="Monaco"/>
-              </a:rPr>
-              <a:t>* </a:t>
-            </a:r>
-            <a:r>
-              <a:rPr lang="de-DE" b="1" dirty="0" err="1" smtClean="0">
-                <a:solidFill>
-                  <a:srgbClr val="0000C0"/>
-                </a:solidFill>
-                <a:latin typeface="Monaco"/>
-              </a:rPr>
-              <a:t>message</a:t>
-            </a:r>
-            <a:r>
-              <a:rPr lang="de-DE" b="1" dirty="0" smtClean="0">
-                <a:solidFill>
-                  <a:srgbClr val="000000"/>
-                </a:solidFill>
-                <a:latin typeface="Monaco"/>
-              </a:rPr>
-              <a:t>;</a:t>
-            </a:r>
-          </a:p>
-          <a:p>
-            <a:r>
-              <a:rPr lang="de-DE" dirty="0" smtClean="0">
-                <a:solidFill>
-                  <a:srgbClr val="000000"/>
-                </a:solidFill>
-                <a:latin typeface="Monaco"/>
-              </a:rPr>
-              <a:t>    </a:t>
-            </a:r>
-            <a:r>
-              <a:rPr lang="de-DE" b="1" dirty="0" err="1" smtClean="0">
-                <a:solidFill>
-                  <a:srgbClr val="7F0055"/>
-                </a:solidFill>
-                <a:latin typeface="Monaco"/>
-              </a:rPr>
-              <a:t>struct</a:t>
-            </a:r>
-            <a:r>
-              <a:rPr lang="de-DE" b="1" dirty="0" smtClean="0">
-                <a:solidFill>
-                  <a:srgbClr val="000000"/>
-                </a:solidFill>
-                <a:latin typeface="Monaco"/>
-              </a:rPr>
-              <a:t> </a:t>
-            </a:r>
-            <a:r>
-              <a:rPr lang="de-DE" b="1" dirty="0" err="1" smtClean="0">
-                <a:solidFill>
-                  <a:srgbClr val="000000"/>
-                </a:solidFill>
-                <a:latin typeface="Monaco"/>
-              </a:rPr>
-              <a:t>ipc_message_t</a:t>
-            </a:r>
-            <a:r>
-              <a:rPr lang="de-DE" b="1" dirty="0" smtClean="0">
-                <a:solidFill>
-                  <a:srgbClr val="000000"/>
-                </a:solidFill>
-                <a:latin typeface="Monaco"/>
-              </a:rPr>
-              <a:t>* </a:t>
-            </a:r>
-            <a:r>
-              <a:rPr lang="de-DE" b="1" dirty="0" err="1" smtClean="0">
-                <a:solidFill>
-                  <a:srgbClr val="0000C0"/>
-                </a:solidFill>
-                <a:latin typeface="Monaco"/>
-              </a:rPr>
-              <a:t>next</a:t>
-            </a:r>
-            <a:r>
-              <a:rPr lang="de-DE" b="1" dirty="0" smtClean="0">
-                <a:solidFill>
-                  <a:srgbClr val="000000"/>
-                </a:solidFill>
-                <a:latin typeface="Monaco"/>
-              </a:rPr>
-              <a:t>;</a:t>
-            </a:r>
-          </a:p>
-          <a:p>
-            <a:r>
-              <a:rPr lang="de-DE" dirty="0" smtClean="0">
-                <a:solidFill>
-                  <a:srgbClr val="000000"/>
-                </a:solidFill>
-                <a:latin typeface="Monaco"/>
-              </a:rPr>
-              <a:t>} </a:t>
-            </a:r>
-            <a:r>
-              <a:rPr lang="de-DE" dirty="0" smtClean="0">
-                <a:solidFill>
-                  <a:srgbClr val="005032"/>
-                </a:solidFill>
-                <a:latin typeface="Monaco"/>
-              </a:rPr>
-              <a:t>IPC_MESSAGE</a:t>
-            </a:r>
-            <a:r>
-              <a:rPr lang="de-DE" dirty="0" smtClean="0">
-                <a:solidFill>
-                  <a:srgbClr val="000000"/>
-                </a:solidFill>
-                <a:latin typeface="Monaco"/>
-              </a:rPr>
-              <a:t>;</a:t>
-            </a:r>
-            <a:endParaRPr lang="de-DE" dirty="0"/>
+              <a:rPr lang="de-DE" dirty="0" smtClean="0"/>
+              <a:t>Implementierung mit Message-Queue</a:t>
+            </a:r>
+          </a:p>
+          <a:p>
+            <a:r>
+              <a:rPr lang="de-DE" dirty="0" smtClean="0"/>
+              <a:t>(mehrere) Empfänger registriert sich an Namespace und wartet auf Nachrichten</a:t>
+            </a:r>
+          </a:p>
+          <a:p>
+            <a:r>
+              <a:rPr lang="de-DE" dirty="0" smtClean="0"/>
+              <a:t>Sender schickt an Namespace Nachricht</a:t>
+            </a:r>
+          </a:p>
+          <a:p>
+            <a:r>
+              <a:rPr lang="de-DE" dirty="0" smtClean="0"/>
+              <a:t>Nachricht wird an alle registrierten Empfänger gesendet</a:t>
+            </a:r>
           </a:p>
         </p:txBody>
       </p:sp>
     </p:spTree>
     <p:extLst>
       <p:ext uri="{BB962C8B-B14F-4D97-AF65-F5344CB8AC3E}">
-        <p14:creationId xmlns:p14="http://schemas.microsoft.com/office/powerpoint/2010/main" val="3213471822"/>
+        <p14:creationId xmlns:p14="http://schemas.microsoft.com/office/powerpoint/2010/main" val="3459233991"/>
       </p:ext>
     </p:extLst>
   </p:cSld>
